--- a/1绪论.pptx
+++ b/1绪论.pptx
@@ -5,7 +5,7 @@
     <p:sldMasterId id="2147483648" r:id="rId1"/>
   </p:sldMasterIdLst>
   <p:notesMasterIdLst>
-    <p:notesMasterId r:id="rId19"/>
+    <p:notesMasterId r:id="rId21"/>
   </p:notesMasterIdLst>
   <p:sldIdLst>
     <p:sldId id="258" r:id="rId2"/>
@@ -19,12 +19,14 @@
     <p:sldId id="269" r:id="rId10"/>
     <p:sldId id="272" r:id="rId11"/>
     <p:sldId id="262" r:id="rId12"/>
-    <p:sldId id="271" r:id="rId13"/>
-    <p:sldId id="274" r:id="rId14"/>
+    <p:sldId id="276" r:id="rId13"/>
+    <p:sldId id="277" r:id="rId14"/>
     <p:sldId id="275" r:id="rId15"/>
     <p:sldId id="273" r:id="rId16"/>
-    <p:sldId id="264" r:id="rId17"/>
-    <p:sldId id="265" r:id="rId18"/>
+    <p:sldId id="278" r:id="rId17"/>
+    <p:sldId id="264" r:id="rId18"/>
+    <p:sldId id="279" r:id="rId19"/>
+    <p:sldId id="265" r:id="rId20"/>
   </p:sldIdLst>
   <p:sldSz cx="12192000" cy="6858000"/>
   <p:notesSz cx="6858000" cy="9144000"/>
@@ -143,11 +145,13 @@
             <p14:sldId id="269"/>
             <p14:sldId id="272"/>
             <p14:sldId id="262"/>
-            <p14:sldId id="271"/>
-            <p14:sldId id="274"/>
+            <p14:sldId id="276"/>
+            <p14:sldId id="277"/>
             <p14:sldId id="275"/>
             <p14:sldId id="273"/>
+            <p14:sldId id="278"/>
             <p14:sldId id="264"/>
+            <p14:sldId id="279"/>
             <p14:sldId id="265"/>
           </p14:sldIdLst>
         </p14:section>
@@ -242,7 +246,7 @@
           <a:p>
             <a:fld id="{66C3546E-20F6-7649-A9A4-4E4A245D3E82}" type="datetimeFigureOut">
               <a:rPr kumimoji="1" lang="zh-CN" altLang="en-US" smtClean="0"/>
-              <a:t>2019/10/14</a:t>
+              <a:t>2019/10/16</a:t>
             </a:fld>
             <a:endParaRPr kumimoji="1" lang="zh-CN" altLang="en-US"/>
           </a:p>
@@ -593,6 +597,474 @@
 </p:notes>
 </file>
 
+<file path=ppt/notesSlides/notesSlide10.xml><?xml version="1.0" encoding="utf-8"?>
+<p:notes xmlns:a="http://schemas.openxmlformats.org/drawingml/2006/main" xmlns:r="http://schemas.openxmlformats.org/officeDocument/2006/relationships" xmlns:p="http://schemas.openxmlformats.org/presentationml/2006/main">
+  <p:cSld>
+    <p:spTree>
+      <p:nvGrpSpPr>
+        <p:cNvPr id="1" name=""/>
+        <p:cNvGrpSpPr/>
+        <p:nvPr/>
+      </p:nvGrpSpPr>
+      <p:grpSpPr>
+        <a:xfrm>
+          <a:off x="0" y="0"/>
+          <a:ext cx="0" cy="0"/>
+          <a:chOff x="0" y="0"/>
+          <a:chExt cx="0" cy="0"/>
+        </a:xfrm>
+      </p:grpSpPr>
+      <p:sp>
+        <p:nvSpPr>
+          <p:cNvPr id="2" name="幻灯片图像占位符 1"/>
+          <p:cNvSpPr>
+            <a:spLocks noGrp="1" noRot="1" noChangeAspect="1"/>
+          </p:cNvSpPr>
+          <p:nvPr>
+            <p:ph type="sldImg"/>
+          </p:nvPr>
+        </p:nvSpPr>
+        <p:spPr/>
+      </p:sp>
+      <p:sp>
+        <p:nvSpPr>
+          <p:cNvPr id="3" name="备注占位符 2"/>
+          <p:cNvSpPr>
+            <a:spLocks noGrp="1"/>
+          </p:cNvSpPr>
+          <p:nvPr>
+            <p:ph type="body" idx="1"/>
+          </p:nvPr>
+        </p:nvSpPr>
+        <p:spPr/>
+        <p:txBody>
+          <a:bodyPr/>
+          <a:lstStyle/>
+          <a:p>
+            <a:endParaRPr kumimoji="1" lang="zh-CN" altLang="en-US" dirty="0"/>
+          </a:p>
+        </p:txBody>
+      </p:sp>
+      <p:sp>
+        <p:nvSpPr>
+          <p:cNvPr id="4" name="灯片编号占位符 3"/>
+          <p:cNvSpPr>
+            <a:spLocks noGrp="1"/>
+          </p:cNvSpPr>
+          <p:nvPr>
+            <p:ph type="sldNum" sz="quarter" idx="5"/>
+          </p:nvPr>
+        </p:nvSpPr>
+        <p:spPr/>
+        <p:txBody>
+          <a:bodyPr/>
+          <a:lstStyle/>
+          <a:p>
+            <a:fld id="{0F8E57A1-C481-6944-857F-EAC8E932B5ED}" type="slidenum">
+              <a:rPr kumimoji="1" lang="zh-CN" altLang="en-US" smtClean="0"/>
+              <a:t>15</a:t>
+            </a:fld>
+            <a:endParaRPr kumimoji="1" lang="zh-CN" altLang="en-US"/>
+          </a:p>
+        </p:txBody>
+      </p:sp>
+    </p:spTree>
+    <p:extLst>
+      <p:ext uri="{BB962C8B-B14F-4D97-AF65-F5344CB8AC3E}">
+        <p14:creationId xmlns:p14="http://schemas.microsoft.com/office/powerpoint/2010/main" val="3085926457"/>
+      </p:ext>
+    </p:extLst>
+  </p:cSld>
+  <p:clrMapOvr>
+    <a:masterClrMapping/>
+  </p:clrMapOvr>
+</p:notes>
+</file>
+
+<file path=ppt/notesSlides/notesSlide11.xml><?xml version="1.0" encoding="utf-8"?>
+<p:notes xmlns:a="http://schemas.openxmlformats.org/drawingml/2006/main" xmlns:r="http://schemas.openxmlformats.org/officeDocument/2006/relationships" xmlns:p="http://schemas.openxmlformats.org/presentationml/2006/main">
+  <p:cSld>
+    <p:spTree>
+      <p:nvGrpSpPr>
+        <p:cNvPr id="1" name=""/>
+        <p:cNvGrpSpPr/>
+        <p:nvPr/>
+      </p:nvGrpSpPr>
+      <p:grpSpPr>
+        <a:xfrm>
+          <a:off x="0" y="0"/>
+          <a:ext cx="0" cy="0"/>
+          <a:chOff x="0" y="0"/>
+          <a:chExt cx="0" cy="0"/>
+        </a:xfrm>
+      </p:grpSpPr>
+      <p:sp>
+        <p:nvSpPr>
+          <p:cNvPr id="2" name="幻灯片图像占位符 1"/>
+          <p:cNvSpPr>
+            <a:spLocks noGrp="1" noRot="1" noChangeAspect="1"/>
+          </p:cNvSpPr>
+          <p:nvPr>
+            <p:ph type="sldImg"/>
+          </p:nvPr>
+        </p:nvSpPr>
+        <p:spPr/>
+      </p:sp>
+      <p:sp>
+        <p:nvSpPr>
+          <p:cNvPr id="3" name="备注占位符 2"/>
+          <p:cNvSpPr>
+            <a:spLocks noGrp="1"/>
+          </p:cNvSpPr>
+          <p:nvPr>
+            <p:ph type="body" idx="1"/>
+          </p:nvPr>
+        </p:nvSpPr>
+        <p:spPr/>
+        <p:txBody>
+          <a:bodyPr/>
+          <a:lstStyle/>
+          <a:p>
+            <a:endParaRPr kumimoji="1" lang="zh-CN" altLang="en-US" dirty="0"/>
+          </a:p>
+        </p:txBody>
+      </p:sp>
+      <p:sp>
+        <p:nvSpPr>
+          <p:cNvPr id="4" name="灯片编号占位符 3"/>
+          <p:cNvSpPr>
+            <a:spLocks noGrp="1"/>
+          </p:cNvSpPr>
+          <p:nvPr>
+            <p:ph type="sldNum" sz="quarter" idx="5"/>
+          </p:nvPr>
+        </p:nvSpPr>
+        <p:spPr/>
+        <p:txBody>
+          <a:bodyPr/>
+          <a:lstStyle/>
+          <a:p>
+            <a:fld id="{0F8E57A1-C481-6944-857F-EAC8E932B5ED}" type="slidenum">
+              <a:rPr kumimoji="1" lang="zh-CN" altLang="en-US" smtClean="0"/>
+              <a:t>16</a:t>
+            </a:fld>
+            <a:endParaRPr kumimoji="1" lang="zh-CN" altLang="en-US"/>
+          </a:p>
+        </p:txBody>
+      </p:sp>
+    </p:spTree>
+    <p:extLst>
+      <p:ext uri="{BB962C8B-B14F-4D97-AF65-F5344CB8AC3E}">
+        <p14:creationId xmlns:p14="http://schemas.microsoft.com/office/powerpoint/2010/main" val="127935022"/>
+      </p:ext>
+    </p:extLst>
+  </p:cSld>
+  <p:clrMapOvr>
+    <a:masterClrMapping/>
+  </p:clrMapOvr>
+</p:notes>
+</file>
+
+<file path=ppt/notesSlides/notesSlide12.xml><?xml version="1.0" encoding="utf-8"?>
+<p:notes xmlns:a="http://schemas.openxmlformats.org/drawingml/2006/main" xmlns:r="http://schemas.openxmlformats.org/officeDocument/2006/relationships" xmlns:p="http://schemas.openxmlformats.org/presentationml/2006/main">
+  <p:cSld>
+    <p:spTree>
+      <p:nvGrpSpPr>
+        <p:cNvPr id="1" name=""/>
+        <p:cNvGrpSpPr/>
+        <p:nvPr/>
+      </p:nvGrpSpPr>
+      <p:grpSpPr>
+        <a:xfrm>
+          <a:off x="0" y="0"/>
+          <a:ext cx="0" cy="0"/>
+          <a:chOff x="0" y="0"/>
+          <a:chExt cx="0" cy="0"/>
+        </a:xfrm>
+      </p:grpSpPr>
+      <p:sp>
+        <p:nvSpPr>
+          <p:cNvPr id="2" name="幻灯片图像占位符 1"/>
+          <p:cNvSpPr>
+            <a:spLocks noGrp="1" noRot="1" noChangeAspect="1"/>
+          </p:cNvSpPr>
+          <p:nvPr>
+            <p:ph type="sldImg"/>
+          </p:nvPr>
+        </p:nvSpPr>
+        <p:spPr/>
+      </p:sp>
+      <p:sp>
+        <p:nvSpPr>
+          <p:cNvPr id="3" name="备注占位符 2"/>
+          <p:cNvSpPr>
+            <a:spLocks noGrp="1"/>
+          </p:cNvSpPr>
+          <p:nvPr>
+            <p:ph type="body" idx="1"/>
+          </p:nvPr>
+        </p:nvSpPr>
+        <p:spPr/>
+        <p:txBody>
+          <a:bodyPr/>
+          <a:lstStyle/>
+          <a:p>
+            <a:pPr marL="0" marR="0" lvl="0" indent="0" algn="l" defTabSz="914400" rtl="0" eaLnBrk="1" fontAlgn="auto" latinLnBrk="0" hangingPunct="1">
+              <a:lnSpc>
+                <a:spcPct val="100000"/>
+              </a:lnSpc>
+              <a:spcBef>
+                <a:spcPts val="0"/>
+              </a:spcBef>
+              <a:spcAft>
+                <a:spcPts val="0"/>
+              </a:spcAft>
+              <a:buClrTx/>
+              <a:buSzTx/>
+              <a:buFontTx/>
+              <a:buNone/>
+              <a:tabLst/>
+              <a:defRPr/>
+            </a:pPr>
+            <a:r>
+              <a:rPr kumimoji="1" lang="zh-CN" altLang="en-US" dirty="0"/>
+              <a:t>另一个例子：狗会叫，猫会叫，鸭子也会叫，那他们可以抽象成 一个动物对象，这个动物对象有叫这个动作，但至于具体如何叫，就不是抽象数据模型的职责了，而是具体数据类型的职责</a:t>
+            </a:r>
+            <a:endParaRPr kumimoji="1" lang="en-US" altLang="zh-CN" dirty="0"/>
+          </a:p>
+          <a:p>
+            <a:endParaRPr kumimoji="1" lang="zh-CN" altLang="en-US" dirty="0"/>
+          </a:p>
+        </p:txBody>
+      </p:sp>
+      <p:sp>
+        <p:nvSpPr>
+          <p:cNvPr id="4" name="灯片编号占位符 3"/>
+          <p:cNvSpPr>
+            <a:spLocks noGrp="1"/>
+          </p:cNvSpPr>
+          <p:nvPr>
+            <p:ph type="sldNum" sz="quarter" idx="5"/>
+          </p:nvPr>
+        </p:nvSpPr>
+        <p:spPr/>
+        <p:txBody>
+          <a:bodyPr/>
+          <a:lstStyle/>
+          <a:p>
+            <a:fld id="{0F8E57A1-C481-6944-857F-EAC8E932B5ED}" type="slidenum">
+              <a:rPr kumimoji="1" lang="zh-CN" altLang="en-US" smtClean="0"/>
+              <a:t>17</a:t>
+            </a:fld>
+            <a:endParaRPr kumimoji="1" lang="zh-CN" altLang="en-US"/>
+          </a:p>
+        </p:txBody>
+      </p:sp>
+    </p:spTree>
+    <p:extLst>
+      <p:ext uri="{BB962C8B-B14F-4D97-AF65-F5344CB8AC3E}">
+        <p14:creationId xmlns:p14="http://schemas.microsoft.com/office/powerpoint/2010/main" val="2800683329"/>
+      </p:ext>
+    </p:extLst>
+  </p:cSld>
+  <p:clrMapOvr>
+    <a:masterClrMapping/>
+  </p:clrMapOvr>
+</p:notes>
+</file>
+
+<file path=ppt/notesSlides/notesSlide13.xml><?xml version="1.0" encoding="utf-8"?>
+<p:notes xmlns:a="http://schemas.openxmlformats.org/drawingml/2006/main" xmlns:r="http://schemas.openxmlformats.org/officeDocument/2006/relationships" xmlns:p="http://schemas.openxmlformats.org/presentationml/2006/main">
+  <p:cSld>
+    <p:spTree>
+      <p:nvGrpSpPr>
+        <p:cNvPr id="1" name=""/>
+        <p:cNvGrpSpPr/>
+        <p:nvPr/>
+      </p:nvGrpSpPr>
+      <p:grpSpPr>
+        <a:xfrm>
+          <a:off x="0" y="0"/>
+          <a:ext cx="0" cy="0"/>
+          <a:chOff x="0" y="0"/>
+          <a:chExt cx="0" cy="0"/>
+        </a:xfrm>
+      </p:grpSpPr>
+      <p:sp>
+        <p:nvSpPr>
+          <p:cNvPr id="2" name="幻灯片图像占位符 1"/>
+          <p:cNvSpPr>
+            <a:spLocks noGrp="1" noRot="1" noChangeAspect="1"/>
+          </p:cNvSpPr>
+          <p:nvPr>
+            <p:ph type="sldImg"/>
+          </p:nvPr>
+        </p:nvSpPr>
+        <p:spPr/>
+      </p:sp>
+      <p:sp>
+        <p:nvSpPr>
+          <p:cNvPr id="3" name="备注占位符 2"/>
+          <p:cNvSpPr>
+            <a:spLocks noGrp="1"/>
+          </p:cNvSpPr>
+          <p:nvPr>
+            <p:ph type="body" idx="1"/>
+          </p:nvPr>
+        </p:nvSpPr>
+        <p:spPr/>
+        <p:txBody>
+          <a:bodyPr/>
+          <a:lstStyle/>
+          <a:p>
+            <a:pPr marL="0" marR="0" lvl="0" indent="0" algn="l" defTabSz="914400" rtl="0" eaLnBrk="1" fontAlgn="auto" latinLnBrk="0" hangingPunct="1">
+              <a:lnSpc>
+                <a:spcPct val="100000"/>
+              </a:lnSpc>
+              <a:spcBef>
+                <a:spcPts val="0"/>
+              </a:spcBef>
+              <a:spcAft>
+                <a:spcPts val="0"/>
+              </a:spcAft>
+              <a:buClrTx/>
+              <a:buSzTx/>
+              <a:buFontTx/>
+              <a:buNone/>
+              <a:tabLst/>
+              <a:defRPr/>
+            </a:pPr>
+            <a:r>
+              <a:rPr kumimoji="1" lang="zh-CN" altLang="en-US" dirty="0"/>
+              <a:t>另一个例子：狗会叫，猫会叫，鸭子也会叫，那他们可以抽象成 一个动物对象，这个动物对象有叫这个动作，但至于具体如何叫，就不是抽象数据模型的职责了，而是具体数据类型的职责</a:t>
+            </a:r>
+            <a:endParaRPr kumimoji="1" lang="en-US" altLang="zh-CN" dirty="0"/>
+          </a:p>
+          <a:p>
+            <a:endParaRPr kumimoji="1" lang="zh-CN" altLang="en-US" dirty="0"/>
+          </a:p>
+        </p:txBody>
+      </p:sp>
+      <p:sp>
+        <p:nvSpPr>
+          <p:cNvPr id="4" name="灯片编号占位符 3"/>
+          <p:cNvSpPr>
+            <a:spLocks noGrp="1"/>
+          </p:cNvSpPr>
+          <p:nvPr>
+            <p:ph type="sldNum" sz="quarter" idx="5"/>
+          </p:nvPr>
+        </p:nvSpPr>
+        <p:spPr/>
+        <p:txBody>
+          <a:bodyPr/>
+          <a:lstStyle/>
+          <a:p>
+            <a:fld id="{0F8E57A1-C481-6944-857F-EAC8E932B5ED}" type="slidenum">
+              <a:rPr kumimoji="1" lang="zh-CN" altLang="en-US" smtClean="0"/>
+              <a:t>18</a:t>
+            </a:fld>
+            <a:endParaRPr kumimoji="1" lang="zh-CN" altLang="en-US"/>
+          </a:p>
+        </p:txBody>
+      </p:sp>
+    </p:spTree>
+    <p:extLst>
+      <p:ext uri="{BB962C8B-B14F-4D97-AF65-F5344CB8AC3E}">
+        <p14:creationId xmlns:p14="http://schemas.microsoft.com/office/powerpoint/2010/main" val="4167110842"/>
+      </p:ext>
+    </p:extLst>
+  </p:cSld>
+  <p:clrMapOvr>
+    <a:masterClrMapping/>
+  </p:clrMapOvr>
+</p:notes>
+</file>
+
+<file path=ppt/notesSlides/notesSlide14.xml><?xml version="1.0" encoding="utf-8"?>
+<p:notes xmlns:a="http://schemas.openxmlformats.org/drawingml/2006/main" xmlns:r="http://schemas.openxmlformats.org/officeDocument/2006/relationships" xmlns:p="http://schemas.openxmlformats.org/presentationml/2006/main">
+  <p:cSld>
+    <p:spTree>
+      <p:nvGrpSpPr>
+        <p:cNvPr id="1" name=""/>
+        <p:cNvGrpSpPr/>
+        <p:nvPr/>
+      </p:nvGrpSpPr>
+      <p:grpSpPr>
+        <a:xfrm>
+          <a:off x="0" y="0"/>
+          <a:ext cx="0" cy="0"/>
+          <a:chOff x="0" y="0"/>
+          <a:chExt cx="0" cy="0"/>
+        </a:xfrm>
+      </p:grpSpPr>
+      <p:sp>
+        <p:nvSpPr>
+          <p:cNvPr id="2" name="幻灯片图像占位符 1"/>
+          <p:cNvSpPr>
+            <a:spLocks noGrp="1" noRot="1" noChangeAspect="1"/>
+          </p:cNvSpPr>
+          <p:nvPr>
+            <p:ph type="sldImg"/>
+          </p:nvPr>
+        </p:nvSpPr>
+        <p:spPr/>
+      </p:sp>
+      <p:sp>
+        <p:nvSpPr>
+          <p:cNvPr id="3" name="备注占位符 2"/>
+          <p:cNvSpPr>
+            <a:spLocks noGrp="1"/>
+          </p:cNvSpPr>
+          <p:nvPr>
+            <p:ph type="body" idx="1"/>
+          </p:nvPr>
+        </p:nvSpPr>
+        <p:spPr/>
+        <p:txBody>
+          <a:bodyPr/>
+          <a:lstStyle/>
+          <a:p>
+            <a:endParaRPr kumimoji="1" lang="zh-CN" altLang="en-US" dirty="0"/>
+          </a:p>
+        </p:txBody>
+      </p:sp>
+      <p:sp>
+        <p:nvSpPr>
+          <p:cNvPr id="4" name="灯片编号占位符 3"/>
+          <p:cNvSpPr>
+            <a:spLocks noGrp="1"/>
+          </p:cNvSpPr>
+          <p:nvPr>
+            <p:ph type="sldNum" sz="quarter" idx="5"/>
+          </p:nvPr>
+        </p:nvSpPr>
+        <p:spPr/>
+        <p:txBody>
+          <a:bodyPr/>
+          <a:lstStyle/>
+          <a:p>
+            <a:fld id="{0F8E57A1-C481-6944-857F-EAC8E932B5ED}" type="slidenum">
+              <a:rPr kumimoji="1" lang="zh-CN" altLang="en-US" smtClean="0"/>
+              <a:t>19</a:t>
+            </a:fld>
+            <a:endParaRPr kumimoji="1" lang="zh-CN" altLang="en-US"/>
+          </a:p>
+        </p:txBody>
+      </p:sp>
+    </p:spTree>
+    <p:extLst>
+      <p:ext uri="{BB962C8B-B14F-4D97-AF65-F5344CB8AC3E}">
+        <p14:creationId xmlns:p14="http://schemas.microsoft.com/office/powerpoint/2010/main" val="1197134026"/>
+      </p:ext>
+    </p:extLst>
+  </p:cSld>
+  <p:clrMapOvr>
+    <a:masterClrMapping/>
+  </p:clrMapOvr>
+</p:notes>
+</file>
+
 <file path=ppt/notesSlides/notesSlide2.xml><?xml version="1.0" encoding="utf-8"?>
 <p:notes xmlns:a="http://schemas.openxmlformats.org/drawingml/2006/main" xmlns:r="http://schemas.openxmlformats.org/officeDocument/2006/relationships" xmlns:p="http://schemas.openxmlformats.org/presentationml/2006/main">
   <p:cSld>
@@ -829,7 +1301,7 @@
           <a:p>
             <a:fld id="{0F8E57A1-C481-6944-857F-EAC8E932B5ED}" type="slidenum">
               <a:rPr kumimoji="1" lang="zh-CN" altLang="en-US" smtClean="0"/>
-              <a:t>10</a:t>
+              <a:t>9</a:t>
             </a:fld>
             <a:endParaRPr kumimoji="1" lang="zh-CN" altLang="en-US"/>
           </a:p>
@@ -838,7 +1310,7 @@
     </p:spTree>
     <p:extLst>
       <p:ext uri="{BB962C8B-B14F-4D97-AF65-F5344CB8AC3E}">
-        <p14:creationId xmlns:p14="http://schemas.microsoft.com/office/powerpoint/2010/main" val="3497563520"/>
+        <p14:creationId xmlns:p14="http://schemas.microsoft.com/office/powerpoint/2010/main" val="810885978"/>
       </p:ext>
     </p:extLst>
   </p:cSld>
@@ -913,7 +1385,7 @@
           <a:p>
             <a:fld id="{0F8E57A1-C481-6944-857F-EAC8E932B5ED}" type="slidenum">
               <a:rPr kumimoji="1" lang="zh-CN" altLang="en-US" smtClean="0"/>
-              <a:t>11</a:t>
+              <a:t>10</a:t>
             </a:fld>
             <a:endParaRPr kumimoji="1" lang="zh-CN" altLang="en-US"/>
           </a:p>
@@ -922,7 +1394,7 @@
     </p:spTree>
     <p:extLst>
       <p:ext uri="{BB962C8B-B14F-4D97-AF65-F5344CB8AC3E}">
-        <p14:creationId xmlns:p14="http://schemas.microsoft.com/office/powerpoint/2010/main" val="3713486296"/>
+        <p14:creationId xmlns:p14="http://schemas.microsoft.com/office/powerpoint/2010/main" val="3497563520"/>
       </p:ext>
     </p:extLst>
   </p:cSld>
@@ -997,7 +1469,7 @@
           <a:p>
             <a:fld id="{0F8E57A1-C481-6944-857F-EAC8E932B5ED}" type="slidenum">
               <a:rPr kumimoji="1" lang="zh-CN" altLang="en-US" smtClean="0"/>
-              <a:t>12</a:t>
+              <a:t>11</a:t>
             </a:fld>
             <a:endParaRPr kumimoji="1" lang="zh-CN" altLang="en-US"/>
           </a:p>
@@ -1006,7 +1478,7 @@
     </p:spTree>
     <p:extLst>
       <p:ext uri="{BB962C8B-B14F-4D97-AF65-F5344CB8AC3E}">
-        <p14:creationId xmlns:p14="http://schemas.microsoft.com/office/powerpoint/2010/main" val="256714895"/>
+        <p14:creationId xmlns:p14="http://schemas.microsoft.com/office/powerpoint/2010/main" val="3713486296"/>
       </p:ext>
     </p:extLst>
   </p:cSld>
@@ -1079,18 +1551,78 @@
           <a:bodyPr/>
           <a:lstStyle/>
           <a:p>
+            <a:pPr marL="0" marR="0" lvl="0" indent="0" algn="r" defTabSz="914400" rtl="0" eaLnBrk="1" fontAlgn="auto" latinLnBrk="0" hangingPunct="1">
+              <a:lnSpc>
+                <a:spcPct val="100000"/>
+              </a:lnSpc>
+              <a:spcBef>
+                <a:spcPts val="0"/>
+              </a:spcBef>
+              <a:spcAft>
+                <a:spcPts val="0"/>
+              </a:spcAft>
+              <a:buClrTx/>
+              <a:buSzTx/>
+              <a:buFontTx/>
+              <a:buNone/>
+              <a:tabLst/>
+              <a:defRPr/>
+            </a:pPr>
             <a:fld id="{0F8E57A1-C481-6944-857F-EAC8E932B5ED}" type="slidenum">
-              <a:rPr kumimoji="1" lang="zh-CN" altLang="en-US" smtClean="0"/>
-              <a:t>13</a:t>
+              <a:rPr kumimoji="1" lang="zh-CN" altLang="en-US" sz="1200" b="0" i="0" u="none" strike="noStrike" kern="1200" cap="none" spc="0" normalizeH="0" baseline="0" noProof="0" smtClean="0">
+                <a:ln>
+                  <a:noFill/>
+                </a:ln>
+                <a:solidFill>
+                  <a:prstClr val="black"/>
+                </a:solidFill>
+                <a:effectLst/>
+                <a:uLnTx/>
+                <a:uFillTx/>
+                <a:latin typeface="等线" panose="020F0502020204030204"/>
+                <a:ea typeface="等线" panose="02010600030101010101" pitchFamily="2" charset="-122"/>
+                <a:cs typeface="+mn-cs"/>
+              </a:rPr>
+              <a:pPr marL="0" marR="0" lvl="0" indent="0" algn="r" defTabSz="914400" rtl="0" eaLnBrk="1" fontAlgn="auto" latinLnBrk="0" hangingPunct="1">
+                <a:lnSpc>
+                  <a:spcPct val="100000"/>
+                </a:lnSpc>
+                <a:spcBef>
+                  <a:spcPts val="0"/>
+                </a:spcBef>
+                <a:spcAft>
+                  <a:spcPts val="0"/>
+                </a:spcAft>
+                <a:buClrTx/>
+                <a:buSzTx/>
+                <a:buFontTx/>
+                <a:buNone/>
+                <a:tabLst/>
+                <a:defRPr/>
+              </a:pPr>
+              <a:t>12</a:t>
             </a:fld>
-            <a:endParaRPr kumimoji="1" lang="zh-CN" altLang="en-US"/>
+            <a:endParaRPr kumimoji="1" lang="zh-CN" altLang="en-US" sz="1200" b="0" i="0" u="none" strike="noStrike" kern="1200" cap="none" spc="0" normalizeH="0" baseline="0" noProof="0">
+              <a:ln>
+                <a:noFill/>
+              </a:ln>
+              <a:solidFill>
+                <a:prstClr val="black"/>
+              </a:solidFill>
+              <a:effectLst/>
+              <a:uLnTx/>
+              <a:uFillTx/>
+              <a:latin typeface="等线" panose="020F0502020204030204"/>
+              <a:ea typeface="等线" panose="02010600030101010101" pitchFamily="2" charset="-122"/>
+              <a:cs typeface="+mn-cs"/>
+            </a:endParaRPr>
           </a:p>
         </p:txBody>
       </p:sp>
     </p:spTree>
     <p:extLst>
       <p:ext uri="{BB962C8B-B14F-4D97-AF65-F5344CB8AC3E}">
-        <p14:creationId xmlns:p14="http://schemas.microsoft.com/office/powerpoint/2010/main" val="2350002585"/>
+        <p14:creationId xmlns:p14="http://schemas.microsoft.com/office/powerpoint/2010/main" val="380639608"/>
       </p:ext>
     </p:extLst>
   </p:cSld>
@@ -1163,18 +1695,78 @@
           <a:bodyPr/>
           <a:lstStyle/>
           <a:p>
+            <a:pPr marL="0" marR="0" lvl="0" indent="0" algn="r" defTabSz="914400" rtl="0" eaLnBrk="1" fontAlgn="auto" latinLnBrk="0" hangingPunct="1">
+              <a:lnSpc>
+                <a:spcPct val="100000"/>
+              </a:lnSpc>
+              <a:spcBef>
+                <a:spcPts val="0"/>
+              </a:spcBef>
+              <a:spcAft>
+                <a:spcPts val="0"/>
+              </a:spcAft>
+              <a:buClrTx/>
+              <a:buSzTx/>
+              <a:buFontTx/>
+              <a:buNone/>
+              <a:tabLst/>
+              <a:defRPr/>
+            </a:pPr>
             <a:fld id="{0F8E57A1-C481-6944-857F-EAC8E932B5ED}" type="slidenum">
-              <a:rPr kumimoji="1" lang="zh-CN" altLang="en-US" smtClean="0"/>
-              <a:t>14</a:t>
+              <a:rPr kumimoji="1" lang="zh-CN" altLang="en-US" sz="1200" b="0" i="0" u="none" strike="noStrike" kern="1200" cap="none" spc="0" normalizeH="0" baseline="0" noProof="0" smtClean="0">
+                <a:ln>
+                  <a:noFill/>
+                </a:ln>
+                <a:solidFill>
+                  <a:prstClr val="black"/>
+                </a:solidFill>
+                <a:effectLst/>
+                <a:uLnTx/>
+                <a:uFillTx/>
+                <a:latin typeface="等线" panose="020F0502020204030204"/>
+                <a:ea typeface="等线" panose="02010600030101010101" pitchFamily="2" charset="-122"/>
+                <a:cs typeface="+mn-cs"/>
+              </a:rPr>
+              <a:pPr marL="0" marR="0" lvl="0" indent="0" algn="r" defTabSz="914400" rtl="0" eaLnBrk="1" fontAlgn="auto" latinLnBrk="0" hangingPunct="1">
+                <a:lnSpc>
+                  <a:spcPct val="100000"/>
+                </a:lnSpc>
+                <a:spcBef>
+                  <a:spcPts val="0"/>
+                </a:spcBef>
+                <a:spcAft>
+                  <a:spcPts val="0"/>
+                </a:spcAft>
+                <a:buClrTx/>
+                <a:buSzTx/>
+                <a:buFontTx/>
+                <a:buNone/>
+                <a:tabLst/>
+                <a:defRPr/>
+              </a:pPr>
+              <a:t>13</a:t>
             </a:fld>
-            <a:endParaRPr kumimoji="1" lang="zh-CN" altLang="en-US"/>
+            <a:endParaRPr kumimoji="1" lang="zh-CN" altLang="en-US" sz="1200" b="0" i="0" u="none" strike="noStrike" kern="1200" cap="none" spc="0" normalizeH="0" baseline="0" noProof="0">
+              <a:ln>
+                <a:noFill/>
+              </a:ln>
+              <a:solidFill>
+                <a:prstClr val="black"/>
+              </a:solidFill>
+              <a:effectLst/>
+              <a:uLnTx/>
+              <a:uFillTx/>
+              <a:latin typeface="等线" panose="020F0502020204030204"/>
+              <a:ea typeface="等线" panose="02010600030101010101" pitchFamily="2" charset="-122"/>
+              <a:cs typeface="+mn-cs"/>
+            </a:endParaRPr>
           </a:p>
         </p:txBody>
       </p:sp>
     </p:spTree>
     <p:extLst>
       <p:ext uri="{BB962C8B-B14F-4D97-AF65-F5344CB8AC3E}">
-        <p14:creationId xmlns:p14="http://schemas.microsoft.com/office/powerpoint/2010/main" val="1598761612"/>
+        <p14:creationId xmlns:p14="http://schemas.microsoft.com/office/powerpoint/2010/main" val="1271437268"/>
       </p:ext>
     </p:extLst>
   </p:cSld>
@@ -1249,7 +1841,7 @@
           <a:p>
             <a:fld id="{0F8E57A1-C481-6944-857F-EAC8E932B5ED}" type="slidenum">
               <a:rPr kumimoji="1" lang="zh-CN" altLang="en-US" smtClean="0"/>
-              <a:t>15</a:t>
+              <a:t>14</a:t>
             </a:fld>
             <a:endParaRPr kumimoji="1" lang="zh-CN" altLang="en-US"/>
           </a:p>
@@ -1258,7 +1850,7 @@
     </p:spTree>
     <p:extLst>
       <p:ext uri="{BB962C8B-B14F-4D97-AF65-F5344CB8AC3E}">
-        <p14:creationId xmlns:p14="http://schemas.microsoft.com/office/powerpoint/2010/main" val="3085926457"/>
+        <p14:creationId xmlns:p14="http://schemas.microsoft.com/office/powerpoint/2010/main" val="1598761612"/>
       </p:ext>
     </p:extLst>
   </p:cSld>
@@ -1415,7 +2007,7 @@
           <a:p>
             <a:fld id="{1C49BB65-7B3F-4D4E-A397-BBFD82890A5A}" type="datetimeFigureOut">
               <a:rPr kumimoji="1" lang="zh-CN" altLang="en-US" smtClean="0"/>
-              <a:t>2019/10/14</a:t>
+              <a:t>2019/10/16</a:t>
             </a:fld>
             <a:endParaRPr kumimoji="1" lang="zh-CN" altLang="en-US"/>
           </a:p>
@@ -1613,7 +2205,7 @@
           <a:p>
             <a:fld id="{1C49BB65-7B3F-4D4E-A397-BBFD82890A5A}" type="datetimeFigureOut">
               <a:rPr kumimoji="1" lang="zh-CN" altLang="en-US" smtClean="0"/>
-              <a:t>2019/10/14</a:t>
+              <a:t>2019/10/16</a:t>
             </a:fld>
             <a:endParaRPr kumimoji="1" lang="zh-CN" altLang="en-US"/>
           </a:p>
@@ -1821,7 +2413,7 @@
           <a:p>
             <a:fld id="{1C49BB65-7B3F-4D4E-A397-BBFD82890A5A}" type="datetimeFigureOut">
               <a:rPr kumimoji="1" lang="zh-CN" altLang="en-US" smtClean="0"/>
-              <a:t>2019/10/14</a:t>
+              <a:t>2019/10/16</a:t>
             </a:fld>
             <a:endParaRPr kumimoji="1" lang="zh-CN" altLang="en-US"/>
           </a:p>
@@ -2019,7 +2611,7 @@
           <a:p>
             <a:fld id="{1C49BB65-7B3F-4D4E-A397-BBFD82890A5A}" type="datetimeFigureOut">
               <a:rPr kumimoji="1" lang="zh-CN" altLang="en-US" smtClean="0"/>
-              <a:t>2019/10/14</a:t>
+              <a:t>2019/10/16</a:t>
             </a:fld>
             <a:endParaRPr kumimoji="1" lang="zh-CN" altLang="en-US"/>
           </a:p>
@@ -2294,7 +2886,7 @@
           <a:p>
             <a:fld id="{1C49BB65-7B3F-4D4E-A397-BBFD82890A5A}" type="datetimeFigureOut">
               <a:rPr kumimoji="1" lang="zh-CN" altLang="en-US" smtClean="0"/>
-              <a:t>2019/10/14</a:t>
+              <a:t>2019/10/16</a:t>
             </a:fld>
             <a:endParaRPr kumimoji="1" lang="zh-CN" altLang="en-US"/>
           </a:p>
@@ -2559,7 +3151,7 @@
           <a:p>
             <a:fld id="{1C49BB65-7B3F-4D4E-A397-BBFD82890A5A}" type="datetimeFigureOut">
               <a:rPr kumimoji="1" lang="zh-CN" altLang="en-US" smtClean="0"/>
-              <a:t>2019/10/14</a:t>
+              <a:t>2019/10/16</a:t>
             </a:fld>
             <a:endParaRPr kumimoji="1" lang="zh-CN" altLang="en-US"/>
           </a:p>
@@ -2971,7 +3563,7 @@
           <a:p>
             <a:fld id="{1C49BB65-7B3F-4D4E-A397-BBFD82890A5A}" type="datetimeFigureOut">
               <a:rPr kumimoji="1" lang="zh-CN" altLang="en-US" smtClean="0"/>
-              <a:t>2019/10/14</a:t>
+              <a:t>2019/10/16</a:t>
             </a:fld>
             <a:endParaRPr kumimoji="1" lang="zh-CN" altLang="en-US"/>
           </a:p>
@@ -3112,7 +3704,7 @@
           <a:p>
             <a:fld id="{1C49BB65-7B3F-4D4E-A397-BBFD82890A5A}" type="datetimeFigureOut">
               <a:rPr kumimoji="1" lang="zh-CN" altLang="en-US" smtClean="0"/>
-              <a:t>2019/10/14</a:t>
+              <a:t>2019/10/16</a:t>
             </a:fld>
             <a:endParaRPr kumimoji="1" lang="zh-CN" altLang="en-US"/>
           </a:p>
@@ -3482,7 +4074,7 @@
           <a:p>
             <a:fld id="{1C49BB65-7B3F-4D4E-A397-BBFD82890A5A}" type="datetimeFigureOut">
               <a:rPr kumimoji="1" lang="zh-CN" altLang="en-US" smtClean="0"/>
-              <a:t>2019/10/14</a:t>
+              <a:t>2019/10/16</a:t>
             </a:fld>
             <a:endParaRPr kumimoji="1" lang="zh-CN" altLang="en-US"/>
           </a:p>
@@ -3770,7 +4362,7 @@
           <a:p>
             <a:fld id="{1C49BB65-7B3F-4D4E-A397-BBFD82890A5A}" type="datetimeFigureOut">
               <a:rPr kumimoji="1" lang="zh-CN" altLang="en-US" smtClean="0"/>
-              <a:t>2019/10/14</a:t>
+              <a:t>2019/10/16</a:t>
             </a:fld>
             <a:endParaRPr kumimoji="1" lang="zh-CN" altLang="en-US"/>
           </a:p>
@@ -4011,7 +4603,7 @@
           <a:p>
             <a:fld id="{1C49BB65-7B3F-4D4E-A397-BBFD82890A5A}" type="datetimeFigureOut">
               <a:rPr kumimoji="1" lang="zh-CN" altLang="en-US" smtClean="0"/>
-              <a:t>2019/10/14</a:t>
+              <a:t>2019/10/16</a:t>
             </a:fld>
             <a:endParaRPr kumimoji="1" lang="zh-CN" altLang="en-US"/>
           </a:p>
@@ -4490,8 +5082,8 @@
         </p:nvSpPr>
         <p:spPr>
           <a:xfrm>
-            <a:off x="8707582" y="5159240"/>
-            <a:ext cx="3241963" cy="830997"/>
+            <a:off x="8249055" y="5155661"/>
+            <a:ext cx="3942945" cy="1219784"/>
           </a:xfrm>
           <a:prstGeom prst="rect">
             <a:avLst/>
@@ -4504,7 +5096,6 @@
           </a:bodyPr>
           <a:lstStyle/>
           <a:p>
-            <a:pPr algn="ctr"/>
             <a:r>
               <a:rPr kumimoji="1" lang="zh-CN" altLang="en-US" sz="2400" dirty="0">
                 <a:latin typeface="Microsoft YaHei" panose="020B0503020204020204" pitchFamily="34" charset="-122"/>
@@ -4518,7 +5109,19 @@
             </a:endParaRPr>
           </a:p>
           <a:p>
-            <a:pPr algn="ctr"/>
+            <a:r>
+              <a:rPr kumimoji="1" lang="en-US" altLang="zh-CN" sz="2400" dirty="0" err="1">
+                <a:latin typeface="Microsoft YaHei" panose="020B0503020204020204" pitchFamily="34" charset="-122"/>
+                <a:ea typeface="Microsoft YaHei" panose="020B0503020204020204" pitchFamily="34" charset="-122"/>
+              </a:rPr>
+              <a:t>E-mail:zjyesir@yeah.net</a:t>
+            </a:r>
+            <a:endParaRPr kumimoji="1" lang="en-US" altLang="zh-CN" sz="2400" dirty="0">
+              <a:latin typeface="Microsoft YaHei" panose="020B0503020204020204" pitchFamily="34" charset="-122"/>
+              <a:ea typeface="Microsoft YaHei" panose="020B0503020204020204" pitchFamily="34" charset="-122"/>
+            </a:endParaRPr>
+          </a:p>
+          <a:p>
             <a:endParaRPr kumimoji="1" lang="zh-CN" altLang="en-US" sz="2400" dirty="0">
               <a:latin typeface="Microsoft YaHei" panose="020B0503020204020204" pitchFamily="34" charset="-122"/>
               <a:ea typeface="Microsoft YaHei" panose="020B0503020204020204" pitchFamily="34" charset="-122"/>
@@ -4541,7 +5144,7 @@
         <p:spPr>
           <a:xfrm>
             <a:off x="1700784" y="3518102"/>
-            <a:ext cx="8503920" cy="646331"/>
+            <a:ext cx="8503920" cy="707886"/>
           </a:xfrm>
           <a:prstGeom prst="rect">
             <a:avLst/>
@@ -4556,11 +5159,11 @@
           <a:p>
             <a:pPr algn="ctr"/>
             <a:r>
-              <a:rPr kumimoji="1" lang="zh-CN" altLang="en-US" sz="3600" dirty="0">
+              <a:rPr kumimoji="1" lang="zh-CN" altLang="en-US" sz="4000" dirty="0">
                 <a:latin typeface="Microsoft YaHei" panose="020B0503020204020204" pitchFamily="34" charset="-122"/>
                 <a:ea typeface="Microsoft YaHei" panose="020B0503020204020204" pitchFamily="34" charset="-122"/>
               </a:rPr>
-              <a:t>绪论</a:t>
+              <a:t>第一节课 绪论</a:t>
             </a:r>
           </a:p>
         </p:txBody>
@@ -4668,7 +5271,7 @@
         </p:nvSpPr>
         <p:spPr>
           <a:xfrm>
-            <a:off x="1552353" y="2402958"/>
+            <a:off x="2155465" y="2402958"/>
             <a:ext cx="3019650" cy="523220"/>
           </a:xfrm>
           <a:prstGeom prst="rect">
@@ -4706,7 +5309,7 @@
         </p:nvSpPr>
         <p:spPr>
           <a:xfrm>
-            <a:off x="1552353" y="3310270"/>
+            <a:off x="2155465" y="3310270"/>
             <a:ext cx="3019650" cy="523220"/>
           </a:xfrm>
           <a:prstGeom prst="rect">
@@ -4744,7 +5347,7 @@
         </p:nvSpPr>
         <p:spPr>
           <a:xfrm>
-            <a:off x="1513451" y="4217582"/>
+            <a:off x="2116563" y="4217582"/>
             <a:ext cx="3019650" cy="523220"/>
           </a:xfrm>
           <a:prstGeom prst="rect">
@@ -4782,7 +5385,7 @@
         </p:nvSpPr>
         <p:spPr>
           <a:xfrm>
-            <a:off x="1552353" y="5124893"/>
+            <a:off x="2155465" y="5124893"/>
             <a:ext cx="3019650" cy="523220"/>
           </a:xfrm>
           <a:prstGeom prst="rect">
@@ -4820,7 +5423,7 @@
         </p:nvSpPr>
         <p:spPr>
           <a:xfrm>
-            <a:off x="8335921" y="2850845"/>
+            <a:off x="8939033" y="2850845"/>
             <a:ext cx="2700674" cy="523220"/>
           </a:xfrm>
           <a:prstGeom prst="rect">
@@ -4858,7 +5461,7 @@
         </p:nvSpPr>
         <p:spPr>
           <a:xfrm>
-            <a:off x="8335921" y="4542987"/>
+            <a:off x="8939033" y="4542987"/>
             <a:ext cx="2700674" cy="523220"/>
           </a:xfrm>
           <a:prstGeom prst="rect">
@@ -4896,7 +5499,7 @@
         </p:nvCxnSpPr>
         <p:spPr>
           <a:xfrm>
-            <a:off x="5890437" y="2594344"/>
+            <a:off x="6493549" y="2594344"/>
             <a:ext cx="0" cy="2743200"/>
           </a:xfrm>
           <a:prstGeom prst="line">
@@ -4904,9 +5507,8 @@
           </a:prstGeom>
           <a:ln w="12700">
             <a:solidFill>
-              <a:schemeClr val="tx1">
+              <a:schemeClr val="bg1">
                 <a:lumMod val="75000"/>
-                <a:lumOff val="25000"/>
               </a:schemeClr>
             </a:solidFill>
           </a:ln>
@@ -4940,7 +5542,7 @@
         </p:nvSpPr>
         <p:spPr>
           <a:xfrm>
-            <a:off x="3926961" y="3749749"/>
+            <a:off x="4530073" y="3749749"/>
             <a:ext cx="1765005" cy="523220"/>
           </a:xfrm>
           <a:prstGeom prst="rect">
@@ -4958,6 +5560,9 @@
           <a:p>
             <a:r>
               <a:rPr kumimoji="1" lang="zh-CN" altLang="en-US" sz="2800" dirty="0">
+                <a:solidFill>
+                  <a:schemeClr val="bg1"/>
+                </a:solidFill>
                 <a:latin typeface="Microsoft YaHei" panose="020B0503020204020204" pitchFamily="34" charset="-122"/>
                 <a:ea typeface="Microsoft YaHei" panose="020B0503020204020204" pitchFamily="34" charset="-122"/>
               </a:rPr>
@@ -4980,7 +5585,7 @@
         </p:nvSpPr>
         <p:spPr>
           <a:xfrm>
-            <a:off x="6117267" y="3749749"/>
+            <a:off x="6720379" y="3749749"/>
             <a:ext cx="1786265" cy="523220"/>
           </a:xfrm>
           <a:prstGeom prst="rect">
@@ -4998,6 +5603,9 @@
           <a:p>
             <a:r>
               <a:rPr kumimoji="1" lang="zh-CN" altLang="en-US" sz="2800" dirty="0">
+                <a:solidFill>
+                  <a:schemeClr val="bg1"/>
+                </a:solidFill>
                 <a:latin typeface="Microsoft YaHei" panose="020B0503020204020204" pitchFamily="34" charset="-122"/>
                 <a:ea typeface="Microsoft YaHei" panose="020B0503020204020204" pitchFamily="34" charset="-122"/>
               </a:rPr>
@@ -5102,7 +5710,7 @@
         </p:nvSpPr>
         <p:spPr>
           <a:xfrm>
-            <a:off x="680484" y="2488019"/>
+            <a:off x="1060316" y="2513397"/>
             <a:ext cx="4883888" cy="1384995"/>
           </a:xfrm>
           <a:prstGeom prst="rect">
@@ -5121,7 +5729,7 @@
                 <a:latin typeface="Microsoft YaHei" panose="020B0503020204020204" pitchFamily="34" charset="-122"/>
                 <a:ea typeface="Microsoft YaHei" panose="020B0503020204020204" pitchFamily="34" charset="-122"/>
               </a:rPr>
-              <a:t>定义：集合中的元素除了属于同一个集合外，它们之间没有其他关系</a:t>
+              <a:t>集合中的元素除了属于同一个集合外，它们之间没有其他关系</a:t>
             </a:r>
           </a:p>
         </p:txBody>
@@ -5215,6 +5823,10 @@
           <a:lstStyle/>
           <a:p>
             <a:pPr algn="ctr"/>
+            <a:r>
+              <a:rPr kumimoji="1" lang="en-US" altLang="zh-CN" dirty="0"/>
+              <a:t>1</a:t>
+            </a:r>
             <a:endParaRPr kumimoji="1" lang="zh-CN" altLang="en-US" dirty="0"/>
           </a:p>
         </p:txBody>
@@ -5261,7 +5873,11 @@
           <a:lstStyle/>
           <a:p>
             <a:pPr algn="ctr"/>
-            <a:endParaRPr kumimoji="1" lang="zh-CN" altLang="en-US"/>
+            <a:r>
+              <a:rPr kumimoji="1" lang="en-US" altLang="zh-CN" dirty="0"/>
+              <a:t>7</a:t>
+            </a:r>
+            <a:endParaRPr kumimoji="1" lang="zh-CN" altLang="en-US" dirty="0"/>
           </a:p>
         </p:txBody>
       </p:sp>
@@ -5307,7 +5923,11 @@
           <a:lstStyle/>
           <a:p>
             <a:pPr algn="ctr"/>
-            <a:endParaRPr kumimoji="1" lang="zh-CN" altLang="en-US"/>
+            <a:r>
+              <a:rPr kumimoji="1" lang="en-US" altLang="zh-CN" dirty="0"/>
+              <a:t>3</a:t>
+            </a:r>
+            <a:endParaRPr kumimoji="1" lang="zh-CN" altLang="en-US" dirty="0"/>
           </a:p>
         </p:txBody>
       </p:sp>
@@ -5353,7 +5973,11 @@
           <a:lstStyle/>
           <a:p>
             <a:pPr algn="ctr"/>
-            <a:endParaRPr kumimoji="1" lang="zh-CN" altLang="en-US"/>
+            <a:r>
+              <a:rPr kumimoji="1" lang="en-US" altLang="zh-CN" dirty="0"/>
+              <a:t>2</a:t>
+            </a:r>
+            <a:endParaRPr kumimoji="1" lang="zh-CN" altLang="en-US" dirty="0"/>
           </a:p>
         </p:txBody>
       </p:sp>
@@ -5399,7 +6023,11 @@
           <a:lstStyle/>
           <a:p>
             <a:pPr algn="ctr"/>
-            <a:endParaRPr kumimoji="1" lang="zh-CN" altLang="en-US"/>
+            <a:r>
+              <a:rPr kumimoji="1" lang="en-US" altLang="zh-CN" dirty="0"/>
+              <a:t>4</a:t>
+            </a:r>
+            <a:endParaRPr kumimoji="1" lang="zh-CN" altLang="en-US" dirty="0"/>
           </a:p>
         </p:txBody>
       </p:sp>
@@ -5445,7 +6073,11 @@
           <a:lstStyle/>
           <a:p>
             <a:pPr algn="ctr"/>
-            <a:endParaRPr kumimoji="1" lang="zh-CN" altLang="en-US"/>
+            <a:r>
+              <a:rPr kumimoji="1" lang="en-US" altLang="zh-CN" dirty="0"/>
+              <a:t>5</a:t>
+            </a:r>
+            <a:endParaRPr kumimoji="1" lang="zh-CN" altLang="en-US" dirty="0"/>
           </a:p>
         </p:txBody>
       </p:sp>
@@ -5491,7 +6123,11 @@
           <a:lstStyle/>
           <a:p>
             <a:pPr algn="ctr"/>
-            <a:endParaRPr kumimoji="1" lang="zh-CN" altLang="en-US"/>
+            <a:r>
+              <a:rPr kumimoji="1" lang="en-US" altLang="zh-CN" dirty="0"/>
+              <a:t>6</a:t>
+            </a:r>
+            <a:endParaRPr kumimoji="1" lang="zh-CN" altLang="en-US" dirty="0"/>
           </a:p>
         </p:txBody>
       </p:sp>
@@ -5509,7 +6145,7 @@
         </p:nvSpPr>
         <p:spPr>
           <a:xfrm>
-            <a:off x="680484" y="4810036"/>
+            <a:off x="1060316" y="4736584"/>
             <a:ext cx="5558572" cy="954107"/>
           </a:xfrm>
           <a:prstGeom prst="rect">
@@ -5528,7 +6164,7 @@
                 <a:latin typeface="Microsoft YaHei" panose="020B0503020204020204" pitchFamily="34" charset="-122"/>
                 <a:ea typeface="Microsoft YaHei" panose="020B0503020204020204" pitchFamily="34" charset="-122"/>
               </a:rPr>
-              <a:t>例子： 公交车上的乘客</a:t>
+              <a:t>公交车上的乘客</a:t>
             </a:r>
             <a:r>
               <a:rPr kumimoji="1" lang="en-US" altLang="zh-CN" sz="2800" dirty="0">
@@ -5580,9 +6216,8 @@
           </a:prstGeom>
           <a:ln w="25400">
             <a:solidFill>
-              <a:schemeClr val="tx1">
-                <a:lumMod val="65000"/>
-                <a:lumOff val="35000"/>
+              <a:schemeClr val="bg1">
+                <a:lumMod val="75000"/>
               </a:schemeClr>
             </a:solidFill>
           </a:ln>
@@ -5602,6 +6237,92 @@
           </a:fontRef>
         </p:style>
       </p:cxnSp>
+      <p:sp>
+        <p:nvSpPr>
+          <p:cNvPr id="3" name="文本框 2">
+            <a:extLst>
+              <a:ext uri="{FF2B5EF4-FFF2-40B4-BE49-F238E27FC236}">
+                <a16:creationId xmlns:a16="http://schemas.microsoft.com/office/drawing/2014/main" id="{C46E39FF-6C96-3F4A-9006-82A11DB80257}"/>
+              </a:ext>
+            </a:extLst>
+          </p:cNvPr>
+          <p:cNvSpPr txBox="1"/>
+          <p:nvPr/>
+        </p:nvSpPr>
+        <p:spPr>
+          <a:xfrm>
+            <a:off x="540000" y="1800000"/>
+            <a:ext cx="1070042" cy="542675"/>
+          </a:xfrm>
+          <a:prstGeom prst="rect">
+            <a:avLst/>
+          </a:prstGeom>
+          <a:solidFill>
+            <a:schemeClr val="accent2"/>
+          </a:solidFill>
+        </p:spPr>
+        <p:txBody>
+          <a:bodyPr wrap="square" rtlCol="0">
+            <a:spAutoFit/>
+          </a:bodyPr>
+          <a:lstStyle/>
+          <a:p>
+            <a:r>
+              <a:rPr kumimoji="1" lang="zh-CN" altLang="en-US" sz="2800" dirty="0">
+                <a:solidFill>
+                  <a:schemeClr val="bg1"/>
+                </a:solidFill>
+                <a:latin typeface="Microsoft YaHei" panose="020B0503020204020204" pitchFamily="34" charset="-122"/>
+                <a:ea typeface="Microsoft YaHei" panose="020B0503020204020204" pitchFamily="34" charset="-122"/>
+              </a:rPr>
+              <a:t>定义</a:t>
+            </a:r>
+          </a:p>
+        </p:txBody>
+      </p:sp>
+      <p:sp>
+        <p:nvSpPr>
+          <p:cNvPr id="21" name="文本框 20">
+            <a:extLst>
+              <a:ext uri="{FF2B5EF4-FFF2-40B4-BE49-F238E27FC236}">
+                <a16:creationId xmlns:a16="http://schemas.microsoft.com/office/drawing/2014/main" id="{D7FA2ACC-6A32-D847-B638-40BC77891D9C}"/>
+              </a:ext>
+            </a:extLst>
+          </p:cNvPr>
+          <p:cNvSpPr txBox="1"/>
+          <p:nvPr/>
+        </p:nvSpPr>
+        <p:spPr>
+          <a:xfrm>
+            <a:off x="540000" y="3960000"/>
+            <a:ext cx="1070042" cy="542675"/>
+          </a:xfrm>
+          <a:prstGeom prst="rect">
+            <a:avLst/>
+          </a:prstGeom>
+          <a:solidFill>
+            <a:schemeClr val="accent2"/>
+          </a:solidFill>
+        </p:spPr>
+        <p:txBody>
+          <a:bodyPr wrap="square" rtlCol="0">
+            <a:spAutoFit/>
+          </a:bodyPr>
+          <a:lstStyle/>
+          <a:p>
+            <a:r>
+              <a:rPr kumimoji="1" lang="zh-CN" altLang="en-US" sz="2800" dirty="0">
+                <a:solidFill>
+                  <a:schemeClr val="bg1"/>
+                </a:solidFill>
+                <a:latin typeface="Microsoft YaHei" panose="020B0503020204020204" pitchFamily="34" charset="-122"/>
+                <a:ea typeface="Microsoft YaHei" panose="020B0503020204020204" pitchFamily="34" charset="-122"/>
+              </a:rPr>
+              <a:t>例子</a:t>
+            </a:r>
+          </a:p>
+        </p:txBody>
+      </p:sp>
     </p:spTree>
     <p:extLst>
       <p:ext uri="{BB962C8B-B14F-4D97-AF65-F5344CB8AC3E}">
@@ -5669,27 +6390,1335 @@
           </a:bodyPr>
           <a:lstStyle/>
           <a:p>
-            <a:pPr algn="ctr"/>
-            <a:r>
-              <a:rPr lang="zh-CN" altLang="en-US" sz="4800" dirty="0">
+            <a:pPr marL="0" marR="0" lvl="0" indent="0" algn="ctr" defTabSz="914400" rtl="0" eaLnBrk="1" fontAlgn="auto" latinLnBrk="0" hangingPunct="1">
+              <a:lnSpc>
+                <a:spcPct val="100000"/>
+              </a:lnSpc>
+              <a:spcBef>
+                <a:spcPts val="0"/>
+              </a:spcBef>
+              <a:spcAft>
+                <a:spcPts val="0"/>
+              </a:spcAft>
+              <a:buClrTx/>
+              <a:buSzTx/>
+              <a:buFontTx/>
+              <a:buNone/>
+              <a:tabLst/>
+              <a:defRPr/>
+            </a:pPr>
+            <a:r>
+              <a:rPr kumimoji="0" lang="zh-CN" altLang="en-US" sz="4800" b="0" i="0" u="none" strike="noStrike" kern="1200" cap="none" spc="0" normalizeH="0" baseline="0" noProof="0" dirty="0">
+                <a:ln>
+                  <a:noFill/>
+                </a:ln>
+                <a:solidFill>
+                  <a:prstClr val="black"/>
+                </a:solidFill>
+                <a:effectLst/>
+                <a:uLnTx/>
+                <a:uFillTx/>
+                <a:latin typeface="Microsoft YaHei" panose="020B0503020204020204" pitchFamily="34" charset="-122"/>
+                <a:ea typeface="Microsoft YaHei" panose="020B0503020204020204" pitchFamily="34" charset="-122"/>
+                <a:cs typeface="+mn-cs"/>
+              </a:rPr>
+              <a:t>逻辑结构之线性结构</a:t>
+            </a:r>
+            <a:endParaRPr kumimoji="1" lang="zh-CN" altLang="en-US" sz="4800" b="0" i="0" u="none" strike="noStrike" kern="1200" cap="none" spc="0" normalizeH="0" baseline="0" noProof="0" dirty="0">
+              <a:ln>
+                <a:noFill/>
+              </a:ln>
+              <a:solidFill>
+                <a:prstClr val="black"/>
+              </a:solidFill>
+              <a:effectLst/>
+              <a:uLnTx/>
+              <a:uFillTx/>
+              <a:latin typeface="Microsoft YaHei" panose="020B0503020204020204" pitchFamily="34" charset="-122"/>
+              <a:ea typeface="Microsoft YaHei" panose="020B0503020204020204" pitchFamily="34" charset="-122"/>
+              <a:cs typeface="+mn-cs"/>
+            </a:endParaRPr>
+          </a:p>
+        </p:txBody>
+      </p:sp>
+      <p:sp>
+        <p:nvSpPr>
+          <p:cNvPr id="7" name="文本框 6">
+            <a:extLst>
+              <a:ext uri="{FF2B5EF4-FFF2-40B4-BE49-F238E27FC236}">
+                <a16:creationId xmlns:a16="http://schemas.microsoft.com/office/drawing/2014/main" id="{8C1DD6AB-C2EE-9149-BB47-64458F4E6E15}"/>
+              </a:ext>
+            </a:extLst>
+          </p:cNvPr>
+          <p:cNvSpPr txBox="1"/>
+          <p:nvPr/>
+        </p:nvSpPr>
+        <p:spPr>
+          <a:xfrm>
+            <a:off x="1053068" y="2735580"/>
+            <a:ext cx="4883888" cy="523220"/>
+          </a:xfrm>
+          <a:prstGeom prst="rect">
+            <a:avLst/>
+          </a:prstGeom>
+          <a:noFill/>
+        </p:spPr>
+        <p:txBody>
+          <a:bodyPr wrap="square" rtlCol="0">
+            <a:spAutoFit/>
+          </a:bodyPr>
+          <a:lstStyle/>
+          <a:p>
+            <a:pPr marL="0" marR="0" lvl="0" indent="0" algn="l" defTabSz="914400" rtl="0" eaLnBrk="1" fontAlgn="auto" latinLnBrk="0" hangingPunct="1">
+              <a:lnSpc>
+                <a:spcPct val="100000"/>
+              </a:lnSpc>
+              <a:spcBef>
+                <a:spcPts val="0"/>
+              </a:spcBef>
+              <a:spcAft>
+                <a:spcPts val="0"/>
+              </a:spcAft>
+              <a:buClrTx/>
+              <a:buSzTx/>
+              <a:buFontTx/>
+              <a:buNone/>
+              <a:tabLst/>
+              <a:defRPr/>
+            </a:pPr>
+            <a:r>
+              <a:rPr kumimoji="1" lang="zh-CN" altLang="en-US" sz="2800" b="0" i="0" u="none" strike="noStrike" kern="1200" cap="none" spc="0" normalizeH="0" baseline="0" noProof="0" dirty="0">
+                <a:ln>
+                  <a:noFill/>
+                </a:ln>
+                <a:solidFill>
+                  <a:prstClr val="black"/>
+                </a:solidFill>
+                <a:effectLst/>
+                <a:uLnTx/>
+                <a:uFillTx/>
+                <a:latin typeface="Microsoft YaHei" panose="020B0503020204020204" pitchFamily="34" charset="-122"/>
+                <a:ea typeface="Microsoft YaHei" panose="020B0503020204020204" pitchFamily="34" charset="-122"/>
+                <a:cs typeface="+mn-cs"/>
+              </a:rPr>
+              <a:t>元素一对一的关系</a:t>
+            </a:r>
+          </a:p>
+        </p:txBody>
+      </p:sp>
+      <p:sp>
+        <p:nvSpPr>
+          <p:cNvPr id="3" name="圆角矩形 2">
+            <a:extLst>
+              <a:ext uri="{FF2B5EF4-FFF2-40B4-BE49-F238E27FC236}">
+                <a16:creationId xmlns:a16="http://schemas.microsoft.com/office/drawing/2014/main" id="{19490AE7-2CA5-5742-BBC5-CC4EC40E0105}"/>
+              </a:ext>
+            </a:extLst>
+          </p:cNvPr>
+          <p:cNvSpPr/>
+          <p:nvPr/>
+        </p:nvSpPr>
+        <p:spPr>
+          <a:xfrm>
+            <a:off x="7212423" y="2550495"/>
+            <a:ext cx="552893" cy="552893"/>
+          </a:xfrm>
+          <a:prstGeom prst="roundRect">
+            <a:avLst/>
+          </a:prstGeom>
+        </p:spPr>
+        <p:style>
+          <a:lnRef idx="2">
+            <a:schemeClr val="accent1">
+              <a:shade val="50000"/>
+            </a:schemeClr>
+          </a:lnRef>
+          <a:fillRef idx="1">
+            <a:schemeClr val="accent1"/>
+          </a:fillRef>
+          <a:effectRef idx="0">
+            <a:schemeClr val="accent1"/>
+          </a:effectRef>
+          <a:fontRef idx="minor">
+            <a:schemeClr val="lt1"/>
+          </a:fontRef>
+        </p:style>
+        <p:txBody>
+          <a:bodyPr rtlCol="0" anchor="ctr"/>
+          <a:lstStyle/>
+          <a:p>
+            <a:pPr marL="0" marR="0" lvl="0" indent="0" algn="ctr" defTabSz="914400" rtl="0" eaLnBrk="1" fontAlgn="auto" latinLnBrk="0" hangingPunct="1">
+              <a:lnSpc>
+                <a:spcPct val="100000"/>
+              </a:lnSpc>
+              <a:spcBef>
+                <a:spcPts val="0"/>
+              </a:spcBef>
+              <a:spcAft>
+                <a:spcPts val="0"/>
+              </a:spcAft>
+              <a:buClrTx/>
+              <a:buSzTx/>
+              <a:buFontTx/>
+              <a:buNone/>
+              <a:tabLst/>
+              <a:defRPr/>
+            </a:pPr>
+            <a:r>
+              <a:rPr kumimoji="1" lang="en-US" altLang="zh-CN" sz="1800" b="0" i="0" u="none" strike="noStrike" kern="1200" cap="none" spc="0" normalizeH="0" baseline="0" noProof="0" dirty="0">
+                <a:ln>
+                  <a:noFill/>
+                </a:ln>
+                <a:solidFill>
+                  <a:prstClr val="white"/>
+                </a:solidFill>
+                <a:effectLst/>
+                <a:uLnTx/>
+                <a:uFillTx/>
+                <a:latin typeface="等线" panose="020F0502020204030204"/>
+                <a:ea typeface="等线" panose="02010600030101010101" pitchFamily="2" charset="-122"/>
+                <a:cs typeface="+mn-cs"/>
+              </a:rPr>
+              <a:t>1</a:t>
+            </a:r>
+            <a:endParaRPr kumimoji="1" lang="zh-CN" altLang="en-US" sz="1800" b="0" i="0" u="none" strike="noStrike" kern="1200" cap="none" spc="0" normalizeH="0" baseline="0" noProof="0" dirty="0">
+              <a:ln>
+                <a:noFill/>
+              </a:ln>
+              <a:solidFill>
+                <a:prstClr val="white"/>
+              </a:solidFill>
+              <a:effectLst/>
+              <a:uLnTx/>
+              <a:uFillTx/>
+              <a:latin typeface="等线" panose="020F0502020204030204"/>
+              <a:ea typeface="等线" panose="02010600030101010101" pitchFamily="2" charset="-122"/>
+              <a:cs typeface="+mn-cs"/>
+            </a:endParaRPr>
+          </a:p>
+        </p:txBody>
+      </p:sp>
+      <p:sp>
+        <p:nvSpPr>
+          <p:cNvPr id="10" name="圆角矩形 9">
+            <a:extLst>
+              <a:ext uri="{FF2B5EF4-FFF2-40B4-BE49-F238E27FC236}">
+                <a16:creationId xmlns:a16="http://schemas.microsoft.com/office/drawing/2014/main" id="{DD7CEE69-3AB9-0043-9AF6-7880DFC1B62B}"/>
+              </a:ext>
+            </a:extLst>
+          </p:cNvPr>
+          <p:cNvSpPr/>
+          <p:nvPr/>
+        </p:nvSpPr>
+        <p:spPr>
+          <a:xfrm>
+            <a:off x="8405039" y="2563391"/>
+            <a:ext cx="552893" cy="552893"/>
+          </a:xfrm>
+          <a:prstGeom prst="roundRect">
+            <a:avLst/>
+          </a:prstGeom>
+        </p:spPr>
+        <p:style>
+          <a:lnRef idx="2">
+            <a:schemeClr val="accent1">
+              <a:shade val="50000"/>
+            </a:schemeClr>
+          </a:lnRef>
+          <a:fillRef idx="1">
+            <a:schemeClr val="accent1"/>
+          </a:fillRef>
+          <a:effectRef idx="0">
+            <a:schemeClr val="accent1"/>
+          </a:effectRef>
+          <a:fontRef idx="minor">
+            <a:schemeClr val="lt1"/>
+          </a:fontRef>
+        </p:style>
+        <p:txBody>
+          <a:bodyPr rtlCol="0" anchor="ctr"/>
+          <a:lstStyle/>
+          <a:p>
+            <a:pPr marL="0" marR="0" lvl="0" indent="0" algn="ctr" defTabSz="914400" rtl="0" eaLnBrk="1" fontAlgn="auto" latinLnBrk="0" hangingPunct="1">
+              <a:lnSpc>
+                <a:spcPct val="100000"/>
+              </a:lnSpc>
+              <a:spcBef>
+                <a:spcPts val="0"/>
+              </a:spcBef>
+              <a:spcAft>
+                <a:spcPts val="0"/>
+              </a:spcAft>
+              <a:buClrTx/>
+              <a:buSzTx/>
+              <a:buFontTx/>
+              <a:buNone/>
+              <a:tabLst/>
+              <a:defRPr/>
+            </a:pPr>
+            <a:r>
+              <a:rPr kumimoji="1" lang="en-US" altLang="zh-CN" sz="1800" b="0" i="0" u="none" strike="noStrike" kern="1200" cap="none" spc="0" normalizeH="0" baseline="0" noProof="0" dirty="0">
+                <a:ln>
+                  <a:noFill/>
+                </a:ln>
+                <a:solidFill>
+                  <a:prstClr val="white"/>
+                </a:solidFill>
+                <a:effectLst/>
+                <a:uLnTx/>
+                <a:uFillTx/>
+                <a:latin typeface="等线" panose="020F0502020204030204"/>
+                <a:ea typeface="等线" panose="02010600030101010101" pitchFamily="2" charset="-122"/>
+                <a:cs typeface="+mn-cs"/>
+              </a:rPr>
+              <a:t>2</a:t>
+            </a:r>
+            <a:endParaRPr kumimoji="1" lang="zh-CN" altLang="en-US" sz="1800" b="0" i="0" u="none" strike="noStrike" kern="1200" cap="none" spc="0" normalizeH="0" baseline="0" noProof="0" dirty="0">
+              <a:ln>
+                <a:noFill/>
+              </a:ln>
+              <a:solidFill>
+                <a:prstClr val="white"/>
+              </a:solidFill>
+              <a:effectLst/>
+              <a:uLnTx/>
+              <a:uFillTx/>
+              <a:latin typeface="等线" panose="020F0502020204030204"/>
+              <a:ea typeface="等线" panose="02010600030101010101" pitchFamily="2" charset="-122"/>
+              <a:cs typeface="+mn-cs"/>
+            </a:endParaRPr>
+          </a:p>
+        </p:txBody>
+      </p:sp>
+      <p:sp>
+        <p:nvSpPr>
+          <p:cNvPr id="12" name="圆角矩形 11">
+            <a:extLst>
+              <a:ext uri="{FF2B5EF4-FFF2-40B4-BE49-F238E27FC236}">
+                <a16:creationId xmlns:a16="http://schemas.microsoft.com/office/drawing/2014/main" id="{FA3802B9-724B-0F41-8B8B-671C2A50B0EA}"/>
+              </a:ext>
+            </a:extLst>
+          </p:cNvPr>
+          <p:cNvSpPr/>
+          <p:nvPr/>
+        </p:nvSpPr>
+        <p:spPr>
+          <a:xfrm>
+            <a:off x="10703441" y="2563391"/>
+            <a:ext cx="552893" cy="552893"/>
+          </a:xfrm>
+          <a:prstGeom prst="roundRect">
+            <a:avLst/>
+          </a:prstGeom>
+        </p:spPr>
+        <p:style>
+          <a:lnRef idx="2">
+            <a:schemeClr val="accent1">
+              <a:shade val="50000"/>
+            </a:schemeClr>
+          </a:lnRef>
+          <a:fillRef idx="1">
+            <a:schemeClr val="accent1"/>
+          </a:fillRef>
+          <a:effectRef idx="0">
+            <a:schemeClr val="accent1"/>
+          </a:effectRef>
+          <a:fontRef idx="minor">
+            <a:schemeClr val="lt1"/>
+          </a:fontRef>
+        </p:style>
+        <p:txBody>
+          <a:bodyPr rtlCol="0" anchor="ctr"/>
+          <a:lstStyle/>
+          <a:p>
+            <a:pPr marL="0" marR="0" lvl="0" indent="0" algn="ctr" defTabSz="914400" rtl="0" eaLnBrk="1" fontAlgn="auto" latinLnBrk="0" hangingPunct="1">
+              <a:lnSpc>
+                <a:spcPct val="100000"/>
+              </a:lnSpc>
+              <a:spcBef>
+                <a:spcPts val="0"/>
+              </a:spcBef>
+              <a:spcAft>
+                <a:spcPts val="0"/>
+              </a:spcAft>
+              <a:buClrTx/>
+              <a:buSzTx/>
+              <a:buFontTx/>
+              <a:buNone/>
+              <a:tabLst/>
+              <a:defRPr/>
+            </a:pPr>
+            <a:r>
+              <a:rPr kumimoji="1" lang="en-US" altLang="zh-CN" sz="1800" b="0" i="0" u="none" strike="noStrike" kern="1200" cap="none" spc="0" normalizeH="0" baseline="0" noProof="0" dirty="0">
+                <a:ln>
+                  <a:noFill/>
+                </a:ln>
+                <a:solidFill>
+                  <a:prstClr val="white"/>
+                </a:solidFill>
+                <a:effectLst/>
+                <a:uLnTx/>
+                <a:uFillTx/>
+                <a:latin typeface="等线" panose="020F0502020204030204"/>
+                <a:ea typeface="等线" panose="02010600030101010101" pitchFamily="2" charset="-122"/>
+                <a:cs typeface="+mn-cs"/>
+              </a:rPr>
+              <a:t>4</a:t>
+            </a:r>
+            <a:endParaRPr kumimoji="1" lang="zh-CN" altLang="en-US" sz="1800" b="0" i="0" u="none" strike="noStrike" kern="1200" cap="none" spc="0" normalizeH="0" baseline="0" noProof="0" dirty="0">
+              <a:ln>
+                <a:noFill/>
+              </a:ln>
+              <a:solidFill>
+                <a:prstClr val="white"/>
+              </a:solidFill>
+              <a:effectLst/>
+              <a:uLnTx/>
+              <a:uFillTx/>
+              <a:latin typeface="等线" panose="020F0502020204030204"/>
+              <a:ea typeface="等线" panose="02010600030101010101" pitchFamily="2" charset="-122"/>
+              <a:cs typeface="+mn-cs"/>
+            </a:endParaRPr>
+          </a:p>
+        </p:txBody>
+      </p:sp>
+      <p:sp>
+        <p:nvSpPr>
+          <p:cNvPr id="14" name="圆角矩形 13">
+            <a:extLst>
+              <a:ext uri="{FF2B5EF4-FFF2-40B4-BE49-F238E27FC236}">
+                <a16:creationId xmlns:a16="http://schemas.microsoft.com/office/drawing/2014/main" id="{72DE78F4-9398-7444-B4C7-82B6FB558A91}"/>
+              </a:ext>
+            </a:extLst>
+          </p:cNvPr>
+          <p:cNvSpPr/>
+          <p:nvPr/>
+        </p:nvSpPr>
+        <p:spPr>
+          <a:xfrm>
+            <a:off x="9608286" y="2563391"/>
+            <a:ext cx="552893" cy="552893"/>
+          </a:xfrm>
+          <a:prstGeom prst="roundRect">
+            <a:avLst/>
+          </a:prstGeom>
+        </p:spPr>
+        <p:style>
+          <a:lnRef idx="2">
+            <a:schemeClr val="accent1">
+              <a:shade val="50000"/>
+            </a:schemeClr>
+          </a:lnRef>
+          <a:fillRef idx="1">
+            <a:schemeClr val="accent1"/>
+          </a:fillRef>
+          <a:effectRef idx="0">
+            <a:schemeClr val="accent1"/>
+          </a:effectRef>
+          <a:fontRef idx="minor">
+            <a:schemeClr val="lt1"/>
+          </a:fontRef>
+        </p:style>
+        <p:txBody>
+          <a:bodyPr rtlCol="0" anchor="ctr"/>
+          <a:lstStyle/>
+          <a:p>
+            <a:pPr marL="0" marR="0" lvl="0" indent="0" algn="ctr" defTabSz="914400" rtl="0" eaLnBrk="1" fontAlgn="auto" latinLnBrk="0" hangingPunct="1">
+              <a:lnSpc>
+                <a:spcPct val="100000"/>
+              </a:lnSpc>
+              <a:spcBef>
+                <a:spcPts val="0"/>
+              </a:spcBef>
+              <a:spcAft>
+                <a:spcPts val="0"/>
+              </a:spcAft>
+              <a:buClrTx/>
+              <a:buSzTx/>
+              <a:buFontTx/>
+              <a:buNone/>
+              <a:tabLst/>
+              <a:defRPr/>
+            </a:pPr>
+            <a:r>
+              <a:rPr kumimoji="1" lang="en-US" altLang="zh-CN" sz="1800" b="0" i="0" u="none" strike="noStrike" kern="1200" cap="none" spc="0" normalizeH="0" baseline="0" noProof="0" dirty="0">
+                <a:ln>
+                  <a:noFill/>
+                </a:ln>
+                <a:solidFill>
+                  <a:prstClr val="white"/>
+                </a:solidFill>
+                <a:effectLst/>
+                <a:uLnTx/>
+                <a:uFillTx/>
+                <a:latin typeface="等线" panose="020F0502020204030204"/>
+                <a:ea typeface="等线" panose="02010600030101010101" pitchFamily="2" charset="-122"/>
+                <a:cs typeface="+mn-cs"/>
+              </a:rPr>
+              <a:t>3</a:t>
+            </a:r>
+            <a:endParaRPr kumimoji="1" lang="zh-CN" altLang="en-US" sz="1800" b="0" i="0" u="none" strike="noStrike" kern="1200" cap="none" spc="0" normalizeH="0" baseline="0" noProof="0" dirty="0">
+              <a:ln>
+                <a:noFill/>
+              </a:ln>
+              <a:solidFill>
+                <a:prstClr val="white"/>
+              </a:solidFill>
+              <a:effectLst/>
+              <a:uLnTx/>
+              <a:uFillTx/>
+              <a:latin typeface="等线" panose="020F0502020204030204"/>
+              <a:ea typeface="等线" panose="02010600030101010101" pitchFamily="2" charset="-122"/>
+              <a:cs typeface="+mn-cs"/>
+            </a:endParaRPr>
+          </a:p>
+        </p:txBody>
+      </p:sp>
+      <p:cxnSp>
+        <p:nvCxnSpPr>
+          <p:cNvPr id="20" name="直线连接符 19">
+            <a:extLst>
+              <a:ext uri="{FF2B5EF4-FFF2-40B4-BE49-F238E27FC236}">
+                <a16:creationId xmlns:a16="http://schemas.microsoft.com/office/drawing/2014/main" id="{24784B94-8FC2-DB46-BA7E-BF3630C840DA}"/>
+              </a:ext>
+            </a:extLst>
+          </p:cNvPr>
+          <p:cNvCxnSpPr>
+            <a:stCxn id="3" idx="3"/>
+          </p:cNvCxnSpPr>
+          <p:nvPr/>
+        </p:nvCxnSpPr>
+        <p:spPr>
+          <a:xfrm>
+            <a:off x="7765316" y="2826942"/>
+            <a:ext cx="639723" cy="12895"/>
+          </a:xfrm>
+          <a:prstGeom prst="line">
+            <a:avLst/>
+          </a:prstGeom>
+        </p:spPr>
+        <p:style>
+          <a:lnRef idx="1">
+            <a:schemeClr val="accent1"/>
+          </a:lnRef>
+          <a:fillRef idx="0">
+            <a:schemeClr val="accent1"/>
+          </a:fillRef>
+          <a:effectRef idx="0">
+            <a:schemeClr val="accent1"/>
+          </a:effectRef>
+          <a:fontRef idx="minor">
+            <a:schemeClr val="tx1"/>
+          </a:fontRef>
+        </p:style>
+      </p:cxnSp>
+      <p:cxnSp>
+        <p:nvCxnSpPr>
+          <p:cNvPr id="22" name="直线连接符 21">
+            <a:extLst>
+              <a:ext uri="{FF2B5EF4-FFF2-40B4-BE49-F238E27FC236}">
+                <a16:creationId xmlns:a16="http://schemas.microsoft.com/office/drawing/2014/main" id="{BD4014F8-E349-854B-9582-684CEFA7CD6F}"/>
+              </a:ext>
+            </a:extLst>
+          </p:cNvPr>
+          <p:cNvCxnSpPr>
+            <a:stCxn id="10" idx="3"/>
+          </p:cNvCxnSpPr>
+          <p:nvPr/>
+        </p:nvCxnSpPr>
+        <p:spPr>
+          <a:xfrm flipV="1">
+            <a:off x="8957932" y="2826941"/>
+            <a:ext cx="650354" cy="12897"/>
+          </a:xfrm>
+          <a:prstGeom prst="line">
+            <a:avLst/>
+          </a:prstGeom>
+        </p:spPr>
+        <p:style>
+          <a:lnRef idx="1">
+            <a:schemeClr val="accent1"/>
+          </a:lnRef>
+          <a:fillRef idx="0">
+            <a:schemeClr val="accent1"/>
+          </a:fillRef>
+          <a:effectRef idx="0">
+            <a:schemeClr val="accent1"/>
+          </a:effectRef>
+          <a:fontRef idx="minor">
+            <a:schemeClr val="tx1"/>
+          </a:fontRef>
+        </p:style>
+      </p:cxnSp>
+      <p:cxnSp>
+        <p:nvCxnSpPr>
+          <p:cNvPr id="24" name="直线连接符 23">
+            <a:extLst>
+              <a:ext uri="{FF2B5EF4-FFF2-40B4-BE49-F238E27FC236}">
+                <a16:creationId xmlns:a16="http://schemas.microsoft.com/office/drawing/2014/main" id="{083E119F-B4AC-FF4C-9612-8BF0F5A6722D}"/>
+              </a:ext>
+            </a:extLst>
+          </p:cNvPr>
+          <p:cNvCxnSpPr>
+            <a:stCxn id="14" idx="3"/>
+            <a:endCxn id="12" idx="1"/>
+          </p:cNvCxnSpPr>
+          <p:nvPr/>
+        </p:nvCxnSpPr>
+        <p:spPr>
+          <a:xfrm>
+            <a:off x="10161179" y="2839838"/>
+            <a:ext cx="542262" cy="0"/>
+          </a:xfrm>
+          <a:prstGeom prst="line">
+            <a:avLst/>
+          </a:prstGeom>
+        </p:spPr>
+        <p:style>
+          <a:lnRef idx="1">
+            <a:schemeClr val="accent1"/>
+          </a:lnRef>
+          <a:fillRef idx="0">
+            <a:schemeClr val="accent1"/>
+          </a:fillRef>
+          <a:effectRef idx="0">
+            <a:schemeClr val="accent1"/>
+          </a:effectRef>
+          <a:fontRef idx="minor">
+            <a:schemeClr val="tx1"/>
+          </a:fontRef>
+        </p:style>
+      </p:cxnSp>
+      <p:sp>
+        <p:nvSpPr>
+          <p:cNvPr id="25" name="圆角矩形 24">
+            <a:extLst>
+              <a:ext uri="{FF2B5EF4-FFF2-40B4-BE49-F238E27FC236}">
+                <a16:creationId xmlns:a16="http://schemas.microsoft.com/office/drawing/2014/main" id="{5E0DDB7B-06EF-304D-88C0-8EC9360E3260}"/>
+              </a:ext>
+            </a:extLst>
+          </p:cNvPr>
+          <p:cNvSpPr/>
+          <p:nvPr/>
+        </p:nvSpPr>
+        <p:spPr>
+          <a:xfrm>
+            <a:off x="10703441" y="3800014"/>
+            <a:ext cx="552893" cy="552893"/>
+          </a:xfrm>
+          <a:prstGeom prst="roundRect">
+            <a:avLst/>
+          </a:prstGeom>
+        </p:spPr>
+        <p:style>
+          <a:lnRef idx="2">
+            <a:schemeClr val="accent1">
+              <a:shade val="50000"/>
+            </a:schemeClr>
+          </a:lnRef>
+          <a:fillRef idx="1">
+            <a:schemeClr val="accent1"/>
+          </a:fillRef>
+          <a:effectRef idx="0">
+            <a:schemeClr val="accent1"/>
+          </a:effectRef>
+          <a:fontRef idx="minor">
+            <a:schemeClr val="lt1"/>
+          </a:fontRef>
+        </p:style>
+        <p:txBody>
+          <a:bodyPr rtlCol="0" anchor="ctr"/>
+          <a:lstStyle/>
+          <a:p>
+            <a:pPr marL="0" marR="0" lvl="0" indent="0" algn="ctr" defTabSz="914400" rtl="0" eaLnBrk="1" fontAlgn="auto" latinLnBrk="0" hangingPunct="1">
+              <a:lnSpc>
+                <a:spcPct val="100000"/>
+              </a:lnSpc>
+              <a:spcBef>
+                <a:spcPts val="0"/>
+              </a:spcBef>
+              <a:spcAft>
+                <a:spcPts val="0"/>
+              </a:spcAft>
+              <a:buClrTx/>
+              <a:buSzTx/>
+              <a:buFontTx/>
+              <a:buNone/>
+              <a:tabLst/>
+              <a:defRPr/>
+            </a:pPr>
+            <a:r>
+              <a:rPr kumimoji="1" lang="en-US" altLang="zh-CN" sz="1800" b="0" i="0" u="none" strike="noStrike" kern="1200" cap="none" spc="0" normalizeH="0" baseline="0" noProof="0" dirty="0">
+                <a:ln>
+                  <a:noFill/>
+                </a:ln>
+                <a:solidFill>
+                  <a:prstClr val="white"/>
+                </a:solidFill>
+                <a:effectLst/>
+                <a:uLnTx/>
+                <a:uFillTx/>
+                <a:latin typeface="等线" panose="020F0502020204030204"/>
+                <a:ea typeface="等线" panose="02010600030101010101" pitchFamily="2" charset="-122"/>
+                <a:cs typeface="+mn-cs"/>
+              </a:rPr>
+              <a:t>5</a:t>
+            </a:r>
+            <a:endParaRPr kumimoji="1" lang="zh-CN" altLang="en-US" sz="1800" b="0" i="0" u="none" strike="noStrike" kern="1200" cap="none" spc="0" normalizeH="0" baseline="0" noProof="0" dirty="0">
+              <a:ln>
+                <a:noFill/>
+              </a:ln>
+              <a:solidFill>
+                <a:prstClr val="white"/>
+              </a:solidFill>
+              <a:effectLst/>
+              <a:uLnTx/>
+              <a:uFillTx/>
+              <a:latin typeface="等线" panose="020F0502020204030204"/>
+              <a:ea typeface="等线" panose="02010600030101010101" pitchFamily="2" charset="-122"/>
+              <a:cs typeface="+mn-cs"/>
+            </a:endParaRPr>
+          </a:p>
+        </p:txBody>
+      </p:sp>
+      <p:sp>
+        <p:nvSpPr>
+          <p:cNvPr id="26" name="圆角矩形 25">
+            <a:extLst>
+              <a:ext uri="{FF2B5EF4-FFF2-40B4-BE49-F238E27FC236}">
+                <a16:creationId xmlns:a16="http://schemas.microsoft.com/office/drawing/2014/main" id="{777960D3-50F7-3946-AEA8-FB21D2B9B5AE}"/>
+              </a:ext>
+            </a:extLst>
+          </p:cNvPr>
+          <p:cNvSpPr/>
+          <p:nvPr/>
+        </p:nvSpPr>
+        <p:spPr>
+          <a:xfrm>
+            <a:off x="9608286" y="3800014"/>
+            <a:ext cx="552893" cy="552893"/>
+          </a:xfrm>
+          <a:prstGeom prst="roundRect">
+            <a:avLst/>
+          </a:prstGeom>
+        </p:spPr>
+        <p:style>
+          <a:lnRef idx="2">
+            <a:schemeClr val="accent1">
+              <a:shade val="50000"/>
+            </a:schemeClr>
+          </a:lnRef>
+          <a:fillRef idx="1">
+            <a:schemeClr val="accent1"/>
+          </a:fillRef>
+          <a:effectRef idx="0">
+            <a:schemeClr val="accent1"/>
+          </a:effectRef>
+          <a:fontRef idx="minor">
+            <a:schemeClr val="lt1"/>
+          </a:fontRef>
+        </p:style>
+        <p:txBody>
+          <a:bodyPr rtlCol="0" anchor="ctr"/>
+          <a:lstStyle/>
+          <a:p>
+            <a:pPr marL="0" marR="0" lvl="0" indent="0" algn="ctr" defTabSz="914400" rtl="0" eaLnBrk="1" fontAlgn="auto" latinLnBrk="0" hangingPunct="1">
+              <a:lnSpc>
+                <a:spcPct val="100000"/>
+              </a:lnSpc>
+              <a:spcBef>
+                <a:spcPts val="0"/>
+              </a:spcBef>
+              <a:spcAft>
+                <a:spcPts val="0"/>
+              </a:spcAft>
+              <a:buClrTx/>
+              <a:buSzTx/>
+              <a:buFontTx/>
+              <a:buNone/>
+              <a:tabLst/>
+              <a:defRPr/>
+            </a:pPr>
+            <a:r>
+              <a:rPr kumimoji="1" lang="en-US" altLang="zh-CN" sz="1800" b="0" i="0" u="none" strike="noStrike" kern="1200" cap="none" spc="0" normalizeH="0" baseline="0" noProof="0" dirty="0">
+                <a:ln>
+                  <a:noFill/>
+                </a:ln>
+                <a:solidFill>
+                  <a:prstClr val="white"/>
+                </a:solidFill>
+                <a:effectLst/>
+                <a:uLnTx/>
+                <a:uFillTx/>
+                <a:latin typeface="等线" panose="020F0502020204030204"/>
+                <a:ea typeface="等线" panose="02010600030101010101" pitchFamily="2" charset="-122"/>
+                <a:cs typeface="+mn-cs"/>
+              </a:rPr>
+              <a:t>6</a:t>
+            </a:r>
+            <a:endParaRPr kumimoji="1" lang="zh-CN" altLang="en-US" sz="1800" b="0" i="0" u="none" strike="noStrike" kern="1200" cap="none" spc="0" normalizeH="0" baseline="0" noProof="0" dirty="0">
+              <a:ln>
+                <a:noFill/>
+              </a:ln>
+              <a:solidFill>
+                <a:prstClr val="white"/>
+              </a:solidFill>
+              <a:effectLst/>
+              <a:uLnTx/>
+              <a:uFillTx/>
+              <a:latin typeface="等线" panose="020F0502020204030204"/>
+              <a:ea typeface="等线" panose="02010600030101010101" pitchFamily="2" charset="-122"/>
+              <a:cs typeface="+mn-cs"/>
+            </a:endParaRPr>
+          </a:p>
+        </p:txBody>
+      </p:sp>
+      <p:sp>
+        <p:nvSpPr>
+          <p:cNvPr id="27" name="圆角矩形 26">
+            <a:extLst>
+              <a:ext uri="{FF2B5EF4-FFF2-40B4-BE49-F238E27FC236}">
+                <a16:creationId xmlns:a16="http://schemas.microsoft.com/office/drawing/2014/main" id="{C01A6B24-7E6E-424E-B9D0-6FF057FBB454}"/>
+              </a:ext>
+            </a:extLst>
+          </p:cNvPr>
+          <p:cNvSpPr/>
+          <p:nvPr/>
+        </p:nvSpPr>
+        <p:spPr>
+          <a:xfrm>
+            <a:off x="8397065" y="3800012"/>
+            <a:ext cx="552893" cy="552893"/>
+          </a:xfrm>
+          <a:prstGeom prst="roundRect">
+            <a:avLst/>
+          </a:prstGeom>
+        </p:spPr>
+        <p:style>
+          <a:lnRef idx="2">
+            <a:schemeClr val="accent1">
+              <a:shade val="50000"/>
+            </a:schemeClr>
+          </a:lnRef>
+          <a:fillRef idx="1">
+            <a:schemeClr val="accent1"/>
+          </a:fillRef>
+          <a:effectRef idx="0">
+            <a:schemeClr val="accent1"/>
+          </a:effectRef>
+          <a:fontRef idx="minor">
+            <a:schemeClr val="lt1"/>
+          </a:fontRef>
+        </p:style>
+        <p:txBody>
+          <a:bodyPr rtlCol="0" anchor="ctr"/>
+          <a:lstStyle/>
+          <a:p>
+            <a:pPr marL="0" marR="0" lvl="0" indent="0" algn="ctr" defTabSz="914400" rtl="0" eaLnBrk="1" fontAlgn="auto" latinLnBrk="0" hangingPunct="1">
+              <a:lnSpc>
+                <a:spcPct val="100000"/>
+              </a:lnSpc>
+              <a:spcBef>
+                <a:spcPts val="0"/>
+              </a:spcBef>
+              <a:spcAft>
+                <a:spcPts val="0"/>
+              </a:spcAft>
+              <a:buClrTx/>
+              <a:buSzTx/>
+              <a:buFontTx/>
+              <a:buNone/>
+              <a:tabLst/>
+              <a:defRPr/>
+            </a:pPr>
+            <a:r>
+              <a:rPr kumimoji="1" lang="en-US" altLang="zh-CN" sz="1800" b="0" i="0" u="none" strike="noStrike" kern="1200" cap="none" spc="0" normalizeH="0" baseline="0" noProof="0" dirty="0">
+                <a:ln>
+                  <a:noFill/>
+                </a:ln>
+                <a:solidFill>
+                  <a:prstClr val="white"/>
+                </a:solidFill>
+                <a:effectLst/>
+                <a:uLnTx/>
+                <a:uFillTx/>
+                <a:latin typeface="等线" panose="020F0502020204030204"/>
+                <a:ea typeface="等线" panose="02010600030101010101" pitchFamily="2" charset="-122"/>
+                <a:cs typeface="+mn-cs"/>
+              </a:rPr>
+              <a:t>7</a:t>
+            </a:r>
+            <a:endParaRPr kumimoji="1" lang="zh-CN" altLang="en-US" sz="1800" b="0" i="0" u="none" strike="noStrike" kern="1200" cap="none" spc="0" normalizeH="0" baseline="0" noProof="0" dirty="0">
+              <a:ln>
+                <a:noFill/>
+              </a:ln>
+              <a:solidFill>
+                <a:prstClr val="white"/>
+              </a:solidFill>
+              <a:effectLst/>
+              <a:uLnTx/>
+              <a:uFillTx/>
+              <a:latin typeface="等线" panose="020F0502020204030204"/>
+              <a:ea typeface="等线" panose="02010600030101010101" pitchFamily="2" charset="-122"/>
+              <a:cs typeface="+mn-cs"/>
+            </a:endParaRPr>
+          </a:p>
+        </p:txBody>
+      </p:sp>
+      <p:sp>
+        <p:nvSpPr>
+          <p:cNvPr id="28" name="圆角矩形 27">
+            <a:extLst>
+              <a:ext uri="{FF2B5EF4-FFF2-40B4-BE49-F238E27FC236}">
+                <a16:creationId xmlns:a16="http://schemas.microsoft.com/office/drawing/2014/main" id="{22825CE1-77B4-E946-8D91-BFCBF5D723D6}"/>
+              </a:ext>
+            </a:extLst>
+          </p:cNvPr>
+          <p:cNvSpPr/>
+          <p:nvPr/>
+        </p:nvSpPr>
+        <p:spPr>
+          <a:xfrm>
+            <a:off x="7301910" y="3800013"/>
+            <a:ext cx="552893" cy="552893"/>
+          </a:xfrm>
+          <a:prstGeom prst="roundRect">
+            <a:avLst/>
+          </a:prstGeom>
+        </p:spPr>
+        <p:style>
+          <a:lnRef idx="2">
+            <a:schemeClr val="accent1">
+              <a:shade val="50000"/>
+            </a:schemeClr>
+          </a:lnRef>
+          <a:fillRef idx="1">
+            <a:schemeClr val="accent1"/>
+          </a:fillRef>
+          <a:effectRef idx="0">
+            <a:schemeClr val="accent1"/>
+          </a:effectRef>
+          <a:fontRef idx="minor">
+            <a:schemeClr val="lt1"/>
+          </a:fontRef>
+        </p:style>
+        <p:txBody>
+          <a:bodyPr rtlCol="0" anchor="ctr"/>
+          <a:lstStyle/>
+          <a:p>
+            <a:pPr marL="0" marR="0" lvl="0" indent="0" algn="ctr" defTabSz="914400" rtl="0" eaLnBrk="1" fontAlgn="auto" latinLnBrk="0" hangingPunct="1">
+              <a:lnSpc>
+                <a:spcPct val="100000"/>
+              </a:lnSpc>
+              <a:spcBef>
+                <a:spcPts val="0"/>
+              </a:spcBef>
+              <a:spcAft>
+                <a:spcPts val="0"/>
+              </a:spcAft>
+              <a:buClrTx/>
+              <a:buSzTx/>
+              <a:buFontTx/>
+              <a:buNone/>
+              <a:tabLst/>
+              <a:defRPr/>
+            </a:pPr>
+            <a:r>
+              <a:rPr kumimoji="1" lang="en-US" altLang="zh-CN" sz="1800" b="0" i="0" u="none" strike="noStrike" kern="1200" cap="none" spc="0" normalizeH="0" baseline="0" noProof="0" dirty="0">
+                <a:ln>
+                  <a:noFill/>
+                </a:ln>
+                <a:solidFill>
+                  <a:prstClr val="white"/>
+                </a:solidFill>
+                <a:effectLst/>
+                <a:uLnTx/>
+                <a:uFillTx/>
+                <a:latin typeface="等线" panose="020F0502020204030204"/>
+                <a:ea typeface="等线" panose="02010600030101010101" pitchFamily="2" charset="-122"/>
+                <a:cs typeface="+mn-cs"/>
+              </a:rPr>
+              <a:t>8</a:t>
+            </a:r>
+            <a:endParaRPr kumimoji="1" lang="zh-CN" altLang="en-US" sz="1800" b="0" i="0" u="none" strike="noStrike" kern="1200" cap="none" spc="0" normalizeH="0" baseline="0" noProof="0" dirty="0">
+              <a:ln>
+                <a:noFill/>
+              </a:ln>
+              <a:solidFill>
+                <a:prstClr val="white"/>
+              </a:solidFill>
+              <a:effectLst/>
+              <a:uLnTx/>
+              <a:uFillTx/>
+              <a:latin typeface="等线" panose="020F0502020204030204"/>
+              <a:ea typeface="等线" panose="02010600030101010101" pitchFamily="2" charset="-122"/>
+              <a:cs typeface="+mn-cs"/>
+            </a:endParaRPr>
+          </a:p>
+        </p:txBody>
+      </p:sp>
+      <p:cxnSp>
+        <p:nvCxnSpPr>
+          <p:cNvPr id="30" name="直线连接符 29">
+            <a:extLst>
+              <a:ext uri="{FF2B5EF4-FFF2-40B4-BE49-F238E27FC236}">
+                <a16:creationId xmlns:a16="http://schemas.microsoft.com/office/drawing/2014/main" id="{437D65B2-1122-B747-900F-993EB858939E}"/>
+              </a:ext>
+            </a:extLst>
+          </p:cNvPr>
+          <p:cNvCxnSpPr>
+            <a:stCxn id="12" idx="2"/>
+            <a:endCxn id="25" idx="0"/>
+          </p:cNvCxnSpPr>
+          <p:nvPr/>
+        </p:nvCxnSpPr>
+        <p:spPr>
+          <a:xfrm>
+            <a:off x="10979888" y="3116284"/>
+            <a:ext cx="0" cy="683730"/>
+          </a:xfrm>
+          <a:prstGeom prst="line">
+            <a:avLst/>
+          </a:prstGeom>
+        </p:spPr>
+        <p:style>
+          <a:lnRef idx="1">
+            <a:schemeClr val="accent1"/>
+          </a:lnRef>
+          <a:fillRef idx="0">
+            <a:schemeClr val="accent1"/>
+          </a:fillRef>
+          <a:effectRef idx="0">
+            <a:schemeClr val="accent1"/>
+          </a:effectRef>
+          <a:fontRef idx="minor">
+            <a:schemeClr val="tx1"/>
+          </a:fontRef>
+        </p:style>
+      </p:cxnSp>
+      <p:cxnSp>
+        <p:nvCxnSpPr>
+          <p:cNvPr id="32" name="直线连接符 31">
+            <a:extLst>
+              <a:ext uri="{FF2B5EF4-FFF2-40B4-BE49-F238E27FC236}">
+                <a16:creationId xmlns:a16="http://schemas.microsoft.com/office/drawing/2014/main" id="{65FB0D54-72B8-F34B-89A4-7FD3F888F466}"/>
+              </a:ext>
+            </a:extLst>
+          </p:cNvPr>
+          <p:cNvCxnSpPr>
+            <a:stCxn id="25" idx="1"/>
+            <a:endCxn id="26" idx="3"/>
+          </p:cNvCxnSpPr>
+          <p:nvPr/>
+        </p:nvCxnSpPr>
+        <p:spPr>
+          <a:xfrm flipH="1">
+            <a:off x="10161179" y="4076461"/>
+            <a:ext cx="542262" cy="0"/>
+          </a:xfrm>
+          <a:prstGeom prst="line">
+            <a:avLst/>
+          </a:prstGeom>
+        </p:spPr>
+        <p:style>
+          <a:lnRef idx="1">
+            <a:schemeClr val="accent1"/>
+          </a:lnRef>
+          <a:fillRef idx="0">
+            <a:schemeClr val="accent1"/>
+          </a:fillRef>
+          <a:effectRef idx="0">
+            <a:schemeClr val="accent1"/>
+          </a:effectRef>
+          <a:fontRef idx="minor">
+            <a:schemeClr val="tx1"/>
+          </a:fontRef>
+        </p:style>
+      </p:cxnSp>
+      <p:cxnSp>
+        <p:nvCxnSpPr>
+          <p:cNvPr id="34" name="直线连接符 33">
+            <a:extLst>
+              <a:ext uri="{FF2B5EF4-FFF2-40B4-BE49-F238E27FC236}">
+                <a16:creationId xmlns:a16="http://schemas.microsoft.com/office/drawing/2014/main" id="{527B7B72-6484-1547-8A13-ED5E84BF7923}"/>
+              </a:ext>
+            </a:extLst>
+          </p:cNvPr>
+          <p:cNvCxnSpPr>
+            <a:stCxn id="26" idx="1"/>
+            <a:endCxn id="27" idx="3"/>
+          </p:cNvCxnSpPr>
+          <p:nvPr/>
+        </p:nvCxnSpPr>
+        <p:spPr>
+          <a:xfrm flipH="1" flipV="1">
+            <a:off x="8949958" y="4076459"/>
+            <a:ext cx="658328" cy="2"/>
+          </a:xfrm>
+          <a:prstGeom prst="line">
+            <a:avLst/>
+          </a:prstGeom>
+        </p:spPr>
+        <p:style>
+          <a:lnRef idx="1">
+            <a:schemeClr val="accent1"/>
+          </a:lnRef>
+          <a:fillRef idx="0">
+            <a:schemeClr val="accent1"/>
+          </a:fillRef>
+          <a:effectRef idx="0">
+            <a:schemeClr val="accent1"/>
+          </a:effectRef>
+          <a:fontRef idx="minor">
+            <a:schemeClr val="tx1"/>
+          </a:fontRef>
+        </p:style>
+      </p:cxnSp>
+      <p:cxnSp>
+        <p:nvCxnSpPr>
+          <p:cNvPr id="36" name="直线连接符 35">
+            <a:extLst>
+              <a:ext uri="{FF2B5EF4-FFF2-40B4-BE49-F238E27FC236}">
+                <a16:creationId xmlns:a16="http://schemas.microsoft.com/office/drawing/2014/main" id="{F1C3762E-D05B-8A4A-9014-66D6C3EB293F}"/>
+              </a:ext>
+            </a:extLst>
+          </p:cNvPr>
+          <p:cNvCxnSpPr>
+            <a:stCxn id="27" idx="1"/>
+            <a:endCxn id="28" idx="3"/>
+          </p:cNvCxnSpPr>
+          <p:nvPr/>
+        </p:nvCxnSpPr>
+        <p:spPr>
+          <a:xfrm flipH="1">
+            <a:off x="7854803" y="4076459"/>
+            <a:ext cx="542262" cy="1"/>
+          </a:xfrm>
+          <a:prstGeom prst="line">
+            <a:avLst/>
+          </a:prstGeom>
+        </p:spPr>
+        <p:style>
+          <a:lnRef idx="1">
+            <a:schemeClr val="accent1"/>
+          </a:lnRef>
+          <a:fillRef idx="0">
+            <a:schemeClr val="accent1"/>
+          </a:fillRef>
+          <a:effectRef idx="0">
+            <a:schemeClr val="accent1"/>
+          </a:effectRef>
+          <a:fontRef idx="minor">
+            <a:schemeClr val="tx1"/>
+          </a:fontRef>
+        </p:style>
+      </p:cxnSp>
+      <p:sp>
+        <p:nvSpPr>
+          <p:cNvPr id="37" name="文本框 36">
+            <a:extLst>
+              <a:ext uri="{FF2B5EF4-FFF2-40B4-BE49-F238E27FC236}">
+                <a16:creationId xmlns:a16="http://schemas.microsoft.com/office/drawing/2014/main" id="{C22A4F09-EAEC-444A-99DB-AFB8D9FACC44}"/>
+              </a:ext>
+            </a:extLst>
+          </p:cNvPr>
+          <p:cNvSpPr txBox="1"/>
+          <p:nvPr/>
+        </p:nvSpPr>
+        <p:spPr>
+          <a:xfrm>
+            <a:off x="1053068" y="4614514"/>
+            <a:ext cx="3763925" cy="1384995"/>
+          </a:xfrm>
+          <a:prstGeom prst="rect">
+            <a:avLst/>
+          </a:prstGeom>
+          <a:noFill/>
+        </p:spPr>
+        <p:txBody>
+          <a:bodyPr wrap="square" rtlCol="0">
+            <a:spAutoFit/>
+          </a:bodyPr>
+          <a:lstStyle/>
+          <a:p>
+            <a:pPr marL="0" marR="0" lvl="0" indent="0" algn="l" defTabSz="914400" rtl="0" eaLnBrk="1" fontAlgn="auto" latinLnBrk="0" hangingPunct="1">
+              <a:lnSpc>
+                <a:spcPct val="100000"/>
+              </a:lnSpc>
+              <a:spcBef>
+                <a:spcPts val="0"/>
+              </a:spcBef>
+              <a:spcAft>
+                <a:spcPts val="0"/>
+              </a:spcAft>
+              <a:buClrTx/>
+              <a:buSzTx/>
+              <a:buFontTx/>
+              <a:buNone/>
+              <a:tabLst/>
+              <a:defRPr/>
+            </a:pPr>
+            <a:endParaRPr kumimoji="1" lang="en-US" altLang="zh-CN" sz="2800" b="0" i="0" u="none" strike="noStrike" kern="1200" cap="none" spc="0" normalizeH="0" baseline="0" noProof="0" dirty="0">
+              <a:ln>
+                <a:noFill/>
+              </a:ln>
+              <a:solidFill>
+                <a:prstClr val="black"/>
+              </a:solidFill>
+              <a:effectLst/>
+              <a:uLnTx/>
+              <a:uFillTx/>
+              <a:latin typeface="Microsoft YaHei" panose="020B0503020204020204" pitchFamily="34" charset="-122"/>
+              <a:ea typeface="Microsoft YaHei" panose="020B0503020204020204" pitchFamily="34" charset="-122"/>
+              <a:cs typeface="+mn-cs"/>
+            </a:endParaRPr>
+          </a:p>
+          <a:p>
+            <a:pPr marL="457200" marR="0" lvl="0" indent="-457200" algn="l" defTabSz="914400" rtl="0" eaLnBrk="1" fontAlgn="auto" latinLnBrk="0" hangingPunct="1">
+              <a:lnSpc>
+                <a:spcPct val="100000"/>
+              </a:lnSpc>
+              <a:spcBef>
+                <a:spcPts val="0"/>
+              </a:spcBef>
+              <a:spcAft>
+                <a:spcPts val="0"/>
+              </a:spcAft>
+              <a:buClrTx/>
+              <a:buSzTx/>
+              <a:buFont typeface="Wingdings" pitchFamily="2" charset="2"/>
+              <a:buChar char="Ø"/>
+              <a:tabLst/>
+              <a:defRPr/>
+            </a:pPr>
+            <a:r>
+              <a:rPr kumimoji="1" lang="zh-CN" altLang="en-US" sz="2800" b="0" i="0" u="none" strike="noStrike" kern="1200" cap="none" spc="0" normalizeH="0" baseline="0" noProof="0" dirty="0">
+                <a:ln>
+                  <a:noFill/>
+                </a:ln>
+                <a:solidFill>
+                  <a:prstClr val="black"/>
+                </a:solidFill>
+                <a:effectLst/>
+                <a:uLnTx/>
+                <a:uFillTx/>
+                <a:latin typeface="Microsoft YaHei" panose="020B0503020204020204" pitchFamily="34" charset="-122"/>
+                <a:ea typeface="Microsoft YaHei" panose="020B0503020204020204" pitchFamily="34" charset="-122"/>
+                <a:cs typeface="+mn-cs"/>
+              </a:rPr>
+              <a:t>食堂排队</a:t>
+            </a:r>
+            <a:endParaRPr kumimoji="1" lang="en-US" altLang="zh-CN" sz="2800" b="0" i="0" u="none" strike="noStrike" kern="1200" cap="none" spc="0" normalizeH="0" baseline="0" noProof="0" dirty="0">
+              <a:ln>
+                <a:noFill/>
+              </a:ln>
+              <a:solidFill>
+                <a:prstClr val="black"/>
+              </a:solidFill>
+              <a:effectLst/>
+              <a:uLnTx/>
+              <a:uFillTx/>
+              <a:latin typeface="Microsoft YaHei" panose="020B0503020204020204" pitchFamily="34" charset="-122"/>
+              <a:ea typeface="Microsoft YaHei" panose="020B0503020204020204" pitchFamily="34" charset="-122"/>
+              <a:cs typeface="+mn-cs"/>
+            </a:endParaRPr>
+          </a:p>
+          <a:p>
+            <a:pPr marL="457200" marR="0" lvl="0" indent="-457200" algn="l" defTabSz="914400" rtl="0" eaLnBrk="1" fontAlgn="auto" latinLnBrk="0" hangingPunct="1">
+              <a:lnSpc>
+                <a:spcPct val="100000"/>
+              </a:lnSpc>
+              <a:spcBef>
+                <a:spcPts val="0"/>
+              </a:spcBef>
+              <a:spcAft>
+                <a:spcPts val="0"/>
+              </a:spcAft>
+              <a:buClrTx/>
+              <a:buSzTx/>
+              <a:buFont typeface="Wingdings" pitchFamily="2" charset="2"/>
+              <a:buChar char="Ø"/>
+              <a:tabLst/>
+              <a:defRPr/>
+            </a:pPr>
+            <a:r>
+              <a:rPr kumimoji="1" lang="zh-CN" altLang="en-US" sz="2800" dirty="0">
+                <a:solidFill>
+                  <a:prstClr val="black"/>
+                </a:solidFill>
                 <a:latin typeface="Microsoft YaHei" panose="020B0503020204020204" pitchFamily="34" charset="-122"/>
                 <a:ea typeface="Microsoft YaHei" panose="020B0503020204020204" pitchFamily="34" charset="-122"/>
               </a:rPr>
-              <a:t>逻辑结构之线性结构</a:t>
-            </a:r>
-            <a:endParaRPr kumimoji="1" lang="zh-CN" altLang="en-US" sz="4800" dirty="0">
+              <a:t>贪吃蛇</a:t>
+            </a:r>
+            <a:endParaRPr kumimoji="1" lang="zh-CN" altLang="en-US" sz="2800" b="0" i="0" u="none" strike="noStrike" kern="1200" cap="none" spc="0" normalizeH="0" baseline="0" noProof="0" dirty="0">
+              <a:ln>
+                <a:noFill/>
+              </a:ln>
+              <a:solidFill>
+                <a:prstClr val="black"/>
+              </a:solidFill>
+              <a:effectLst/>
+              <a:uLnTx/>
+              <a:uFillTx/>
               <a:latin typeface="Microsoft YaHei" panose="020B0503020204020204" pitchFamily="34" charset="-122"/>
               <a:ea typeface="Microsoft YaHei" panose="020B0503020204020204" pitchFamily="34" charset="-122"/>
+              <a:cs typeface="+mn-cs"/>
             </a:endParaRPr>
           </a:p>
         </p:txBody>
       </p:sp>
-      <p:sp>
-        <p:nvSpPr>
-          <p:cNvPr id="7" name="文本框 6">
-            <a:extLst>
-              <a:ext uri="{FF2B5EF4-FFF2-40B4-BE49-F238E27FC236}">
-                <a16:creationId xmlns:a16="http://schemas.microsoft.com/office/drawing/2014/main" id="{8C1DD6AB-C2EE-9149-BB47-64458F4E6E15}"/>
+      <p:cxnSp>
+        <p:nvCxnSpPr>
+          <p:cNvPr id="39" name="直线连接符 38">
+            <a:extLst>
+              <a:ext uri="{FF2B5EF4-FFF2-40B4-BE49-F238E27FC236}">
+                <a16:creationId xmlns:a16="http://schemas.microsoft.com/office/drawing/2014/main" id="{EF6ACACA-C4ED-1045-B962-38FBFA36EDDC}"/>
+              </a:ext>
+            </a:extLst>
+          </p:cNvPr>
+          <p:cNvCxnSpPr>
+            <a:cxnSpLocks/>
+          </p:cNvCxnSpPr>
+          <p:nvPr/>
+        </p:nvCxnSpPr>
+        <p:spPr>
+          <a:xfrm>
+            <a:off x="6096000" y="2563391"/>
+            <a:ext cx="0" cy="2743621"/>
+          </a:xfrm>
+          <a:prstGeom prst="line">
+            <a:avLst/>
+          </a:prstGeom>
+          <a:ln w="12700">
+            <a:solidFill>
+              <a:schemeClr val="bg1">
+                <a:lumMod val="75000"/>
+              </a:schemeClr>
+            </a:solidFill>
+          </a:ln>
+        </p:spPr>
+        <p:style>
+          <a:lnRef idx="1">
+            <a:schemeClr val="accent1"/>
+          </a:lnRef>
+          <a:fillRef idx="0">
+            <a:schemeClr val="accent1"/>
+          </a:fillRef>
+          <a:effectRef idx="0">
+            <a:schemeClr val="accent1"/>
+          </a:effectRef>
+          <a:fontRef idx="minor">
+            <a:schemeClr val="tx1"/>
+          </a:fontRef>
+        </p:style>
+      </p:cxnSp>
+      <p:sp>
+        <p:nvSpPr>
+          <p:cNvPr id="21" name="文本框 20">
+            <a:extLst>
+              <a:ext uri="{FF2B5EF4-FFF2-40B4-BE49-F238E27FC236}">
+                <a16:creationId xmlns:a16="http://schemas.microsoft.com/office/drawing/2014/main" id="{887A520C-8818-E348-AC3C-290C565CB1C6}"/>
               </a:ext>
             </a:extLst>
           </p:cNvPr>
@@ -5698,13 +7727,15 @@
         </p:nvSpPr>
         <p:spPr>
           <a:xfrm>
-            <a:off x="1212112" y="2523461"/>
-            <a:ext cx="4883888" cy="523220"/>
+            <a:off x="540000" y="1800000"/>
+            <a:ext cx="1070042" cy="542675"/>
           </a:xfrm>
           <a:prstGeom prst="rect">
             <a:avLst/>
           </a:prstGeom>
-          <a:noFill/>
+          <a:solidFill>
+            <a:schemeClr val="accent2"/>
+          </a:solidFill>
         </p:spPr>
         <p:txBody>
           <a:bodyPr wrap="square" rtlCol="0">
@@ -5714,10 +7745,56 @@
           <a:p>
             <a:r>
               <a:rPr kumimoji="1" lang="zh-CN" altLang="en-US" sz="2800" dirty="0">
+                <a:solidFill>
+                  <a:schemeClr val="bg1"/>
+                </a:solidFill>
                 <a:latin typeface="Microsoft YaHei" panose="020B0503020204020204" pitchFamily="34" charset="-122"/>
                 <a:ea typeface="Microsoft YaHei" panose="020B0503020204020204" pitchFamily="34" charset="-122"/>
               </a:rPr>
-              <a:t>线性结构</a:t>
+              <a:t>定义</a:t>
+            </a:r>
+          </a:p>
+        </p:txBody>
+      </p:sp>
+      <p:sp>
+        <p:nvSpPr>
+          <p:cNvPr id="23" name="文本框 22">
+            <a:extLst>
+              <a:ext uri="{FF2B5EF4-FFF2-40B4-BE49-F238E27FC236}">
+                <a16:creationId xmlns:a16="http://schemas.microsoft.com/office/drawing/2014/main" id="{B822E9D5-7BDF-BA4A-BB96-4277D18769E1}"/>
+              </a:ext>
+            </a:extLst>
+          </p:cNvPr>
+          <p:cNvSpPr txBox="1"/>
+          <p:nvPr/>
+        </p:nvSpPr>
+        <p:spPr>
+          <a:xfrm>
+            <a:off x="538718" y="3960000"/>
+            <a:ext cx="1070042" cy="542675"/>
+          </a:xfrm>
+          <a:prstGeom prst="rect">
+            <a:avLst/>
+          </a:prstGeom>
+          <a:solidFill>
+            <a:schemeClr val="accent2"/>
+          </a:solidFill>
+        </p:spPr>
+        <p:txBody>
+          <a:bodyPr wrap="square" rtlCol="0">
+            <a:spAutoFit/>
+          </a:bodyPr>
+          <a:lstStyle/>
+          <a:p>
+            <a:r>
+              <a:rPr kumimoji="1" lang="zh-CN" altLang="en-US" sz="2800" dirty="0">
+                <a:solidFill>
+                  <a:schemeClr val="bg1"/>
+                </a:solidFill>
+                <a:latin typeface="Microsoft YaHei" panose="020B0503020204020204" pitchFamily="34" charset="-122"/>
+                <a:ea typeface="Microsoft YaHei" panose="020B0503020204020204" pitchFamily="34" charset="-122"/>
+              </a:rPr>
+              <a:t>例子</a:t>
             </a:r>
           </a:p>
         </p:txBody>
@@ -5725,7 +7802,7 @@
     </p:spTree>
     <p:extLst>
       <p:ext uri="{BB962C8B-B14F-4D97-AF65-F5344CB8AC3E}">
-        <p14:creationId xmlns:p14="http://schemas.microsoft.com/office/powerpoint/2010/main" val="2274765712"/>
+        <p14:creationId xmlns:p14="http://schemas.microsoft.com/office/powerpoint/2010/main" val="1243619480"/>
       </p:ext>
     </p:extLst>
   </p:cSld>
@@ -5789,27 +7866,1254 @@
           </a:bodyPr>
           <a:lstStyle/>
           <a:p>
-            <a:pPr algn="ctr"/>
-            <a:r>
-              <a:rPr lang="zh-CN" altLang="en-US" sz="4800" dirty="0">
+            <a:pPr marL="0" marR="0" lvl="0" indent="0" algn="ctr" defTabSz="914400" rtl="0" eaLnBrk="1" fontAlgn="auto" latinLnBrk="0" hangingPunct="1">
+              <a:lnSpc>
+                <a:spcPct val="100000"/>
+              </a:lnSpc>
+              <a:spcBef>
+                <a:spcPts val="0"/>
+              </a:spcBef>
+              <a:spcAft>
+                <a:spcPts val="0"/>
+              </a:spcAft>
+              <a:buClrTx/>
+              <a:buSzTx/>
+              <a:buFontTx/>
+              <a:buNone/>
+              <a:tabLst/>
+              <a:defRPr/>
+            </a:pPr>
+            <a:r>
+              <a:rPr kumimoji="0" lang="zh-CN" altLang="en-US" sz="4800" b="0" i="0" u="none" strike="noStrike" kern="1200" cap="none" spc="0" normalizeH="0" baseline="0" noProof="0" dirty="0">
+                <a:ln>
+                  <a:noFill/>
+                </a:ln>
+                <a:solidFill>
+                  <a:prstClr val="black"/>
+                </a:solidFill>
+                <a:effectLst/>
+                <a:uLnTx/>
+                <a:uFillTx/>
+                <a:latin typeface="Microsoft YaHei" panose="020B0503020204020204" pitchFamily="34" charset="-122"/>
+                <a:ea typeface="Microsoft YaHei" panose="020B0503020204020204" pitchFamily="34" charset="-122"/>
+                <a:cs typeface="+mn-cs"/>
+              </a:rPr>
+              <a:t>逻辑结构之树形结构</a:t>
+            </a:r>
+            <a:endParaRPr kumimoji="1" lang="zh-CN" altLang="en-US" sz="4800" b="0" i="0" u="none" strike="noStrike" kern="1200" cap="none" spc="0" normalizeH="0" baseline="0" noProof="0" dirty="0">
+              <a:ln>
+                <a:noFill/>
+              </a:ln>
+              <a:solidFill>
+                <a:prstClr val="black"/>
+              </a:solidFill>
+              <a:effectLst/>
+              <a:uLnTx/>
+              <a:uFillTx/>
+              <a:latin typeface="Microsoft YaHei" panose="020B0503020204020204" pitchFamily="34" charset="-122"/>
+              <a:ea typeface="Microsoft YaHei" panose="020B0503020204020204" pitchFamily="34" charset="-122"/>
+              <a:cs typeface="+mn-cs"/>
+            </a:endParaRPr>
+          </a:p>
+        </p:txBody>
+      </p:sp>
+      <p:sp>
+        <p:nvSpPr>
+          <p:cNvPr id="7" name="文本框 6">
+            <a:extLst>
+              <a:ext uri="{FF2B5EF4-FFF2-40B4-BE49-F238E27FC236}">
+                <a16:creationId xmlns:a16="http://schemas.microsoft.com/office/drawing/2014/main" id="{8C1DD6AB-C2EE-9149-BB47-64458F4E6E15}"/>
+              </a:ext>
+            </a:extLst>
+          </p:cNvPr>
+          <p:cNvSpPr txBox="1"/>
+          <p:nvPr/>
+        </p:nvSpPr>
+        <p:spPr>
+          <a:xfrm>
+            <a:off x="1016647" y="2593819"/>
+            <a:ext cx="4883888" cy="523220"/>
+          </a:xfrm>
+          <a:prstGeom prst="rect">
+            <a:avLst/>
+          </a:prstGeom>
+          <a:noFill/>
+        </p:spPr>
+        <p:txBody>
+          <a:bodyPr wrap="square" rtlCol="0">
+            <a:spAutoFit/>
+          </a:bodyPr>
+          <a:lstStyle/>
+          <a:p>
+            <a:pPr marL="0" marR="0" lvl="0" indent="0" algn="l" defTabSz="914400" rtl="0" eaLnBrk="1" fontAlgn="auto" latinLnBrk="0" hangingPunct="1">
+              <a:lnSpc>
+                <a:spcPct val="100000"/>
+              </a:lnSpc>
+              <a:spcBef>
+                <a:spcPts val="0"/>
+              </a:spcBef>
+              <a:spcAft>
+                <a:spcPts val="0"/>
+              </a:spcAft>
+              <a:buClrTx/>
+              <a:buSzTx/>
+              <a:buFontTx/>
+              <a:buNone/>
+              <a:tabLst/>
+              <a:defRPr/>
+            </a:pPr>
+            <a:r>
+              <a:rPr kumimoji="1" lang="zh-CN" altLang="en-US" sz="2800" b="0" i="0" u="none" strike="noStrike" kern="1200" cap="none" spc="0" normalizeH="0" baseline="0" noProof="0" dirty="0">
+                <a:ln>
+                  <a:noFill/>
+                </a:ln>
+                <a:solidFill>
+                  <a:prstClr val="black"/>
+                </a:solidFill>
+                <a:effectLst/>
+                <a:uLnTx/>
+                <a:uFillTx/>
+                <a:latin typeface="Microsoft YaHei" panose="020B0503020204020204" pitchFamily="34" charset="-122"/>
+                <a:ea typeface="Microsoft YaHei" panose="020B0503020204020204" pitchFamily="34" charset="-122"/>
+                <a:cs typeface="+mn-cs"/>
+              </a:rPr>
+              <a:t>一对多的关系</a:t>
+            </a:r>
+            <a:endParaRPr kumimoji="1" lang="en-US" altLang="zh-CN" sz="2800" b="0" i="0" u="none" strike="noStrike" kern="1200" cap="none" spc="0" normalizeH="0" baseline="0" noProof="0" dirty="0">
+              <a:ln>
+                <a:noFill/>
+              </a:ln>
+              <a:solidFill>
+                <a:prstClr val="black"/>
+              </a:solidFill>
+              <a:effectLst/>
+              <a:uLnTx/>
+              <a:uFillTx/>
+              <a:latin typeface="Microsoft YaHei" panose="020B0503020204020204" pitchFamily="34" charset="-122"/>
+              <a:ea typeface="Microsoft YaHei" panose="020B0503020204020204" pitchFamily="34" charset="-122"/>
+              <a:cs typeface="+mn-cs"/>
+            </a:endParaRPr>
+          </a:p>
+        </p:txBody>
+      </p:sp>
+      <p:sp>
+        <p:nvSpPr>
+          <p:cNvPr id="3" name="椭圆 2">
+            <a:extLst>
+              <a:ext uri="{FF2B5EF4-FFF2-40B4-BE49-F238E27FC236}">
+                <a16:creationId xmlns:a16="http://schemas.microsoft.com/office/drawing/2014/main" id="{766D452F-C85C-C749-8A03-9312B4F36A08}"/>
+              </a:ext>
+            </a:extLst>
+          </p:cNvPr>
+          <p:cNvSpPr/>
+          <p:nvPr/>
+        </p:nvSpPr>
+        <p:spPr>
+          <a:xfrm>
+            <a:off x="9544370" y="2389508"/>
+            <a:ext cx="523220" cy="523220"/>
+          </a:xfrm>
+          <a:prstGeom prst="ellipse">
+            <a:avLst/>
+          </a:prstGeom>
+        </p:spPr>
+        <p:style>
+          <a:lnRef idx="2">
+            <a:schemeClr val="accent1">
+              <a:shade val="50000"/>
+            </a:schemeClr>
+          </a:lnRef>
+          <a:fillRef idx="1">
+            <a:schemeClr val="accent1"/>
+          </a:fillRef>
+          <a:effectRef idx="0">
+            <a:schemeClr val="accent1"/>
+          </a:effectRef>
+          <a:fontRef idx="minor">
+            <a:schemeClr val="lt1"/>
+          </a:fontRef>
+        </p:style>
+        <p:txBody>
+          <a:bodyPr rtlCol="0" anchor="ctr"/>
+          <a:lstStyle/>
+          <a:p>
+            <a:pPr marL="0" marR="0" lvl="0" indent="0" algn="ctr" defTabSz="914400" rtl="0" eaLnBrk="1" fontAlgn="auto" latinLnBrk="0" hangingPunct="1">
+              <a:lnSpc>
+                <a:spcPct val="100000"/>
+              </a:lnSpc>
+              <a:spcBef>
+                <a:spcPts val="0"/>
+              </a:spcBef>
+              <a:spcAft>
+                <a:spcPts val="0"/>
+              </a:spcAft>
+              <a:buClrTx/>
+              <a:buSzTx/>
+              <a:buFontTx/>
+              <a:buNone/>
+              <a:tabLst/>
+              <a:defRPr/>
+            </a:pPr>
+            <a:r>
+              <a:rPr kumimoji="1" lang="en-US" altLang="zh-CN" sz="1800" b="0" i="0" u="none" strike="noStrike" kern="1200" cap="none" spc="0" normalizeH="0" baseline="0" noProof="0" dirty="0">
+                <a:ln>
+                  <a:noFill/>
+                </a:ln>
+                <a:solidFill>
+                  <a:prstClr val="white"/>
+                </a:solidFill>
+                <a:effectLst/>
+                <a:uLnTx/>
+                <a:uFillTx/>
+                <a:latin typeface="等线" panose="020F0502020204030204"/>
+                <a:ea typeface="等线" panose="02010600030101010101" pitchFamily="2" charset="-122"/>
+                <a:cs typeface="+mn-cs"/>
+              </a:rPr>
+              <a:t>1</a:t>
+            </a:r>
+            <a:endParaRPr kumimoji="1" lang="zh-CN" altLang="en-US" sz="1800" b="0" i="0" u="none" strike="noStrike" kern="1200" cap="none" spc="0" normalizeH="0" baseline="0" noProof="0" dirty="0">
+              <a:ln>
+                <a:noFill/>
+              </a:ln>
+              <a:solidFill>
+                <a:prstClr val="white"/>
+              </a:solidFill>
+              <a:effectLst/>
+              <a:uLnTx/>
+              <a:uFillTx/>
+              <a:latin typeface="等线" panose="020F0502020204030204"/>
+              <a:ea typeface="等线" panose="02010600030101010101" pitchFamily="2" charset="-122"/>
+              <a:cs typeface="+mn-cs"/>
+            </a:endParaRPr>
+          </a:p>
+        </p:txBody>
+      </p:sp>
+      <p:sp>
+        <p:nvSpPr>
+          <p:cNvPr id="5" name="椭圆 4">
+            <a:extLst>
+              <a:ext uri="{FF2B5EF4-FFF2-40B4-BE49-F238E27FC236}">
+                <a16:creationId xmlns:a16="http://schemas.microsoft.com/office/drawing/2014/main" id="{F877E317-3F43-854B-B689-423CD1A8B837}"/>
+              </a:ext>
+            </a:extLst>
+          </p:cNvPr>
+          <p:cNvSpPr/>
+          <p:nvPr/>
+        </p:nvSpPr>
+        <p:spPr>
+          <a:xfrm>
+            <a:off x="8776065" y="3370521"/>
+            <a:ext cx="523220" cy="523220"/>
+          </a:xfrm>
+          <a:prstGeom prst="ellipse">
+            <a:avLst/>
+          </a:prstGeom>
+        </p:spPr>
+        <p:style>
+          <a:lnRef idx="2">
+            <a:schemeClr val="accent1">
+              <a:shade val="50000"/>
+            </a:schemeClr>
+          </a:lnRef>
+          <a:fillRef idx="1">
+            <a:schemeClr val="accent1"/>
+          </a:fillRef>
+          <a:effectRef idx="0">
+            <a:schemeClr val="accent1"/>
+          </a:effectRef>
+          <a:fontRef idx="minor">
+            <a:schemeClr val="lt1"/>
+          </a:fontRef>
+        </p:style>
+        <p:txBody>
+          <a:bodyPr rtlCol="0" anchor="ctr"/>
+          <a:lstStyle/>
+          <a:p>
+            <a:pPr marL="0" marR="0" lvl="0" indent="0" algn="ctr" defTabSz="914400" rtl="0" eaLnBrk="1" fontAlgn="auto" latinLnBrk="0" hangingPunct="1">
+              <a:lnSpc>
+                <a:spcPct val="100000"/>
+              </a:lnSpc>
+              <a:spcBef>
+                <a:spcPts val="0"/>
+              </a:spcBef>
+              <a:spcAft>
+                <a:spcPts val="0"/>
+              </a:spcAft>
+              <a:buClrTx/>
+              <a:buSzTx/>
+              <a:buFontTx/>
+              <a:buNone/>
+              <a:tabLst/>
+              <a:defRPr/>
+            </a:pPr>
+            <a:r>
+              <a:rPr kumimoji="1" lang="en-US" altLang="zh-CN" sz="1800" b="0" i="0" u="none" strike="noStrike" kern="1200" cap="none" spc="0" normalizeH="0" baseline="0" noProof="0" dirty="0">
+                <a:ln>
+                  <a:noFill/>
+                </a:ln>
+                <a:solidFill>
+                  <a:prstClr val="white"/>
+                </a:solidFill>
+                <a:effectLst/>
+                <a:uLnTx/>
+                <a:uFillTx/>
+                <a:latin typeface="等线" panose="020F0502020204030204"/>
+                <a:ea typeface="等线" panose="02010600030101010101" pitchFamily="2" charset="-122"/>
+                <a:cs typeface="+mn-cs"/>
+              </a:rPr>
+              <a:t>2</a:t>
+            </a:r>
+            <a:endParaRPr kumimoji="1" lang="zh-CN" altLang="en-US" sz="1800" b="0" i="0" u="none" strike="noStrike" kern="1200" cap="none" spc="0" normalizeH="0" baseline="0" noProof="0" dirty="0">
+              <a:ln>
+                <a:noFill/>
+              </a:ln>
+              <a:solidFill>
+                <a:prstClr val="white"/>
+              </a:solidFill>
+              <a:effectLst/>
+              <a:uLnTx/>
+              <a:uFillTx/>
+              <a:latin typeface="等线" panose="020F0502020204030204"/>
+              <a:ea typeface="等线" panose="02010600030101010101" pitchFamily="2" charset="-122"/>
+              <a:cs typeface="+mn-cs"/>
+            </a:endParaRPr>
+          </a:p>
+        </p:txBody>
+      </p:sp>
+      <p:sp>
+        <p:nvSpPr>
+          <p:cNvPr id="6" name="椭圆 5">
+            <a:extLst>
+              <a:ext uri="{FF2B5EF4-FFF2-40B4-BE49-F238E27FC236}">
+                <a16:creationId xmlns:a16="http://schemas.microsoft.com/office/drawing/2014/main" id="{D248DBF4-1BD9-9C4F-81DC-FCEC192FDF62}"/>
+              </a:ext>
+            </a:extLst>
+          </p:cNvPr>
+          <p:cNvSpPr/>
+          <p:nvPr/>
+        </p:nvSpPr>
+        <p:spPr>
+          <a:xfrm>
+            <a:off x="10543539" y="3370521"/>
+            <a:ext cx="523220" cy="523220"/>
+          </a:xfrm>
+          <a:prstGeom prst="ellipse">
+            <a:avLst/>
+          </a:prstGeom>
+        </p:spPr>
+        <p:style>
+          <a:lnRef idx="2">
+            <a:schemeClr val="accent1">
+              <a:shade val="50000"/>
+            </a:schemeClr>
+          </a:lnRef>
+          <a:fillRef idx="1">
+            <a:schemeClr val="accent1"/>
+          </a:fillRef>
+          <a:effectRef idx="0">
+            <a:schemeClr val="accent1"/>
+          </a:effectRef>
+          <a:fontRef idx="minor">
+            <a:schemeClr val="lt1"/>
+          </a:fontRef>
+        </p:style>
+        <p:txBody>
+          <a:bodyPr rtlCol="0" anchor="ctr"/>
+          <a:lstStyle/>
+          <a:p>
+            <a:pPr marL="0" marR="0" lvl="0" indent="0" algn="ctr" defTabSz="914400" rtl="0" eaLnBrk="1" fontAlgn="auto" latinLnBrk="0" hangingPunct="1">
+              <a:lnSpc>
+                <a:spcPct val="100000"/>
+              </a:lnSpc>
+              <a:spcBef>
+                <a:spcPts val="0"/>
+              </a:spcBef>
+              <a:spcAft>
+                <a:spcPts val="0"/>
+              </a:spcAft>
+              <a:buClrTx/>
+              <a:buSzTx/>
+              <a:buFontTx/>
+              <a:buNone/>
+              <a:tabLst/>
+              <a:defRPr/>
+            </a:pPr>
+            <a:r>
+              <a:rPr kumimoji="1" lang="en-US" altLang="zh-CN" sz="1800" b="0" i="0" u="none" strike="noStrike" kern="1200" cap="none" spc="0" normalizeH="0" baseline="0" noProof="0" dirty="0">
+                <a:ln>
+                  <a:noFill/>
+                </a:ln>
+                <a:solidFill>
+                  <a:prstClr val="white"/>
+                </a:solidFill>
+                <a:effectLst/>
+                <a:uLnTx/>
+                <a:uFillTx/>
+                <a:latin typeface="等线" panose="020F0502020204030204"/>
+                <a:ea typeface="等线" panose="02010600030101010101" pitchFamily="2" charset="-122"/>
+                <a:cs typeface="+mn-cs"/>
+              </a:rPr>
+              <a:t>3</a:t>
+            </a:r>
+            <a:endParaRPr kumimoji="1" lang="zh-CN" altLang="en-US" sz="1800" b="0" i="0" u="none" strike="noStrike" kern="1200" cap="none" spc="0" normalizeH="0" baseline="0" noProof="0" dirty="0">
+              <a:ln>
+                <a:noFill/>
+              </a:ln>
+              <a:solidFill>
+                <a:prstClr val="white"/>
+              </a:solidFill>
+              <a:effectLst/>
+              <a:uLnTx/>
+              <a:uFillTx/>
+              <a:latin typeface="等线" panose="020F0502020204030204"/>
+              <a:ea typeface="等线" panose="02010600030101010101" pitchFamily="2" charset="-122"/>
+              <a:cs typeface="+mn-cs"/>
+            </a:endParaRPr>
+          </a:p>
+        </p:txBody>
+      </p:sp>
+      <p:sp>
+        <p:nvSpPr>
+          <p:cNvPr id="8" name="椭圆 7">
+            <a:extLst>
+              <a:ext uri="{FF2B5EF4-FFF2-40B4-BE49-F238E27FC236}">
+                <a16:creationId xmlns:a16="http://schemas.microsoft.com/office/drawing/2014/main" id="{A31FDE13-6DA0-6240-B5BD-41E92C9FD460}"/>
+              </a:ext>
+            </a:extLst>
+          </p:cNvPr>
+          <p:cNvSpPr/>
+          <p:nvPr/>
+        </p:nvSpPr>
+        <p:spPr>
+          <a:xfrm>
+            <a:off x="8161357" y="4274460"/>
+            <a:ext cx="523220" cy="523220"/>
+          </a:xfrm>
+          <a:prstGeom prst="ellipse">
+            <a:avLst/>
+          </a:prstGeom>
+        </p:spPr>
+        <p:style>
+          <a:lnRef idx="2">
+            <a:schemeClr val="accent1">
+              <a:shade val="50000"/>
+            </a:schemeClr>
+          </a:lnRef>
+          <a:fillRef idx="1">
+            <a:schemeClr val="accent1"/>
+          </a:fillRef>
+          <a:effectRef idx="0">
+            <a:schemeClr val="accent1"/>
+          </a:effectRef>
+          <a:fontRef idx="minor">
+            <a:schemeClr val="lt1"/>
+          </a:fontRef>
+        </p:style>
+        <p:txBody>
+          <a:bodyPr rtlCol="0" anchor="ctr"/>
+          <a:lstStyle/>
+          <a:p>
+            <a:pPr marL="0" marR="0" lvl="0" indent="0" algn="ctr" defTabSz="914400" rtl="0" eaLnBrk="1" fontAlgn="auto" latinLnBrk="0" hangingPunct="1">
+              <a:lnSpc>
+                <a:spcPct val="100000"/>
+              </a:lnSpc>
+              <a:spcBef>
+                <a:spcPts val="0"/>
+              </a:spcBef>
+              <a:spcAft>
+                <a:spcPts val="0"/>
+              </a:spcAft>
+              <a:buClrTx/>
+              <a:buSzTx/>
+              <a:buFontTx/>
+              <a:buNone/>
+              <a:tabLst/>
+              <a:defRPr/>
+            </a:pPr>
+            <a:r>
+              <a:rPr kumimoji="1" lang="en-US" altLang="zh-CN" sz="1800" b="0" i="0" u="none" strike="noStrike" kern="1200" cap="none" spc="0" normalizeH="0" baseline="0" noProof="0" dirty="0">
+                <a:ln>
+                  <a:noFill/>
+                </a:ln>
+                <a:solidFill>
+                  <a:prstClr val="white"/>
+                </a:solidFill>
+                <a:effectLst/>
+                <a:uLnTx/>
+                <a:uFillTx/>
+                <a:latin typeface="等线" panose="020F0502020204030204"/>
+                <a:ea typeface="等线" panose="02010600030101010101" pitchFamily="2" charset="-122"/>
+                <a:cs typeface="+mn-cs"/>
+              </a:rPr>
+              <a:t>4</a:t>
+            </a:r>
+            <a:endParaRPr kumimoji="1" lang="zh-CN" altLang="en-US" sz="1800" b="0" i="0" u="none" strike="noStrike" kern="1200" cap="none" spc="0" normalizeH="0" baseline="0" noProof="0" dirty="0">
+              <a:ln>
+                <a:noFill/>
+              </a:ln>
+              <a:solidFill>
+                <a:prstClr val="white"/>
+              </a:solidFill>
+              <a:effectLst/>
+              <a:uLnTx/>
+              <a:uFillTx/>
+              <a:latin typeface="等线" panose="020F0502020204030204"/>
+              <a:ea typeface="等线" panose="02010600030101010101" pitchFamily="2" charset="-122"/>
+              <a:cs typeface="+mn-cs"/>
+            </a:endParaRPr>
+          </a:p>
+        </p:txBody>
+      </p:sp>
+      <p:sp>
+        <p:nvSpPr>
+          <p:cNvPr id="9" name="椭圆 8">
+            <a:extLst>
+              <a:ext uri="{FF2B5EF4-FFF2-40B4-BE49-F238E27FC236}">
+                <a16:creationId xmlns:a16="http://schemas.microsoft.com/office/drawing/2014/main" id="{3ADAD4A9-E266-C84E-843B-E8DF4E6F2BD6}"/>
+              </a:ext>
+            </a:extLst>
+          </p:cNvPr>
+          <p:cNvSpPr/>
+          <p:nvPr/>
+        </p:nvSpPr>
+        <p:spPr>
+          <a:xfrm>
+            <a:off x="9299285" y="4274460"/>
+            <a:ext cx="523220" cy="523220"/>
+          </a:xfrm>
+          <a:prstGeom prst="ellipse">
+            <a:avLst/>
+          </a:prstGeom>
+        </p:spPr>
+        <p:style>
+          <a:lnRef idx="2">
+            <a:schemeClr val="accent1">
+              <a:shade val="50000"/>
+            </a:schemeClr>
+          </a:lnRef>
+          <a:fillRef idx="1">
+            <a:schemeClr val="accent1"/>
+          </a:fillRef>
+          <a:effectRef idx="0">
+            <a:schemeClr val="accent1"/>
+          </a:effectRef>
+          <a:fontRef idx="minor">
+            <a:schemeClr val="lt1"/>
+          </a:fontRef>
+        </p:style>
+        <p:txBody>
+          <a:bodyPr rtlCol="0" anchor="ctr"/>
+          <a:lstStyle/>
+          <a:p>
+            <a:pPr marL="0" marR="0" lvl="0" indent="0" algn="ctr" defTabSz="914400" rtl="0" eaLnBrk="1" fontAlgn="auto" latinLnBrk="0" hangingPunct="1">
+              <a:lnSpc>
+                <a:spcPct val="100000"/>
+              </a:lnSpc>
+              <a:spcBef>
+                <a:spcPts val="0"/>
+              </a:spcBef>
+              <a:spcAft>
+                <a:spcPts val="0"/>
+              </a:spcAft>
+              <a:buClrTx/>
+              <a:buSzTx/>
+              <a:buFontTx/>
+              <a:buNone/>
+              <a:tabLst/>
+              <a:defRPr/>
+            </a:pPr>
+            <a:r>
+              <a:rPr kumimoji="1" lang="en-US" altLang="zh-CN" sz="1800" b="0" i="0" u="none" strike="noStrike" kern="1200" cap="none" spc="0" normalizeH="0" baseline="0" noProof="0" dirty="0">
+                <a:ln>
+                  <a:noFill/>
+                </a:ln>
+                <a:solidFill>
+                  <a:prstClr val="white"/>
+                </a:solidFill>
+                <a:effectLst/>
+                <a:uLnTx/>
+                <a:uFillTx/>
+                <a:latin typeface="等线" panose="020F0502020204030204"/>
+                <a:ea typeface="等线" panose="02010600030101010101" pitchFamily="2" charset="-122"/>
+                <a:cs typeface="+mn-cs"/>
+              </a:rPr>
+              <a:t>5</a:t>
+            </a:r>
+            <a:endParaRPr kumimoji="1" lang="zh-CN" altLang="en-US" sz="1800" b="0" i="0" u="none" strike="noStrike" kern="1200" cap="none" spc="0" normalizeH="0" baseline="0" noProof="0" dirty="0">
+              <a:ln>
+                <a:noFill/>
+              </a:ln>
+              <a:solidFill>
+                <a:prstClr val="white"/>
+              </a:solidFill>
+              <a:effectLst/>
+              <a:uLnTx/>
+              <a:uFillTx/>
+              <a:latin typeface="等线" panose="020F0502020204030204"/>
+              <a:ea typeface="等线" panose="02010600030101010101" pitchFamily="2" charset="-122"/>
+              <a:cs typeface="+mn-cs"/>
+            </a:endParaRPr>
+          </a:p>
+        </p:txBody>
+      </p:sp>
+      <p:sp>
+        <p:nvSpPr>
+          <p:cNvPr id="10" name="椭圆 9">
+            <a:extLst>
+              <a:ext uri="{FF2B5EF4-FFF2-40B4-BE49-F238E27FC236}">
+                <a16:creationId xmlns:a16="http://schemas.microsoft.com/office/drawing/2014/main" id="{AD2347EF-5528-1640-9800-63486F45B558}"/>
+              </a:ext>
+            </a:extLst>
+          </p:cNvPr>
+          <p:cNvSpPr/>
+          <p:nvPr/>
+        </p:nvSpPr>
+        <p:spPr>
+          <a:xfrm>
+            <a:off x="10067590" y="4274460"/>
+            <a:ext cx="523220" cy="523220"/>
+          </a:xfrm>
+          <a:prstGeom prst="ellipse">
+            <a:avLst/>
+          </a:prstGeom>
+        </p:spPr>
+        <p:style>
+          <a:lnRef idx="2">
+            <a:schemeClr val="accent1">
+              <a:shade val="50000"/>
+            </a:schemeClr>
+          </a:lnRef>
+          <a:fillRef idx="1">
+            <a:schemeClr val="accent1"/>
+          </a:fillRef>
+          <a:effectRef idx="0">
+            <a:schemeClr val="accent1"/>
+          </a:effectRef>
+          <a:fontRef idx="minor">
+            <a:schemeClr val="lt1"/>
+          </a:fontRef>
+        </p:style>
+        <p:txBody>
+          <a:bodyPr rtlCol="0" anchor="ctr"/>
+          <a:lstStyle/>
+          <a:p>
+            <a:pPr marL="0" marR="0" lvl="0" indent="0" algn="ctr" defTabSz="914400" rtl="0" eaLnBrk="1" fontAlgn="auto" latinLnBrk="0" hangingPunct="1">
+              <a:lnSpc>
+                <a:spcPct val="100000"/>
+              </a:lnSpc>
+              <a:spcBef>
+                <a:spcPts val="0"/>
+              </a:spcBef>
+              <a:spcAft>
+                <a:spcPts val="0"/>
+              </a:spcAft>
+              <a:buClrTx/>
+              <a:buSzTx/>
+              <a:buFontTx/>
+              <a:buNone/>
+              <a:tabLst/>
+              <a:defRPr/>
+            </a:pPr>
+            <a:r>
+              <a:rPr kumimoji="1" lang="en-US" altLang="zh-CN" sz="1800" b="0" i="0" u="none" strike="noStrike" kern="1200" cap="none" spc="0" normalizeH="0" baseline="0" noProof="0" dirty="0">
+                <a:ln>
+                  <a:noFill/>
+                </a:ln>
+                <a:solidFill>
+                  <a:prstClr val="white"/>
+                </a:solidFill>
+                <a:effectLst/>
+                <a:uLnTx/>
+                <a:uFillTx/>
+                <a:latin typeface="等线" panose="020F0502020204030204"/>
+                <a:ea typeface="等线" panose="02010600030101010101" pitchFamily="2" charset="-122"/>
+                <a:cs typeface="+mn-cs"/>
+              </a:rPr>
+              <a:t>6</a:t>
+            </a:r>
+            <a:endParaRPr kumimoji="1" lang="zh-CN" altLang="en-US" sz="1800" b="0" i="0" u="none" strike="noStrike" kern="1200" cap="none" spc="0" normalizeH="0" baseline="0" noProof="0" dirty="0">
+              <a:ln>
+                <a:noFill/>
+              </a:ln>
+              <a:solidFill>
+                <a:prstClr val="white"/>
+              </a:solidFill>
+              <a:effectLst/>
+              <a:uLnTx/>
+              <a:uFillTx/>
+              <a:latin typeface="等线" panose="020F0502020204030204"/>
+              <a:ea typeface="等线" panose="02010600030101010101" pitchFamily="2" charset="-122"/>
+              <a:cs typeface="+mn-cs"/>
+            </a:endParaRPr>
+          </a:p>
+        </p:txBody>
+      </p:sp>
+      <p:sp>
+        <p:nvSpPr>
+          <p:cNvPr id="11" name="椭圆 10">
+            <a:extLst>
+              <a:ext uri="{FF2B5EF4-FFF2-40B4-BE49-F238E27FC236}">
+                <a16:creationId xmlns:a16="http://schemas.microsoft.com/office/drawing/2014/main" id="{AE84C1E0-382D-284E-BF72-4D03C4893E73}"/>
+              </a:ext>
+            </a:extLst>
+          </p:cNvPr>
+          <p:cNvSpPr/>
+          <p:nvPr/>
+        </p:nvSpPr>
+        <p:spPr>
+          <a:xfrm>
+            <a:off x="11164873" y="4293889"/>
+            <a:ext cx="523220" cy="523220"/>
+          </a:xfrm>
+          <a:prstGeom prst="ellipse">
+            <a:avLst/>
+          </a:prstGeom>
+        </p:spPr>
+        <p:style>
+          <a:lnRef idx="2">
+            <a:schemeClr val="accent1">
+              <a:shade val="50000"/>
+            </a:schemeClr>
+          </a:lnRef>
+          <a:fillRef idx="1">
+            <a:schemeClr val="accent1"/>
+          </a:fillRef>
+          <a:effectRef idx="0">
+            <a:schemeClr val="accent1"/>
+          </a:effectRef>
+          <a:fontRef idx="minor">
+            <a:schemeClr val="lt1"/>
+          </a:fontRef>
+        </p:style>
+        <p:txBody>
+          <a:bodyPr rtlCol="0" anchor="ctr"/>
+          <a:lstStyle/>
+          <a:p>
+            <a:pPr marL="0" marR="0" lvl="0" indent="0" algn="ctr" defTabSz="914400" rtl="0" eaLnBrk="1" fontAlgn="auto" latinLnBrk="0" hangingPunct="1">
+              <a:lnSpc>
+                <a:spcPct val="100000"/>
+              </a:lnSpc>
+              <a:spcBef>
+                <a:spcPts val="0"/>
+              </a:spcBef>
+              <a:spcAft>
+                <a:spcPts val="0"/>
+              </a:spcAft>
+              <a:buClrTx/>
+              <a:buSzTx/>
+              <a:buFontTx/>
+              <a:buNone/>
+              <a:tabLst/>
+              <a:defRPr/>
+            </a:pPr>
+            <a:r>
+              <a:rPr kumimoji="1" lang="en-US" altLang="zh-CN" sz="1800" b="0" i="0" u="none" strike="noStrike" kern="1200" cap="none" spc="0" normalizeH="0" baseline="0" noProof="0" dirty="0">
+                <a:ln>
+                  <a:noFill/>
+                </a:ln>
+                <a:solidFill>
+                  <a:prstClr val="white"/>
+                </a:solidFill>
+                <a:effectLst/>
+                <a:uLnTx/>
+                <a:uFillTx/>
+                <a:latin typeface="等线" panose="020F0502020204030204"/>
+                <a:ea typeface="等线" panose="02010600030101010101" pitchFamily="2" charset="-122"/>
+                <a:cs typeface="+mn-cs"/>
+              </a:rPr>
+              <a:t>7</a:t>
+            </a:r>
+            <a:endParaRPr kumimoji="1" lang="zh-CN" altLang="en-US" sz="1800" b="0" i="0" u="none" strike="noStrike" kern="1200" cap="none" spc="0" normalizeH="0" baseline="0" noProof="0" dirty="0">
+              <a:ln>
+                <a:noFill/>
+              </a:ln>
+              <a:solidFill>
+                <a:prstClr val="white"/>
+              </a:solidFill>
+              <a:effectLst/>
+              <a:uLnTx/>
+              <a:uFillTx/>
+              <a:latin typeface="等线" panose="020F0502020204030204"/>
+              <a:ea typeface="等线" panose="02010600030101010101" pitchFamily="2" charset="-122"/>
+              <a:cs typeface="+mn-cs"/>
+            </a:endParaRPr>
+          </a:p>
+        </p:txBody>
+      </p:sp>
+      <p:cxnSp>
+        <p:nvCxnSpPr>
+          <p:cNvPr id="12" name="直线连接符 11">
+            <a:extLst>
+              <a:ext uri="{FF2B5EF4-FFF2-40B4-BE49-F238E27FC236}">
+                <a16:creationId xmlns:a16="http://schemas.microsoft.com/office/drawing/2014/main" id="{CBDEB58B-9DB5-A04E-BA03-F6179777C325}"/>
+              </a:ext>
+            </a:extLst>
+          </p:cNvPr>
+          <p:cNvCxnSpPr>
+            <a:stCxn id="3" idx="3"/>
+            <a:endCxn id="5" idx="7"/>
+          </p:cNvCxnSpPr>
+          <p:nvPr/>
+        </p:nvCxnSpPr>
+        <p:spPr>
+          <a:xfrm flipH="1">
+            <a:off x="9222661" y="2836104"/>
+            <a:ext cx="398333" cy="611041"/>
+          </a:xfrm>
+          <a:prstGeom prst="line">
+            <a:avLst/>
+          </a:prstGeom>
+        </p:spPr>
+        <p:style>
+          <a:lnRef idx="1">
+            <a:schemeClr val="accent1"/>
+          </a:lnRef>
+          <a:fillRef idx="0">
+            <a:schemeClr val="accent1"/>
+          </a:fillRef>
+          <a:effectRef idx="0">
+            <a:schemeClr val="accent1"/>
+          </a:effectRef>
+          <a:fontRef idx="minor">
+            <a:schemeClr val="tx1"/>
+          </a:fontRef>
+        </p:style>
+      </p:cxnSp>
+      <p:cxnSp>
+        <p:nvCxnSpPr>
+          <p:cNvPr id="14" name="直线连接符 13">
+            <a:extLst>
+              <a:ext uri="{FF2B5EF4-FFF2-40B4-BE49-F238E27FC236}">
+                <a16:creationId xmlns:a16="http://schemas.microsoft.com/office/drawing/2014/main" id="{9276C912-19E1-CD4C-9E66-1B66B8EF585B}"/>
+              </a:ext>
+            </a:extLst>
+          </p:cNvPr>
+          <p:cNvCxnSpPr>
+            <a:cxnSpLocks/>
+            <a:endCxn id="8" idx="7"/>
+          </p:cNvCxnSpPr>
+          <p:nvPr/>
+        </p:nvCxnSpPr>
+        <p:spPr>
+          <a:xfrm flipH="1">
+            <a:off x="8607953" y="3893741"/>
+            <a:ext cx="321709" cy="457343"/>
+          </a:xfrm>
+          <a:prstGeom prst="line">
+            <a:avLst/>
+          </a:prstGeom>
+        </p:spPr>
+        <p:style>
+          <a:lnRef idx="1">
+            <a:schemeClr val="accent1"/>
+          </a:lnRef>
+          <a:fillRef idx="0">
+            <a:schemeClr val="accent1"/>
+          </a:fillRef>
+          <a:effectRef idx="0">
+            <a:schemeClr val="accent1"/>
+          </a:effectRef>
+          <a:fontRef idx="minor">
+            <a:schemeClr val="tx1"/>
+          </a:fontRef>
+        </p:style>
+      </p:cxnSp>
+      <p:cxnSp>
+        <p:nvCxnSpPr>
+          <p:cNvPr id="18" name="直线连接符 17">
+            <a:extLst>
+              <a:ext uri="{FF2B5EF4-FFF2-40B4-BE49-F238E27FC236}">
+                <a16:creationId xmlns:a16="http://schemas.microsoft.com/office/drawing/2014/main" id="{DE292E97-120B-554D-B84F-130A103E957E}"/>
+              </a:ext>
+            </a:extLst>
+          </p:cNvPr>
+          <p:cNvCxnSpPr>
+            <a:stCxn id="3" idx="5"/>
+            <a:endCxn id="6" idx="1"/>
+          </p:cNvCxnSpPr>
+          <p:nvPr/>
+        </p:nvCxnSpPr>
+        <p:spPr>
+          <a:xfrm>
+            <a:off x="9990966" y="2836104"/>
+            <a:ext cx="629197" cy="611041"/>
+          </a:xfrm>
+          <a:prstGeom prst="line">
+            <a:avLst/>
+          </a:prstGeom>
+        </p:spPr>
+        <p:style>
+          <a:lnRef idx="1">
+            <a:schemeClr val="accent1"/>
+          </a:lnRef>
+          <a:fillRef idx="0">
+            <a:schemeClr val="accent1"/>
+          </a:fillRef>
+          <a:effectRef idx="0">
+            <a:schemeClr val="accent1"/>
+          </a:effectRef>
+          <a:fontRef idx="minor">
+            <a:schemeClr val="tx1"/>
+          </a:fontRef>
+        </p:style>
+      </p:cxnSp>
+      <p:cxnSp>
+        <p:nvCxnSpPr>
+          <p:cNvPr id="20" name="直线连接符 19">
+            <a:extLst>
+              <a:ext uri="{FF2B5EF4-FFF2-40B4-BE49-F238E27FC236}">
+                <a16:creationId xmlns:a16="http://schemas.microsoft.com/office/drawing/2014/main" id="{E2143F9D-00F0-6A4D-AD4F-0DDA948D6103}"/>
+              </a:ext>
+            </a:extLst>
+          </p:cNvPr>
+          <p:cNvCxnSpPr>
+            <a:stCxn id="5" idx="5"/>
+            <a:endCxn id="9" idx="0"/>
+          </p:cNvCxnSpPr>
+          <p:nvPr/>
+        </p:nvCxnSpPr>
+        <p:spPr>
+          <a:xfrm>
+            <a:off x="9222661" y="3817117"/>
+            <a:ext cx="338234" cy="457343"/>
+          </a:xfrm>
+          <a:prstGeom prst="line">
+            <a:avLst/>
+          </a:prstGeom>
+        </p:spPr>
+        <p:style>
+          <a:lnRef idx="1">
+            <a:schemeClr val="accent1"/>
+          </a:lnRef>
+          <a:fillRef idx="0">
+            <a:schemeClr val="accent1"/>
+          </a:fillRef>
+          <a:effectRef idx="0">
+            <a:schemeClr val="accent1"/>
+          </a:effectRef>
+          <a:fontRef idx="minor">
+            <a:schemeClr val="tx1"/>
+          </a:fontRef>
+        </p:style>
+      </p:cxnSp>
+      <p:cxnSp>
+        <p:nvCxnSpPr>
+          <p:cNvPr id="22" name="直线连接符 21">
+            <a:extLst>
+              <a:ext uri="{FF2B5EF4-FFF2-40B4-BE49-F238E27FC236}">
+                <a16:creationId xmlns:a16="http://schemas.microsoft.com/office/drawing/2014/main" id="{10E4FDAB-6F35-9D41-A340-1E72E5175B0F}"/>
+              </a:ext>
+            </a:extLst>
+          </p:cNvPr>
+          <p:cNvCxnSpPr>
+            <a:stCxn id="6" idx="4"/>
+            <a:endCxn id="10" idx="7"/>
+          </p:cNvCxnSpPr>
+          <p:nvPr/>
+        </p:nvCxnSpPr>
+        <p:spPr>
+          <a:xfrm flipH="1">
+            <a:off x="10514186" y="3893741"/>
+            <a:ext cx="290963" cy="457343"/>
+          </a:xfrm>
+          <a:prstGeom prst="line">
+            <a:avLst/>
+          </a:prstGeom>
+        </p:spPr>
+        <p:style>
+          <a:lnRef idx="1">
+            <a:schemeClr val="accent1"/>
+          </a:lnRef>
+          <a:fillRef idx="0">
+            <a:schemeClr val="accent1"/>
+          </a:fillRef>
+          <a:effectRef idx="0">
+            <a:schemeClr val="accent1"/>
+          </a:effectRef>
+          <a:fontRef idx="minor">
+            <a:schemeClr val="tx1"/>
+          </a:fontRef>
+        </p:style>
+      </p:cxnSp>
+      <p:cxnSp>
+        <p:nvCxnSpPr>
+          <p:cNvPr id="26" name="直线连接符 25">
+            <a:extLst>
+              <a:ext uri="{FF2B5EF4-FFF2-40B4-BE49-F238E27FC236}">
+                <a16:creationId xmlns:a16="http://schemas.microsoft.com/office/drawing/2014/main" id="{06D9DD90-62D5-6447-B671-7DC0DF530A12}"/>
+              </a:ext>
+            </a:extLst>
+          </p:cNvPr>
+          <p:cNvCxnSpPr>
+            <a:stCxn id="6" idx="5"/>
+            <a:endCxn id="11" idx="0"/>
+          </p:cNvCxnSpPr>
+          <p:nvPr/>
+        </p:nvCxnSpPr>
+        <p:spPr>
+          <a:xfrm>
+            <a:off x="10990135" y="3817117"/>
+            <a:ext cx="436348" cy="476772"/>
+          </a:xfrm>
+          <a:prstGeom prst="line">
+            <a:avLst/>
+          </a:prstGeom>
+        </p:spPr>
+        <p:style>
+          <a:lnRef idx="1">
+            <a:schemeClr val="accent1"/>
+          </a:lnRef>
+          <a:fillRef idx="0">
+            <a:schemeClr val="accent1"/>
+          </a:fillRef>
+          <a:effectRef idx="0">
+            <a:schemeClr val="accent1"/>
+          </a:effectRef>
+          <a:fontRef idx="minor">
+            <a:schemeClr val="tx1"/>
+          </a:fontRef>
+        </p:style>
+      </p:cxnSp>
+      <p:sp>
+        <p:nvSpPr>
+          <p:cNvPr id="28" name="文本框 27">
+            <a:extLst>
+              <a:ext uri="{FF2B5EF4-FFF2-40B4-BE49-F238E27FC236}">
+                <a16:creationId xmlns:a16="http://schemas.microsoft.com/office/drawing/2014/main" id="{478081CB-D7AD-1E4B-86F3-85808FD2D75A}"/>
+              </a:ext>
+            </a:extLst>
+          </p:cNvPr>
+          <p:cNvSpPr txBox="1"/>
+          <p:nvPr/>
+        </p:nvSpPr>
+        <p:spPr>
+          <a:xfrm>
+            <a:off x="1058710" y="4274460"/>
+            <a:ext cx="3891516" cy="1384995"/>
+          </a:xfrm>
+          <a:prstGeom prst="rect">
+            <a:avLst/>
+          </a:prstGeom>
+          <a:noFill/>
+        </p:spPr>
+        <p:txBody>
+          <a:bodyPr wrap="square" rtlCol="0">
+            <a:spAutoFit/>
+          </a:bodyPr>
+          <a:lstStyle/>
+          <a:p>
+            <a:pPr marL="0" marR="0" lvl="0" indent="0" algn="l" defTabSz="914400" rtl="0" eaLnBrk="1" fontAlgn="auto" latinLnBrk="0" hangingPunct="1">
+              <a:lnSpc>
+                <a:spcPct val="100000"/>
+              </a:lnSpc>
+              <a:spcBef>
+                <a:spcPts val="0"/>
+              </a:spcBef>
+              <a:spcAft>
+                <a:spcPts val="0"/>
+              </a:spcAft>
+              <a:buClrTx/>
+              <a:buSzTx/>
+              <a:buFontTx/>
+              <a:buNone/>
+              <a:tabLst/>
+              <a:defRPr/>
+            </a:pPr>
+            <a:endParaRPr kumimoji="1" lang="en-US" altLang="zh-CN" sz="2800" b="0" i="0" u="none" strike="noStrike" kern="1200" cap="none" spc="0" normalizeH="0" baseline="0" noProof="0" dirty="0">
+              <a:ln>
+                <a:noFill/>
+              </a:ln>
+              <a:solidFill>
+                <a:prstClr val="black"/>
+              </a:solidFill>
+              <a:effectLst/>
+              <a:uLnTx/>
+              <a:uFillTx/>
+              <a:latin typeface="Microsoft YaHei" panose="020B0503020204020204" pitchFamily="34" charset="-122"/>
+              <a:ea typeface="Microsoft YaHei" panose="020B0503020204020204" pitchFamily="34" charset="-122"/>
+              <a:cs typeface="+mn-cs"/>
+            </a:endParaRPr>
+          </a:p>
+          <a:p>
+            <a:pPr marL="514350" marR="0" lvl="0" indent="-514350" algn="l" defTabSz="914400" rtl="0" eaLnBrk="1" fontAlgn="auto" latinLnBrk="0" hangingPunct="1">
+              <a:lnSpc>
+                <a:spcPct val="100000"/>
+              </a:lnSpc>
+              <a:spcBef>
+                <a:spcPts val="0"/>
+              </a:spcBef>
+              <a:spcAft>
+                <a:spcPts val="0"/>
+              </a:spcAft>
+              <a:buClrTx/>
+              <a:buSzTx/>
+              <a:buFont typeface="Wingdings" pitchFamily="2" charset="2"/>
+              <a:buChar char="Ø"/>
+              <a:tabLst/>
+              <a:defRPr/>
+            </a:pPr>
+            <a:r>
+              <a:rPr kumimoji="1" lang="zh-CN" altLang="en-US" sz="2800" b="0" i="0" u="none" strike="noStrike" kern="1200" cap="none" spc="0" normalizeH="0" baseline="0" noProof="0" dirty="0">
+                <a:ln>
+                  <a:noFill/>
+                </a:ln>
+                <a:solidFill>
+                  <a:prstClr val="black"/>
+                </a:solidFill>
+                <a:effectLst/>
+                <a:uLnTx/>
+                <a:uFillTx/>
+                <a:latin typeface="Microsoft YaHei" panose="020B0503020204020204" pitchFamily="34" charset="-122"/>
+                <a:ea typeface="Microsoft YaHei" panose="020B0503020204020204" pitchFamily="34" charset="-122"/>
+                <a:cs typeface="+mn-cs"/>
+              </a:rPr>
+              <a:t>学校领导管理层级</a:t>
+            </a:r>
+            <a:endParaRPr kumimoji="1" lang="en-US" altLang="zh-CN" sz="2800" b="0" i="0" u="none" strike="noStrike" kern="1200" cap="none" spc="0" normalizeH="0" baseline="0" noProof="0" dirty="0">
+              <a:ln>
+                <a:noFill/>
+              </a:ln>
+              <a:solidFill>
+                <a:prstClr val="black"/>
+              </a:solidFill>
+              <a:effectLst/>
+              <a:uLnTx/>
+              <a:uFillTx/>
+              <a:latin typeface="Microsoft YaHei" panose="020B0503020204020204" pitchFamily="34" charset="-122"/>
+              <a:ea typeface="Microsoft YaHei" panose="020B0503020204020204" pitchFamily="34" charset="-122"/>
+              <a:cs typeface="+mn-cs"/>
+            </a:endParaRPr>
+          </a:p>
+          <a:p>
+            <a:pPr marL="514350" marR="0" lvl="0" indent="-514350" algn="l" defTabSz="914400" rtl="0" eaLnBrk="1" fontAlgn="auto" latinLnBrk="0" hangingPunct="1">
+              <a:lnSpc>
+                <a:spcPct val="100000"/>
+              </a:lnSpc>
+              <a:spcBef>
+                <a:spcPts val="0"/>
+              </a:spcBef>
+              <a:spcAft>
+                <a:spcPts val="0"/>
+              </a:spcAft>
+              <a:buClrTx/>
+              <a:buSzTx/>
+              <a:buFont typeface="Wingdings" pitchFamily="2" charset="2"/>
+              <a:buChar char="Ø"/>
+              <a:tabLst/>
+              <a:defRPr/>
+            </a:pPr>
+            <a:r>
+              <a:rPr kumimoji="1" lang="zh-CN" altLang="en-US" sz="2800" b="0" i="0" u="none" strike="noStrike" kern="1200" cap="none" spc="0" normalizeH="0" baseline="0" noProof="0" dirty="0">
+                <a:ln>
+                  <a:noFill/>
+                </a:ln>
+                <a:solidFill>
+                  <a:prstClr val="black"/>
+                </a:solidFill>
+                <a:effectLst/>
+                <a:uLnTx/>
+                <a:uFillTx/>
+                <a:latin typeface="Microsoft YaHei" panose="020B0503020204020204" pitchFamily="34" charset="-122"/>
+                <a:ea typeface="Microsoft YaHei" panose="020B0503020204020204" pitchFamily="34" charset="-122"/>
+                <a:cs typeface="+mn-cs"/>
+              </a:rPr>
+              <a:t>家谱</a:t>
+            </a:r>
+          </a:p>
+        </p:txBody>
+      </p:sp>
+      <p:cxnSp>
+        <p:nvCxnSpPr>
+          <p:cNvPr id="13" name="直线连接符 12">
+            <a:extLst>
+              <a:ext uri="{FF2B5EF4-FFF2-40B4-BE49-F238E27FC236}">
+                <a16:creationId xmlns:a16="http://schemas.microsoft.com/office/drawing/2014/main" id="{B841BE36-5641-C84F-9C85-E85D2F0A0D36}"/>
+              </a:ext>
+            </a:extLst>
+          </p:cNvPr>
+          <p:cNvCxnSpPr/>
+          <p:nvPr/>
+        </p:nvCxnSpPr>
+        <p:spPr>
+          <a:xfrm>
+            <a:off x="6358270" y="2523461"/>
+            <a:ext cx="0" cy="2755275"/>
+          </a:xfrm>
+          <a:prstGeom prst="line">
+            <a:avLst/>
+          </a:prstGeom>
+          <a:ln w="12700">
+            <a:solidFill>
+              <a:schemeClr val="bg1">
+                <a:lumMod val="75000"/>
+              </a:schemeClr>
+            </a:solidFill>
+          </a:ln>
+        </p:spPr>
+        <p:style>
+          <a:lnRef idx="1">
+            <a:schemeClr val="accent1"/>
+          </a:lnRef>
+          <a:fillRef idx="0">
+            <a:schemeClr val="accent1"/>
+          </a:fillRef>
+          <a:effectRef idx="0">
+            <a:schemeClr val="accent1"/>
+          </a:effectRef>
+          <a:fontRef idx="minor">
+            <a:schemeClr val="tx1"/>
+          </a:fontRef>
+        </p:style>
+      </p:cxnSp>
+      <p:sp>
+        <p:nvSpPr>
+          <p:cNvPr id="19" name="文本框 18">
+            <a:extLst>
+              <a:ext uri="{FF2B5EF4-FFF2-40B4-BE49-F238E27FC236}">
+                <a16:creationId xmlns:a16="http://schemas.microsoft.com/office/drawing/2014/main" id="{7F600341-63B8-AF4D-BAD6-2BF8E74E3376}"/>
+              </a:ext>
+            </a:extLst>
+          </p:cNvPr>
+          <p:cNvSpPr txBox="1"/>
+          <p:nvPr/>
+        </p:nvSpPr>
+        <p:spPr>
+          <a:xfrm>
+            <a:off x="540000" y="1800000"/>
+            <a:ext cx="1070042" cy="542675"/>
+          </a:xfrm>
+          <a:prstGeom prst="rect">
+            <a:avLst/>
+          </a:prstGeom>
+          <a:solidFill>
+            <a:schemeClr val="accent2"/>
+          </a:solidFill>
+        </p:spPr>
+        <p:txBody>
+          <a:bodyPr wrap="square" rtlCol="0">
+            <a:spAutoFit/>
+          </a:bodyPr>
+          <a:lstStyle/>
+          <a:p>
+            <a:r>
+              <a:rPr kumimoji="1" lang="zh-CN" altLang="en-US" sz="2800" dirty="0">
+                <a:solidFill>
+                  <a:schemeClr val="bg1"/>
+                </a:solidFill>
                 <a:latin typeface="Microsoft YaHei" panose="020B0503020204020204" pitchFamily="34" charset="-122"/>
                 <a:ea typeface="Microsoft YaHei" panose="020B0503020204020204" pitchFamily="34" charset="-122"/>
               </a:rPr>
-              <a:t>逻辑结构之树形结构</a:t>
-            </a:r>
-            <a:endParaRPr kumimoji="1" lang="zh-CN" altLang="en-US" sz="4800" dirty="0">
-              <a:latin typeface="Microsoft YaHei" panose="020B0503020204020204" pitchFamily="34" charset="-122"/>
-              <a:ea typeface="Microsoft YaHei" panose="020B0503020204020204" pitchFamily="34" charset="-122"/>
-            </a:endParaRPr>
-          </a:p>
-        </p:txBody>
-      </p:sp>
-      <p:sp>
-        <p:nvSpPr>
-          <p:cNvPr id="7" name="文本框 6">
-            <a:extLst>
-              <a:ext uri="{FF2B5EF4-FFF2-40B4-BE49-F238E27FC236}">
-                <a16:creationId xmlns:a16="http://schemas.microsoft.com/office/drawing/2014/main" id="{8C1DD6AB-C2EE-9149-BB47-64458F4E6E15}"/>
+              <a:t>定义</a:t>
+            </a:r>
+          </a:p>
+        </p:txBody>
+      </p:sp>
+      <p:sp>
+        <p:nvSpPr>
+          <p:cNvPr id="21" name="文本框 20">
+            <a:extLst>
+              <a:ext uri="{FF2B5EF4-FFF2-40B4-BE49-F238E27FC236}">
+                <a16:creationId xmlns:a16="http://schemas.microsoft.com/office/drawing/2014/main" id="{4FBBA129-64B8-EB48-81CB-81BAD9DD0A08}"/>
               </a:ext>
             </a:extLst>
           </p:cNvPr>
@@ -5818,13 +9122,15 @@
         </p:nvSpPr>
         <p:spPr>
           <a:xfrm>
-            <a:off x="1212112" y="2523461"/>
-            <a:ext cx="4883888" cy="523220"/>
+            <a:off x="540000" y="3960000"/>
+            <a:ext cx="1070042" cy="542675"/>
           </a:xfrm>
           <a:prstGeom prst="rect">
             <a:avLst/>
           </a:prstGeom>
-          <a:noFill/>
+          <a:solidFill>
+            <a:schemeClr val="accent2"/>
+          </a:solidFill>
         </p:spPr>
         <p:txBody>
           <a:bodyPr wrap="square" rtlCol="0">
@@ -5834,10 +9140,13 @@
           <a:p>
             <a:r>
               <a:rPr kumimoji="1" lang="zh-CN" altLang="en-US" sz="2800" dirty="0">
+                <a:solidFill>
+                  <a:schemeClr val="bg1"/>
+                </a:solidFill>
                 <a:latin typeface="Microsoft YaHei" panose="020B0503020204020204" pitchFamily="34" charset="-122"/>
                 <a:ea typeface="Microsoft YaHei" panose="020B0503020204020204" pitchFamily="34" charset="-122"/>
               </a:rPr>
-              <a:t>树形结构</a:t>
+              <a:t>例子</a:t>
             </a:r>
           </a:p>
         </p:txBody>
@@ -5845,7 +9154,7 @@
     </p:spTree>
     <p:extLst>
       <p:ext uri="{BB962C8B-B14F-4D97-AF65-F5344CB8AC3E}">
-        <p14:creationId xmlns:p14="http://schemas.microsoft.com/office/powerpoint/2010/main" val="2762665885"/>
+        <p14:creationId xmlns:p14="http://schemas.microsoft.com/office/powerpoint/2010/main" val="2775958556"/>
       </p:ext>
     </p:extLst>
   </p:cSld>
@@ -5938,7 +9247,7 @@
         </p:nvSpPr>
         <p:spPr>
           <a:xfrm>
-            <a:off x="1212112" y="2523461"/>
+            <a:off x="1060316" y="2639063"/>
             <a:ext cx="4883888" cy="523220"/>
           </a:xfrm>
           <a:prstGeom prst="rect">
@@ -5953,16 +9262,977 @@
           <a:lstStyle/>
           <a:p>
             <a:r>
-              <a:rPr kumimoji="1" lang="zh-CN" altLang="en-US" sz="2800">
+              <a:rPr kumimoji="1" lang="zh-CN" altLang="en-US" sz="2800" dirty="0">
                 <a:latin typeface="Microsoft YaHei" panose="020B0503020204020204" pitchFamily="34" charset="-122"/>
                 <a:ea typeface="Microsoft YaHei" panose="020B0503020204020204" pitchFamily="34" charset="-122"/>
               </a:rPr>
-              <a:t>图形结构</a:t>
-            </a:r>
-            <a:endParaRPr kumimoji="1" lang="zh-CN" altLang="en-US" sz="2800" dirty="0">
+              <a:t>多对多的关系</a:t>
+            </a:r>
+          </a:p>
+        </p:txBody>
+      </p:sp>
+      <p:sp>
+        <p:nvSpPr>
+          <p:cNvPr id="5" name="椭圆 4">
+            <a:extLst>
+              <a:ext uri="{FF2B5EF4-FFF2-40B4-BE49-F238E27FC236}">
+                <a16:creationId xmlns:a16="http://schemas.microsoft.com/office/drawing/2014/main" id="{200C279D-4053-1F4A-9B90-9D3F5E0C5FF4}"/>
+              </a:ext>
+            </a:extLst>
+          </p:cNvPr>
+          <p:cNvSpPr/>
+          <p:nvPr/>
+        </p:nvSpPr>
+        <p:spPr>
+          <a:xfrm>
+            <a:off x="9207795" y="2523461"/>
+            <a:ext cx="531628" cy="531628"/>
+          </a:xfrm>
+          <a:prstGeom prst="ellipse">
+            <a:avLst/>
+          </a:prstGeom>
+        </p:spPr>
+        <p:style>
+          <a:lnRef idx="2">
+            <a:schemeClr val="accent1">
+              <a:shade val="50000"/>
+            </a:schemeClr>
+          </a:lnRef>
+          <a:fillRef idx="1">
+            <a:schemeClr val="accent1"/>
+          </a:fillRef>
+          <a:effectRef idx="0">
+            <a:schemeClr val="accent1"/>
+          </a:effectRef>
+          <a:fontRef idx="minor">
+            <a:schemeClr val="lt1"/>
+          </a:fontRef>
+        </p:style>
+        <p:txBody>
+          <a:bodyPr rtlCol="0" anchor="ctr"/>
+          <a:lstStyle/>
+          <a:p>
+            <a:pPr algn="ctr"/>
+            <a:r>
+              <a:rPr kumimoji="1" lang="en-US" altLang="zh-CN" dirty="0"/>
+              <a:t>b</a:t>
+            </a:r>
+            <a:endParaRPr kumimoji="1" lang="zh-CN" altLang="en-US" dirty="0"/>
+          </a:p>
+        </p:txBody>
+      </p:sp>
+      <p:sp>
+        <p:nvSpPr>
+          <p:cNvPr id="13" name="椭圆 12">
+            <a:extLst>
+              <a:ext uri="{FF2B5EF4-FFF2-40B4-BE49-F238E27FC236}">
+                <a16:creationId xmlns:a16="http://schemas.microsoft.com/office/drawing/2014/main" id="{4142F24C-B1ED-544A-9772-6A0B15BA7EF3}"/>
+              </a:ext>
+            </a:extLst>
+          </p:cNvPr>
+          <p:cNvSpPr/>
+          <p:nvPr/>
+        </p:nvSpPr>
+        <p:spPr>
+          <a:xfrm>
+            <a:off x="7814928" y="2672316"/>
+            <a:ext cx="531628" cy="531628"/>
+          </a:xfrm>
+          <a:prstGeom prst="ellipse">
+            <a:avLst/>
+          </a:prstGeom>
+        </p:spPr>
+        <p:style>
+          <a:lnRef idx="2">
+            <a:schemeClr val="accent1">
+              <a:shade val="50000"/>
+            </a:schemeClr>
+          </a:lnRef>
+          <a:fillRef idx="1">
+            <a:schemeClr val="accent1"/>
+          </a:fillRef>
+          <a:effectRef idx="0">
+            <a:schemeClr val="accent1"/>
+          </a:effectRef>
+          <a:fontRef idx="minor">
+            <a:schemeClr val="lt1"/>
+          </a:fontRef>
+        </p:style>
+        <p:txBody>
+          <a:bodyPr rtlCol="0" anchor="ctr"/>
+          <a:lstStyle/>
+          <a:p>
+            <a:pPr algn="ctr"/>
+            <a:r>
+              <a:rPr kumimoji="1" lang="en-US" altLang="zh-CN" dirty="0"/>
+              <a:t>a</a:t>
+            </a:r>
+            <a:endParaRPr kumimoji="1" lang="zh-CN" altLang="en-US" dirty="0"/>
+          </a:p>
+        </p:txBody>
+      </p:sp>
+      <p:sp>
+        <p:nvSpPr>
+          <p:cNvPr id="14" name="椭圆 13">
+            <a:extLst>
+              <a:ext uri="{FF2B5EF4-FFF2-40B4-BE49-F238E27FC236}">
+                <a16:creationId xmlns:a16="http://schemas.microsoft.com/office/drawing/2014/main" id="{E9E102D9-E4A4-5A41-83FC-A825A645DE61}"/>
+              </a:ext>
+            </a:extLst>
+          </p:cNvPr>
+          <p:cNvSpPr/>
+          <p:nvPr/>
+        </p:nvSpPr>
+        <p:spPr>
+          <a:xfrm>
+            <a:off x="10911496" y="2140688"/>
+            <a:ext cx="531628" cy="531628"/>
+          </a:xfrm>
+          <a:prstGeom prst="ellipse">
+            <a:avLst/>
+          </a:prstGeom>
+        </p:spPr>
+        <p:style>
+          <a:lnRef idx="2">
+            <a:schemeClr val="accent1">
+              <a:shade val="50000"/>
+            </a:schemeClr>
+          </a:lnRef>
+          <a:fillRef idx="1">
+            <a:schemeClr val="accent1"/>
+          </a:fillRef>
+          <a:effectRef idx="0">
+            <a:schemeClr val="accent1"/>
+          </a:effectRef>
+          <a:fontRef idx="minor">
+            <a:schemeClr val="lt1"/>
+          </a:fontRef>
+        </p:style>
+        <p:txBody>
+          <a:bodyPr rtlCol="0" anchor="ctr"/>
+          <a:lstStyle/>
+          <a:p>
+            <a:pPr algn="ctr"/>
+            <a:r>
+              <a:rPr kumimoji="1" lang="en-US" altLang="zh-CN" dirty="0"/>
+              <a:t>c</a:t>
+            </a:r>
+            <a:endParaRPr kumimoji="1" lang="zh-CN" altLang="en-US" dirty="0"/>
+          </a:p>
+        </p:txBody>
+      </p:sp>
+      <p:sp>
+        <p:nvSpPr>
+          <p:cNvPr id="15" name="椭圆 14">
+            <a:extLst>
+              <a:ext uri="{FF2B5EF4-FFF2-40B4-BE49-F238E27FC236}">
+                <a16:creationId xmlns:a16="http://schemas.microsoft.com/office/drawing/2014/main" id="{784851CA-7BB1-9443-A12E-F39B66EC1707}"/>
+              </a:ext>
+            </a:extLst>
+          </p:cNvPr>
+          <p:cNvSpPr/>
+          <p:nvPr/>
+        </p:nvSpPr>
+        <p:spPr>
+          <a:xfrm>
+            <a:off x="8867551" y="3761739"/>
+            <a:ext cx="531628" cy="531628"/>
+          </a:xfrm>
+          <a:prstGeom prst="ellipse">
+            <a:avLst/>
+          </a:prstGeom>
+        </p:spPr>
+        <p:style>
+          <a:lnRef idx="2">
+            <a:schemeClr val="accent1">
+              <a:shade val="50000"/>
+            </a:schemeClr>
+          </a:lnRef>
+          <a:fillRef idx="1">
+            <a:schemeClr val="accent1"/>
+          </a:fillRef>
+          <a:effectRef idx="0">
+            <a:schemeClr val="accent1"/>
+          </a:effectRef>
+          <a:fontRef idx="minor">
+            <a:schemeClr val="lt1"/>
+          </a:fontRef>
+        </p:style>
+        <p:txBody>
+          <a:bodyPr rtlCol="0" anchor="ctr"/>
+          <a:lstStyle/>
+          <a:p>
+            <a:pPr algn="ctr"/>
+            <a:r>
+              <a:rPr kumimoji="1" lang="en-US" altLang="zh-CN" dirty="0"/>
+              <a:t>d</a:t>
+            </a:r>
+            <a:endParaRPr kumimoji="1" lang="zh-CN" altLang="en-US" dirty="0"/>
+          </a:p>
+        </p:txBody>
+      </p:sp>
+      <p:sp>
+        <p:nvSpPr>
+          <p:cNvPr id="16" name="椭圆 15">
+            <a:extLst>
+              <a:ext uri="{FF2B5EF4-FFF2-40B4-BE49-F238E27FC236}">
+                <a16:creationId xmlns:a16="http://schemas.microsoft.com/office/drawing/2014/main" id="{5E2AFB24-A235-F248-B526-FE8871877B77}"/>
+              </a:ext>
+            </a:extLst>
+          </p:cNvPr>
+          <p:cNvSpPr/>
+          <p:nvPr/>
+        </p:nvSpPr>
+        <p:spPr>
+          <a:xfrm>
+            <a:off x="8293392" y="4584443"/>
+            <a:ext cx="531628" cy="531628"/>
+          </a:xfrm>
+          <a:prstGeom prst="ellipse">
+            <a:avLst/>
+          </a:prstGeom>
+        </p:spPr>
+        <p:style>
+          <a:lnRef idx="2">
+            <a:schemeClr val="accent1">
+              <a:shade val="50000"/>
+            </a:schemeClr>
+          </a:lnRef>
+          <a:fillRef idx="1">
+            <a:schemeClr val="accent1"/>
+          </a:fillRef>
+          <a:effectRef idx="0">
+            <a:schemeClr val="accent1"/>
+          </a:effectRef>
+          <a:fontRef idx="minor">
+            <a:schemeClr val="lt1"/>
+          </a:fontRef>
+        </p:style>
+        <p:txBody>
+          <a:bodyPr rtlCol="0" anchor="ctr"/>
+          <a:lstStyle/>
+          <a:p>
+            <a:pPr algn="ctr"/>
+            <a:r>
+              <a:rPr kumimoji="1" lang="en-US" altLang="zh-CN" dirty="0"/>
+              <a:t>f</a:t>
+            </a:r>
+            <a:endParaRPr kumimoji="1" lang="zh-CN" altLang="en-US" dirty="0"/>
+          </a:p>
+        </p:txBody>
+      </p:sp>
+      <p:sp>
+        <p:nvSpPr>
+          <p:cNvPr id="17" name="椭圆 16">
+            <a:extLst>
+              <a:ext uri="{FF2B5EF4-FFF2-40B4-BE49-F238E27FC236}">
+                <a16:creationId xmlns:a16="http://schemas.microsoft.com/office/drawing/2014/main" id="{76C2F58D-0960-1B4F-B035-46F9C6E87BAB}"/>
+              </a:ext>
+            </a:extLst>
+          </p:cNvPr>
+          <p:cNvSpPr/>
+          <p:nvPr/>
+        </p:nvSpPr>
+        <p:spPr>
+          <a:xfrm>
+            <a:off x="9990010" y="4802410"/>
+            <a:ext cx="531628" cy="531628"/>
+          </a:xfrm>
+          <a:prstGeom prst="ellipse">
+            <a:avLst/>
+          </a:prstGeom>
+        </p:spPr>
+        <p:style>
+          <a:lnRef idx="2">
+            <a:schemeClr val="accent1">
+              <a:shade val="50000"/>
+            </a:schemeClr>
+          </a:lnRef>
+          <a:fillRef idx="1">
+            <a:schemeClr val="accent1"/>
+          </a:fillRef>
+          <a:effectRef idx="0">
+            <a:schemeClr val="accent1"/>
+          </a:effectRef>
+          <a:fontRef idx="minor">
+            <a:schemeClr val="lt1"/>
+          </a:fontRef>
+        </p:style>
+        <p:txBody>
+          <a:bodyPr rtlCol="0" anchor="ctr"/>
+          <a:lstStyle/>
+          <a:p>
+            <a:pPr algn="ctr"/>
+            <a:r>
+              <a:rPr kumimoji="1" lang="en-US" altLang="zh-CN" dirty="0"/>
+              <a:t>g</a:t>
+            </a:r>
+            <a:endParaRPr kumimoji="1" lang="zh-CN" altLang="en-US" dirty="0"/>
+          </a:p>
+        </p:txBody>
+      </p:sp>
+      <p:sp>
+        <p:nvSpPr>
+          <p:cNvPr id="18" name="椭圆 17">
+            <a:extLst>
+              <a:ext uri="{FF2B5EF4-FFF2-40B4-BE49-F238E27FC236}">
+                <a16:creationId xmlns:a16="http://schemas.microsoft.com/office/drawing/2014/main" id="{1B06014A-369D-A445-AF4E-FA6EE19454E7}"/>
+              </a:ext>
+            </a:extLst>
+          </p:cNvPr>
+          <p:cNvSpPr/>
+          <p:nvPr/>
+        </p:nvSpPr>
+        <p:spPr>
+          <a:xfrm>
+            <a:off x="10501816" y="3654057"/>
+            <a:ext cx="531628" cy="531628"/>
+          </a:xfrm>
+          <a:prstGeom prst="ellipse">
+            <a:avLst/>
+          </a:prstGeom>
+        </p:spPr>
+        <p:style>
+          <a:lnRef idx="2">
+            <a:schemeClr val="accent1">
+              <a:shade val="50000"/>
+            </a:schemeClr>
+          </a:lnRef>
+          <a:fillRef idx="1">
+            <a:schemeClr val="accent1"/>
+          </a:fillRef>
+          <a:effectRef idx="0">
+            <a:schemeClr val="accent1"/>
+          </a:effectRef>
+          <a:fontRef idx="minor">
+            <a:schemeClr val="lt1"/>
+          </a:fontRef>
+        </p:style>
+        <p:txBody>
+          <a:bodyPr rtlCol="0" anchor="ctr"/>
+          <a:lstStyle/>
+          <a:p>
+            <a:pPr algn="ctr"/>
+            <a:r>
+              <a:rPr kumimoji="1" lang="en-US" altLang="zh-CN" dirty="0"/>
+              <a:t>e</a:t>
+            </a:r>
+            <a:endParaRPr kumimoji="1" lang="zh-CN" altLang="en-US" dirty="0"/>
+          </a:p>
+        </p:txBody>
+      </p:sp>
+      <p:cxnSp>
+        <p:nvCxnSpPr>
+          <p:cNvPr id="20" name="直线连接符 19">
+            <a:extLst>
+              <a:ext uri="{FF2B5EF4-FFF2-40B4-BE49-F238E27FC236}">
+                <a16:creationId xmlns:a16="http://schemas.microsoft.com/office/drawing/2014/main" id="{2EF50E52-0D2E-C24E-9DB5-32C564ECC319}"/>
+              </a:ext>
+            </a:extLst>
+          </p:cNvPr>
+          <p:cNvCxnSpPr>
+            <a:stCxn id="13" idx="6"/>
+            <a:endCxn id="5" idx="2"/>
+          </p:cNvCxnSpPr>
+          <p:nvPr/>
+        </p:nvCxnSpPr>
+        <p:spPr>
+          <a:xfrm flipV="1">
+            <a:off x="8346556" y="2789275"/>
+            <a:ext cx="861239" cy="148855"/>
+          </a:xfrm>
+          <a:prstGeom prst="line">
+            <a:avLst/>
+          </a:prstGeom>
+        </p:spPr>
+        <p:style>
+          <a:lnRef idx="1">
+            <a:schemeClr val="accent1"/>
+          </a:lnRef>
+          <a:fillRef idx="0">
+            <a:schemeClr val="accent1"/>
+          </a:fillRef>
+          <a:effectRef idx="0">
+            <a:schemeClr val="accent1"/>
+          </a:effectRef>
+          <a:fontRef idx="minor">
+            <a:schemeClr val="tx1"/>
+          </a:fontRef>
+        </p:style>
+      </p:cxnSp>
+      <p:cxnSp>
+        <p:nvCxnSpPr>
+          <p:cNvPr id="22" name="直线连接符 21">
+            <a:extLst>
+              <a:ext uri="{FF2B5EF4-FFF2-40B4-BE49-F238E27FC236}">
+                <a16:creationId xmlns:a16="http://schemas.microsoft.com/office/drawing/2014/main" id="{974061DE-76B9-7343-9E9E-DCA9BB32C320}"/>
+              </a:ext>
+            </a:extLst>
+          </p:cNvPr>
+          <p:cNvCxnSpPr>
+            <a:stCxn id="5" idx="6"/>
+            <a:endCxn id="14" idx="3"/>
+          </p:cNvCxnSpPr>
+          <p:nvPr/>
+        </p:nvCxnSpPr>
+        <p:spPr>
+          <a:xfrm flipV="1">
+            <a:off x="9739423" y="2594461"/>
+            <a:ext cx="1249928" cy="194814"/>
+          </a:xfrm>
+          <a:prstGeom prst="line">
+            <a:avLst/>
+          </a:prstGeom>
+        </p:spPr>
+        <p:style>
+          <a:lnRef idx="1">
+            <a:schemeClr val="accent1"/>
+          </a:lnRef>
+          <a:fillRef idx="0">
+            <a:schemeClr val="accent1"/>
+          </a:fillRef>
+          <a:effectRef idx="0">
+            <a:schemeClr val="accent1"/>
+          </a:effectRef>
+          <a:fontRef idx="minor">
+            <a:schemeClr val="tx1"/>
+          </a:fontRef>
+        </p:style>
+      </p:cxnSp>
+      <p:cxnSp>
+        <p:nvCxnSpPr>
+          <p:cNvPr id="24" name="直线连接符 23">
+            <a:extLst>
+              <a:ext uri="{FF2B5EF4-FFF2-40B4-BE49-F238E27FC236}">
+                <a16:creationId xmlns:a16="http://schemas.microsoft.com/office/drawing/2014/main" id="{597D093B-B591-674E-818A-EED2FC05D9BE}"/>
+              </a:ext>
+            </a:extLst>
+          </p:cNvPr>
+          <p:cNvCxnSpPr>
+            <a:stCxn id="14" idx="4"/>
+            <a:endCxn id="18" idx="0"/>
+          </p:cNvCxnSpPr>
+          <p:nvPr/>
+        </p:nvCxnSpPr>
+        <p:spPr>
+          <a:xfrm flipH="1">
+            <a:off x="10767630" y="2672316"/>
+            <a:ext cx="409680" cy="981741"/>
+          </a:xfrm>
+          <a:prstGeom prst="line">
+            <a:avLst/>
+          </a:prstGeom>
+        </p:spPr>
+        <p:style>
+          <a:lnRef idx="1">
+            <a:schemeClr val="accent1"/>
+          </a:lnRef>
+          <a:fillRef idx="0">
+            <a:schemeClr val="accent1"/>
+          </a:fillRef>
+          <a:effectRef idx="0">
+            <a:schemeClr val="accent1"/>
+          </a:effectRef>
+          <a:fontRef idx="minor">
+            <a:schemeClr val="tx1"/>
+          </a:fontRef>
+        </p:style>
+      </p:cxnSp>
+      <p:cxnSp>
+        <p:nvCxnSpPr>
+          <p:cNvPr id="26" name="直线连接符 25">
+            <a:extLst>
+              <a:ext uri="{FF2B5EF4-FFF2-40B4-BE49-F238E27FC236}">
+                <a16:creationId xmlns:a16="http://schemas.microsoft.com/office/drawing/2014/main" id="{6B362712-4335-2B40-9F1F-16C0BCDC4E5D}"/>
+              </a:ext>
+            </a:extLst>
+          </p:cNvPr>
+          <p:cNvCxnSpPr>
+            <a:stCxn id="13" idx="5"/>
+          </p:cNvCxnSpPr>
+          <p:nvPr/>
+        </p:nvCxnSpPr>
+        <p:spPr>
+          <a:xfrm>
+            <a:off x="8268701" y="3126089"/>
+            <a:ext cx="864664" cy="793782"/>
+          </a:xfrm>
+          <a:prstGeom prst="line">
+            <a:avLst/>
+          </a:prstGeom>
+        </p:spPr>
+        <p:style>
+          <a:lnRef idx="1">
+            <a:schemeClr val="accent1"/>
+          </a:lnRef>
+          <a:fillRef idx="0">
+            <a:schemeClr val="accent1"/>
+          </a:fillRef>
+          <a:effectRef idx="0">
+            <a:schemeClr val="accent1"/>
+          </a:effectRef>
+          <a:fontRef idx="minor">
+            <a:schemeClr val="tx1"/>
+          </a:fontRef>
+        </p:style>
+      </p:cxnSp>
+      <p:cxnSp>
+        <p:nvCxnSpPr>
+          <p:cNvPr id="28" name="直线连接符 27">
+            <a:extLst>
+              <a:ext uri="{FF2B5EF4-FFF2-40B4-BE49-F238E27FC236}">
+                <a16:creationId xmlns:a16="http://schemas.microsoft.com/office/drawing/2014/main" id="{2E3BF2E2-339B-6E45-B37E-E1E326719110}"/>
+              </a:ext>
+            </a:extLst>
+          </p:cNvPr>
+          <p:cNvCxnSpPr>
+            <a:stCxn id="5" idx="4"/>
+            <a:endCxn id="15" idx="0"/>
+          </p:cNvCxnSpPr>
+          <p:nvPr/>
+        </p:nvCxnSpPr>
+        <p:spPr>
+          <a:xfrm flipH="1">
+            <a:off x="9133365" y="3055089"/>
+            <a:ext cx="340244" cy="706650"/>
+          </a:xfrm>
+          <a:prstGeom prst="line">
+            <a:avLst/>
+          </a:prstGeom>
+        </p:spPr>
+        <p:style>
+          <a:lnRef idx="1">
+            <a:schemeClr val="accent1"/>
+          </a:lnRef>
+          <a:fillRef idx="0">
+            <a:schemeClr val="accent1"/>
+          </a:fillRef>
+          <a:effectRef idx="0">
+            <a:schemeClr val="accent1"/>
+          </a:effectRef>
+          <a:fontRef idx="minor">
+            <a:schemeClr val="tx1"/>
+          </a:fontRef>
+        </p:style>
+      </p:cxnSp>
+      <p:cxnSp>
+        <p:nvCxnSpPr>
+          <p:cNvPr id="30" name="直线连接符 29">
+            <a:extLst>
+              <a:ext uri="{FF2B5EF4-FFF2-40B4-BE49-F238E27FC236}">
+                <a16:creationId xmlns:a16="http://schemas.microsoft.com/office/drawing/2014/main" id="{6C52B32E-9877-0F4D-B9B4-CBD101254CED}"/>
+              </a:ext>
+            </a:extLst>
+          </p:cNvPr>
+          <p:cNvCxnSpPr>
+            <a:stCxn id="5" idx="4"/>
+            <a:endCxn id="18" idx="1"/>
+          </p:cNvCxnSpPr>
+          <p:nvPr/>
+        </p:nvCxnSpPr>
+        <p:spPr>
+          <a:xfrm>
+            <a:off x="9473609" y="3055089"/>
+            <a:ext cx="1106062" cy="676823"/>
+          </a:xfrm>
+          <a:prstGeom prst="line">
+            <a:avLst/>
+          </a:prstGeom>
+        </p:spPr>
+        <p:style>
+          <a:lnRef idx="1">
+            <a:schemeClr val="accent1"/>
+          </a:lnRef>
+          <a:fillRef idx="0">
+            <a:schemeClr val="accent1"/>
+          </a:fillRef>
+          <a:effectRef idx="0">
+            <a:schemeClr val="accent1"/>
+          </a:effectRef>
+          <a:fontRef idx="minor">
+            <a:schemeClr val="tx1"/>
+          </a:fontRef>
+        </p:style>
+      </p:cxnSp>
+      <p:cxnSp>
+        <p:nvCxnSpPr>
+          <p:cNvPr id="32" name="直线连接符 31">
+            <a:extLst>
+              <a:ext uri="{FF2B5EF4-FFF2-40B4-BE49-F238E27FC236}">
+                <a16:creationId xmlns:a16="http://schemas.microsoft.com/office/drawing/2014/main" id="{808027C6-F506-334A-A3FB-9719034AEB8F}"/>
+              </a:ext>
+            </a:extLst>
+          </p:cNvPr>
+          <p:cNvCxnSpPr>
+            <a:stCxn id="15" idx="6"/>
+          </p:cNvCxnSpPr>
+          <p:nvPr/>
+        </p:nvCxnSpPr>
+        <p:spPr>
+          <a:xfrm flipV="1">
+            <a:off x="9399179" y="3802912"/>
+            <a:ext cx="1102637" cy="224641"/>
+          </a:xfrm>
+          <a:prstGeom prst="line">
+            <a:avLst/>
+          </a:prstGeom>
+        </p:spPr>
+        <p:style>
+          <a:lnRef idx="1">
+            <a:schemeClr val="accent1"/>
+          </a:lnRef>
+          <a:fillRef idx="0">
+            <a:schemeClr val="accent1"/>
+          </a:fillRef>
+          <a:effectRef idx="0">
+            <a:schemeClr val="accent1"/>
+          </a:effectRef>
+          <a:fontRef idx="minor">
+            <a:schemeClr val="tx1"/>
+          </a:fontRef>
+        </p:style>
+      </p:cxnSp>
+      <p:cxnSp>
+        <p:nvCxnSpPr>
+          <p:cNvPr id="35" name="直线连接符 34">
+            <a:extLst>
+              <a:ext uri="{FF2B5EF4-FFF2-40B4-BE49-F238E27FC236}">
+                <a16:creationId xmlns:a16="http://schemas.microsoft.com/office/drawing/2014/main" id="{6E9B9927-9127-CE43-9DAC-BF07C32194C4}"/>
+              </a:ext>
+            </a:extLst>
+          </p:cNvPr>
+          <p:cNvCxnSpPr>
+            <a:stCxn id="13" idx="4"/>
+            <a:endCxn id="16" idx="1"/>
+          </p:cNvCxnSpPr>
+          <p:nvPr/>
+        </p:nvCxnSpPr>
+        <p:spPr>
+          <a:xfrm>
+            <a:off x="8080742" y="3203944"/>
+            <a:ext cx="290505" cy="1458354"/>
+          </a:xfrm>
+          <a:prstGeom prst="line">
+            <a:avLst/>
+          </a:prstGeom>
+        </p:spPr>
+        <p:style>
+          <a:lnRef idx="1">
+            <a:schemeClr val="accent1"/>
+          </a:lnRef>
+          <a:fillRef idx="0">
+            <a:schemeClr val="accent1"/>
+          </a:fillRef>
+          <a:effectRef idx="0">
+            <a:schemeClr val="accent1"/>
+          </a:effectRef>
+          <a:fontRef idx="minor">
+            <a:schemeClr val="tx1"/>
+          </a:fontRef>
+        </p:style>
+      </p:cxnSp>
+      <p:cxnSp>
+        <p:nvCxnSpPr>
+          <p:cNvPr id="39" name="直线连接符 38">
+            <a:extLst>
+              <a:ext uri="{FF2B5EF4-FFF2-40B4-BE49-F238E27FC236}">
+                <a16:creationId xmlns:a16="http://schemas.microsoft.com/office/drawing/2014/main" id="{BA14F345-797D-5845-9346-0A0AD245E894}"/>
+              </a:ext>
+            </a:extLst>
+          </p:cNvPr>
+          <p:cNvCxnSpPr>
+            <a:stCxn id="16" idx="6"/>
+            <a:endCxn id="17" idx="2"/>
+          </p:cNvCxnSpPr>
+          <p:nvPr/>
+        </p:nvCxnSpPr>
+        <p:spPr>
+          <a:xfrm>
+            <a:off x="8825020" y="4850257"/>
+            <a:ext cx="1164990" cy="217967"/>
+          </a:xfrm>
+          <a:prstGeom prst="line">
+            <a:avLst/>
+          </a:prstGeom>
+        </p:spPr>
+        <p:style>
+          <a:lnRef idx="1">
+            <a:schemeClr val="accent1"/>
+          </a:lnRef>
+          <a:fillRef idx="0">
+            <a:schemeClr val="accent1"/>
+          </a:fillRef>
+          <a:effectRef idx="0">
+            <a:schemeClr val="accent1"/>
+          </a:effectRef>
+          <a:fontRef idx="minor">
+            <a:schemeClr val="tx1"/>
+          </a:fontRef>
+        </p:style>
+      </p:cxnSp>
+      <p:cxnSp>
+        <p:nvCxnSpPr>
+          <p:cNvPr id="41" name="直线连接符 40">
+            <a:extLst>
+              <a:ext uri="{FF2B5EF4-FFF2-40B4-BE49-F238E27FC236}">
+                <a16:creationId xmlns:a16="http://schemas.microsoft.com/office/drawing/2014/main" id="{421BC171-BFCD-8B48-8E98-35C057451BBB}"/>
+              </a:ext>
+            </a:extLst>
+          </p:cNvPr>
+          <p:cNvCxnSpPr>
+            <a:stCxn id="18" idx="4"/>
+            <a:endCxn id="17" idx="7"/>
+          </p:cNvCxnSpPr>
+          <p:nvPr/>
+        </p:nvCxnSpPr>
+        <p:spPr>
+          <a:xfrm flipH="1">
+            <a:off x="10443783" y="4185685"/>
+            <a:ext cx="323847" cy="694580"/>
+          </a:xfrm>
+          <a:prstGeom prst="line">
+            <a:avLst/>
+          </a:prstGeom>
+        </p:spPr>
+        <p:style>
+          <a:lnRef idx="1">
+            <a:schemeClr val="accent1"/>
+          </a:lnRef>
+          <a:fillRef idx="0">
+            <a:schemeClr val="accent1"/>
+          </a:fillRef>
+          <a:effectRef idx="0">
+            <a:schemeClr val="accent1"/>
+          </a:effectRef>
+          <a:fontRef idx="minor">
+            <a:schemeClr val="tx1"/>
+          </a:fontRef>
+        </p:style>
+      </p:cxnSp>
+      <p:cxnSp>
+        <p:nvCxnSpPr>
+          <p:cNvPr id="43" name="直线连接符 42">
+            <a:extLst>
+              <a:ext uri="{FF2B5EF4-FFF2-40B4-BE49-F238E27FC236}">
+                <a16:creationId xmlns:a16="http://schemas.microsoft.com/office/drawing/2014/main" id="{18BA4D9C-DC96-9941-8FF3-C336AF98E8E5}"/>
+              </a:ext>
+            </a:extLst>
+          </p:cNvPr>
+          <p:cNvCxnSpPr>
+            <a:stCxn id="15" idx="5"/>
+            <a:endCxn id="17" idx="1"/>
+          </p:cNvCxnSpPr>
+          <p:nvPr/>
+        </p:nvCxnSpPr>
+        <p:spPr>
+          <a:xfrm>
+            <a:off x="9321324" y="4215512"/>
+            <a:ext cx="746541" cy="664753"/>
+          </a:xfrm>
+          <a:prstGeom prst="line">
+            <a:avLst/>
+          </a:prstGeom>
+        </p:spPr>
+        <p:style>
+          <a:lnRef idx="1">
+            <a:schemeClr val="accent1"/>
+          </a:lnRef>
+          <a:fillRef idx="0">
+            <a:schemeClr val="accent1"/>
+          </a:fillRef>
+          <a:effectRef idx="0">
+            <a:schemeClr val="accent1"/>
+          </a:effectRef>
+          <a:fontRef idx="minor">
+            <a:schemeClr val="tx1"/>
+          </a:fontRef>
+        </p:style>
+      </p:cxnSp>
+      <p:cxnSp>
+        <p:nvCxnSpPr>
+          <p:cNvPr id="45" name="直线连接符 44">
+            <a:extLst>
+              <a:ext uri="{FF2B5EF4-FFF2-40B4-BE49-F238E27FC236}">
+                <a16:creationId xmlns:a16="http://schemas.microsoft.com/office/drawing/2014/main" id="{EC039046-EF5E-BD47-8A1E-30FA679EB76E}"/>
+              </a:ext>
+            </a:extLst>
+          </p:cNvPr>
+          <p:cNvCxnSpPr/>
+          <p:nvPr/>
+        </p:nvCxnSpPr>
+        <p:spPr>
+          <a:xfrm>
+            <a:off x="6387912" y="2691868"/>
+            <a:ext cx="0" cy="2642170"/>
+          </a:xfrm>
+          <a:prstGeom prst="line">
+            <a:avLst/>
+          </a:prstGeom>
+          <a:ln w="12700">
+            <a:solidFill>
+              <a:schemeClr val="bg1">
+                <a:lumMod val="75000"/>
+              </a:schemeClr>
+            </a:solidFill>
+          </a:ln>
+        </p:spPr>
+        <p:style>
+          <a:lnRef idx="1">
+            <a:schemeClr val="accent1"/>
+          </a:lnRef>
+          <a:fillRef idx="0">
+            <a:schemeClr val="accent1"/>
+          </a:fillRef>
+          <a:effectRef idx="0">
+            <a:schemeClr val="accent1"/>
+          </a:effectRef>
+          <a:fontRef idx="minor">
+            <a:schemeClr val="tx1"/>
+          </a:fontRef>
+        </p:style>
+      </p:cxnSp>
+      <p:sp>
+        <p:nvSpPr>
+          <p:cNvPr id="46" name="文本框 45">
+            <a:extLst>
+              <a:ext uri="{FF2B5EF4-FFF2-40B4-BE49-F238E27FC236}">
+                <a16:creationId xmlns:a16="http://schemas.microsoft.com/office/drawing/2014/main" id="{5568CB30-CAA3-584C-AC33-D8F1937E38E2}"/>
+              </a:ext>
+            </a:extLst>
+          </p:cNvPr>
+          <p:cNvSpPr txBox="1"/>
+          <p:nvPr/>
+        </p:nvSpPr>
+        <p:spPr>
+          <a:xfrm>
+            <a:off x="1060316" y="4850257"/>
+            <a:ext cx="4040372" cy="1384995"/>
+          </a:xfrm>
+          <a:prstGeom prst="rect">
+            <a:avLst/>
+          </a:prstGeom>
+          <a:noFill/>
+        </p:spPr>
+        <p:txBody>
+          <a:bodyPr wrap="square" rtlCol="0">
+            <a:spAutoFit/>
+          </a:bodyPr>
+          <a:lstStyle/>
+          <a:p>
+            <a:pPr marL="457200" indent="-457200">
+              <a:buFont typeface="Wingdings" pitchFamily="2" charset="2"/>
+              <a:buChar char="Ø"/>
+            </a:pPr>
+            <a:r>
+              <a:rPr kumimoji="1" lang="zh-CN" altLang="en-US" sz="2800" dirty="0">
+                <a:latin typeface="Microsoft YaHei" panose="020B0503020204020204" pitchFamily="34" charset="-122"/>
+                <a:ea typeface="Microsoft YaHei" panose="020B0503020204020204" pitchFamily="34" charset="-122"/>
+              </a:rPr>
+              <a:t>朋友圈关系</a:t>
+            </a:r>
+            <a:endParaRPr kumimoji="1" lang="en-US" altLang="zh-CN" sz="2800" dirty="0">
               <a:latin typeface="Microsoft YaHei" panose="020B0503020204020204" pitchFamily="34" charset="-122"/>
               <a:ea typeface="Microsoft YaHei" panose="020B0503020204020204" pitchFamily="34" charset="-122"/>
             </a:endParaRPr>
+          </a:p>
+          <a:p>
+            <a:pPr marL="457200" indent="-457200">
+              <a:buFont typeface="Wingdings" pitchFamily="2" charset="2"/>
+              <a:buChar char="Ø"/>
+            </a:pPr>
+            <a:r>
+              <a:rPr kumimoji="1" lang="zh-CN" altLang="en-US" sz="2800" dirty="0">
+                <a:latin typeface="Microsoft YaHei" panose="020B0503020204020204" pitchFamily="34" charset="-122"/>
+                <a:ea typeface="Microsoft YaHei" panose="020B0503020204020204" pitchFamily="34" charset="-122"/>
+              </a:rPr>
+              <a:t>地图上各个地里坐标间的关系</a:t>
+            </a:r>
+          </a:p>
+        </p:txBody>
+      </p:sp>
+      <p:sp>
+        <p:nvSpPr>
+          <p:cNvPr id="25" name="文本框 24">
+            <a:extLst>
+              <a:ext uri="{FF2B5EF4-FFF2-40B4-BE49-F238E27FC236}">
+                <a16:creationId xmlns:a16="http://schemas.microsoft.com/office/drawing/2014/main" id="{E032162B-6EF7-5948-9041-B182B66CF6C5}"/>
+              </a:ext>
+            </a:extLst>
+          </p:cNvPr>
+          <p:cNvSpPr txBox="1"/>
+          <p:nvPr/>
+        </p:nvSpPr>
+        <p:spPr>
+          <a:xfrm>
+            <a:off x="540000" y="1800000"/>
+            <a:ext cx="1070042" cy="542675"/>
+          </a:xfrm>
+          <a:prstGeom prst="rect">
+            <a:avLst/>
+          </a:prstGeom>
+          <a:solidFill>
+            <a:schemeClr val="accent2"/>
+          </a:solidFill>
+        </p:spPr>
+        <p:txBody>
+          <a:bodyPr wrap="square" rtlCol="0">
+            <a:spAutoFit/>
+          </a:bodyPr>
+          <a:lstStyle/>
+          <a:p>
+            <a:r>
+              <a:rPr kumimoji="1" lang="zh-CN" altLang="en-US" sz="2800" dirty="0">
+                <a:solidFill>
+                  <a:schemeClr val="bg1"/>
+                </a:solidFill>
+                <a:latin typeface="Microsoft YaHei" panose="020B0503020204020204" pitchFamily="34" charset="-122"/>
+                <a:ea typeface="Microsoft YaHei" panose="020B0503020204020204" pitchFamily="34" charset="-122"/>
+              </a:rPr>
+              <a:t>定义</a:t>
+            </a:r>
+          </a:p>
+        </p:txBody>
+      </p:sp>
+      <p:sp>
+        <p:nvSpPr>
+          <p:cNvPr id="27" name="文本框 26">
+            <a:extLst>
+              <a:ext uri="{FF2B5EF4-FFF2-40B4-BE49-F238E27FC236}">
+                <a16:creationId xmlns:a16="http://schemas.microsoft.com/office/drawing/2014/main" id="{C5C3E9F9-1AB3-6347-9842-4567B3713F40}"/>
+              </a:ext>
+            </a:extLst>
+          </p:cNvPr>
+          <p:cNvSpPr txBox="1"/>
+          <p:nvPr/>
+        </p:nvSpPr>
+        <p:spPr>
+          <a:xfrm>
+            <a:off x="540000" y="3960000"/>
+            <a:ext cx="1070042" cy="542675"/>
+          </a:xfrm>
+          <a:prstGeom prst="rect">
+            <a:avLst/>
+          </a:prstGeom>
+          <a:solidFill>
+            <a:schemeClr val="accent2"/>
+          </a:solidFill>
+        </p:spPr>
+        <p:txBody>
+          <a:bodyPr wrap="square" rtlCol="0">
+            <a:spAutoFit/>
+          </a:bodyPr>
+          <a:lstStyle/>
+          <a:p>
+            <a:r>
+              <a:rPr kumimoji="1" lang="zh-CN" altLang="en-US" sz="2800" dirty="0">
+                <a:solidFill>
+                  <a:schemeClr val="bg1"/>
+                </a:solidFill>
+                <a:latin typeface="Microsoft YaHei" panose="020B0503020204020204" pitchFamily="34" charset="-122"/>
+                <a:ea typeface="Microsoft YaHei" panose="020B0503020204020204" pitchFamily="34" charset="-122"/>
+              </a:rPr>
+              <a:t>例子</a:t>
+            </a:r>
           </a:p>
         </p:txBody>
       </p:sp>
@@ -6035,18 +10305,11 @@
           <a:p>
             <a:pPr algn="ctr"/>
             <a:r>
-              <a:rPr lang="en-US" altLang="zh-CN" sz="4800" dirty="0">
-                <a:latin typeface="Microsoft YaHei" panose="020B0503020204020204" pitchFamily="34" charset="-122"/>
-                <a:ea typeface="Microsoft YaHei" panose="020B0503020204020204" pitchFamily="34" charset="-122"/>
-              </a:rPr>
-              <a:t>3.</a:t>
-            </a:r>
-            <a:r>
               <a:rPr lang="zh-CN" altLang="en-US" sz="4800" dirty="0">
                 <a:latin typeface="Microsoft YaHei" panose="020B0503020204020204" pitchFamily="34" charset="-122"/>
                 <a:ea typeface="Microsoft YaHei" panose="020B0503020204020204" pitchFamily="34" charset="-122"/>
               </a:rPr>
-              <a:t> 逻辑结构与物理结构</a:t>
+              <a:t>物理结构之顺序存储</a:t>
             </a:r>
             <a:endParaRPr kumimoji="1" lang="zh-CN" altLang="en-US" sz="4800" dirty="0">
               <a:latin typeface="Microsoft YaHei" panose="020B0503020204020204" pitchFamily="34" charset="-122"/>
@@ -6069,8 +10332,8 @@
         </p:nvSpPr>
         <p:spPr>
           <a:xfrm>
-            <a:off x="1212112" y="2402958"/>
-            <a:ext cx="4883888" cy="523220"/>
+            <a:off x="1060316" y="2629617"/>
+            <a:ext cx="5305420" cy="523220"/>
           </a:xfrm>
           <a:prstGeom prst="rect">
             <a:avLst/>
@@ -6088,17 +10351,282 @@
                 <a:latin typeface="Microsoft YaHei" panose="020B0503020204020204" pitchFamily="34" charset="-122"/>
                 <a:ea typeface="Microsoft YaHei" panose="020B0503020204020204" pitchFamily="34" charset="-122"/>
               </a:rPr>
-              <a:t>集合</a:t>
-            </a:r>
-          </a:p>
-        </p:txBody>
-      </p:sp>
-      <p:sp>
-        <p:nvSpPr>
-          <p:cNvPr id="7" name="文本框 6">
-            <a:extLst>
-              <a:ext uri="{FF2B5EF4-FFF2-40B4-BE49-F238E27FC236}">
-                <a16:creationId xmlns:a16="http://schemas.microsoft.com/office/drawing/2014/main" id="{8C1DD6AB-C2EE-9149-BB47-64458F4E6E15}"/>
+              <a:t>数据放在地址连续的存储单元内</a:t>
+            </a:r>
+          </a:p>
+        </p:txBody>
+      </p:sp>
+      <p:sp>
+        <p:nvSpPr>
+          <p:cNvPr id="5" name="矩形 4">
+            <a:extLst>
+              <a:ext uri="{FF2B5EF4-FFF2-40B4-BE49-F238E27FC236}">
+                <a16:creationId xmlns:a16="http://schemas.microsoft.com/office/drawing/2014/main" id="{C70408F1-AB85-AA40-9C08-0F289E060179}"/>
+              </a:ext>
+            </a:extLst>
+          </p:cNvPr>
+          <p:cNvSpPr/>
+          <p:nvPr/>
+        </p:nvSpPr>
+        <p:spPr>
+          <a:xfrm>
+            <a:off x="2874410" y="5385217"/>
+            <a:ext cx="1360968" cy="1011505"/>
+          </a:xfrm>
+          <a:prstGeom prst="rect">
+            <a:avLst/>
+          </a:prstGeom>
+        </p:spPr>
+        <p:style>
+          <a:lnRef idx="2">
+            <a:schemeClr val="accent1">
+              <a:shade val="50000"/>
+            </a:schemeClr>
+          </a:lnRef>
+          <a:fillRef idx="1">
+            <a:schemeClr val="accent1"/>
+          </a:fillRef>
+          <a:effectRef idx="0">
+            <a:schemeClr val="accent1"/>
+          </a:effectRef>
+          <a:fontRef idx="minor">
+            <a:schemeClr val="lt1"/>
+          </a:fontRef>
+        </p:style>
+        <p:txBody>
+          <a:bodyPr rtlCol="0" anchor="ctr"/>
+          <a:lstStyle/>
+          <a:p>
+            <a:pPr algn="ctr"/>
+            <a:r>
+              <a:rPr kumimoji="1" lang="en-US" altLang="zh-CN" dirty="0"/>
+              <a:t>1</a:t>
+            </a:r>
+            <a:r>
+              <a:rPr kumimoji="1" lang="zh-CN" altLang="en-US" dirty="0"/>
+              <a:t>宿舍</a:t>
+            </a:r>
+          </a:p>
+        </p:txBody>
+      </p:sp>
+      <p:sp>
+        <p:nvSpPr>
+          <p:cNvPr id="14" name="矩形 13">
+            <a:extLst>
+              <a:ext uri="{FF2B5EF4-FFF2-40B4-BE49-F238E27FC236}">
+                <a16:creationId xmlns:a16="http://schemas.microsoft.com/office/drawing/2014/main" id="{6F67DE27-35C6-C347-915F-E686D62FE512}"/>
+              </a:ext>
+            </a:extLst>
+          </p:cNvPr>
+          <p:cNvSpPr/>
+          <p:nvPr/>
+        </p:nvSpPr>
+        <p:spPr>
+          <a:xfrm>
+            <a:off x="4235378" y="5369268"/>
+            <a:ext cx="1360968" cy="1027454"/>
+          </a:xfrm>
+          <a:prstGeom prst="rect">
+            <a:avLst/>
+          </a:prstGeom>
+        </p:spPr>
+        <p:style>
+          <a:lnRef idx="2">
+            <a:schemeClr val="accent1">
+              <a:shade val="50000"/>
+            </a:schemeClr>
+          </a:lnRef>
+          <a:fillRef idx="1">
+            <a:schemeClr val="accent1"/>
+          </a:fillRef>
+          <a:effectRef idx="0">
+            <a:schemeClr val="accent1"/>
+          </a:effectRef>
+          <a:fontRef idx="minor">
+            <a:schemeClr val="lt1"/>
+          </a:fontRef>
+        </p:style>
+        <p:txBody>
+          <a:bodyPr rtlCol="0" anchor="ctr"/>
+          <a:lstStyle/>
+          <a:p>
+            <a:pPr algn="ctr"/>
+            <a:r>
+              <a:rPr kumimoji="1" lang="en-US" altLang="zh-CN" dirty="0"/>
+              <a:t>2</a:t>
+            </a:r>
+            <a:r>
+              <a:rPr kumimoji="1" lang="zh-CN" altLang="en-US" dirty="0"/>
+              <a:t>宿舍</a:t>
+            </a:r>
+          </a:p>
+        </p:txBody>
+      </p:sp>
+      <p:sp>
+        <p:nvSpPr>
+          <p:cNvPr id="15" name="矩形 14">
+            <a:extLst>
+              <a:ext uri="{FF2B5EF4-FFF2-40B4-BE49-F238E27FC236}">
+                <a16:creationId xmlns:a16="http://schemas.microsoft.com/office/drawing/2014/main" id="{5DF8F16D-F7FC-674A-A7F9-8131D3344ABD}"/>
+              </a:ext>
+            </a:extLst>
+          </p:cNvPr>
+          <p:cNvSpPr/>
+          <p:nvPr/>
+        </p:nvSpPr>
+        <p:spPr>
+          <a:xfrm>
+            <a:off x="5596346" y="5385217"/>
+            <a:ext cx="1360968" cy="1011505"/>
+          </a:xfrm>
+          <a:prstGeom prst="rect">
+            <a:avLst/>
+          </a:prstGeom>
+        </p:spPr>
+        <p:style>
+          <a:lnRef idx="2">
+            <a:schemeClr val="accent1">
+              <a:shade val="50000"/>
+            </a:schemeClr>
+          </a:lnRef>
+          <a:fillRef idx="1">
+            <a:schemeClr val="accent1"/>
+          </a:fillRef>
+          <a:effectRef idx="0">
+            <a:schemeClr val="accent1"/>
+          </a:effectRef>
+          <a:fontRef idx="minor">
+            <a:schemeClr val="lt1"/>
+          </a:fontRef>
+        </p:style>
+        <p:txBody>
+          <a:bodyPr rtlCol="0" anchor="ctr"/>
+          <a:lstStyle/>
+          <a:p>
+            <a:pPr algn="ctr"/>
+            <a:r>
+              <a:rPr kumimoji="1" lang="en-US" altLang="zh-CN" dirty="0"/>
+              <a:t>3</a:t>
+            </a:r>
+            <a:r>
+              <a:rPr kumimoji="1" lang="zh-CN" altLang="en-US" dirty="0"/>
+              <a:t>宿舍</a:t>
+            </a:r>
+          </a:p>
+        </p:txBody>
+      </p:sp>
+      <p:sp>
+        <p:nvSpPr>
+          <p:cNvPr id="16" name="矩形 15">
+            <a:extLst>
+              <a:ext uri="{FF2B5EF4-FFF2-40B4-BE49-F238E27FC236}">
+                <a16:creationId xmlns:a16="http://schemas.microsoft.com/office/drawing/2014/main" id="{337C5FC2-EF2F-D841-9339-022D72B4AD70}"/>
+              </a:ext>
+            </a:extLst>
+          </p:cNvPr>
+          <p:cNvSpPr/>
+          <p:nvPr/>
+        </p:nvSpPr>
+        <p:spPr>
+          <a:xfrm>
+            <a:off x="6957314" y="5385217"/>
+            <a:ext cx="1360968" cy="1011505"/>
+          </a:xfrm>
+          <a:prstGeom prst="rect">
+            <a:avLst/>
+          </a:prstGeom>
+        </p:spPr>
+        <p:style>
+          <a:lnRef idx="2">
+            <a:schemeClr val="accent1">
+              <a:shade val="50000"/>
+            </a:schemeClr>
+          </a:lnRef>
+          <a:fillRef idx="1">
+            <a:schemeClr val="accent1"/>
+          </a:fillRef>
+          <a:effectRef idx="0">
+            <a:schemeClr val="accent1"/>
+          </a:effectRef>
+          <a:fontRef idx="minor">
+            <a:schemeClr val="lt1"/>
+          </a:fontRef>
+        </p:style>
+        <p:txBody>
+          <a:bodyPr rtlCol="0" anchor="ctr"/>
+          <a:lstStyle/>
+          <a:p>
+            <a:pPr algn="ctr"/>
+            <a:r>
+              <a:rPr kumimoji="1" lang="en-US" altLang="zh-CN" dirty="0"/>
+              <a:t>4</a:t>
+            </a:r>
+            <a:r>
+              <a:rPr kumimoji="1" lang="zh-CN" altLang="en-US" dirty="0"/>
+              <a:t>宿舍</a:t>
+            </a:r>
+          </a:p>
+        </p:txBody>
+      </p:sp>
+      <p:sp>
+        <p:nvSpPr>
+          <p:cNvPr id="17" name="矩形 16">
+            <a:extLst>
+              <a:ext uri="{FF2B5EF4-FFF2-40B4-BE49-F238E27FC236}">
+                <a16:creationId xmlns:a16="http://schemas.microsoft.com/office/drawing/2014/main" id="{3400F6A7-CC21-094B-B73E-BABF1539766F}"/>
+              </a:ext>
+            </a:extLst>
+          </p:cNvPr>
+          <p:cNvSpPr/>
+          <p:nvPr/>
+        </p:nvSpPr>
+        <p:spPr>
+          <a:xfrm>
+            <a:off x="8318282" y="5369269"/>
+            <a:ext cx="1360968" cy="1032770"/>
+          </a:xfrm>
+          <a:prstGeom prst="rect">
+            <a:avLst/>
+          </a:prstGeom>
+        </p:spPr>
+        <p:style>
+          <a:lnRef idx="2">
+            <a:schemeClr val="accent1">
+              <a:shade val="50000"/>
+            </a:schemeClr>
+          </a:lnRef>
+          <a:fillRef idx="1">
+            <a:schemeClr val="accent1"/>
+          </a:fillRef>
+          <a:effectRef idx="0">
+            <a:schemeClr val="accent1"/>
+          </a:effectRef>
+          <a:fontRef idx="minor">
+            <a:schemeClr val="lt1"/>
+          </a:fontRef>
+        </p:style>
+        <p:txBody>
+          <a:bodyPr rtlCol="0" anchor="ctr"/>
+          <a:lstStyle/>
+          <a:p>
+            <a:pPr algn="ctr"/>
+            <a:r>
+              <a:rPr kumimoji="1" lang="en-US" altLang="zh-CN" dirty="0"/>
+              <a:t>5</a:t>
+            </a:r>
+            <a:r>
+              <a:rPr kumimoji="1" lang="zh-CN" altLang="en-US" dirty="0"/>
+              <a:t>宿舍</a:t>
+            </a:r>
+          </a:p>
+        </p:txBody>
+      </p:sp>
+      <p:sp>
+        <p:nvSpPr>
+          <p:cNvPr id="6" name="文本框 5">
+            <a:extLst>
+              <a:ext uri="{FF2B5EF4-FFF2-40B4-BE49-F238E27FC236}">
+                <a16:creationId xmlns:a16="http://schemas.microsoft.com/office/drawing/2014/main" id="{ADD2E7CA-F7F0-D74F-82D6-C6943CD00844}"/>
               </a:ext>
             </a:extLst>
           </p:cNvPr>
@@ -6107,7 +10635,7 @@
         </p:nvSpPr>
         <p:spPr>
           <a:xfrm>
-            <a:off x="1212112" y="3310270"/>
+            <a:off x="1060316" y="4592413"/>
             <a:ext cx="4883888" cy="523220"/>
           </a:xfrm>
           <a:prstGeom prst="rect">
@@ -6126,17 +10654,17 @@
                 <a:latin typeface="Microsoft YaHei" panose="020B0503020204020204" pitchFamily="34" charset="-122"/>
                 <a:ea typeface="Microsoft YaHei" panose="020B0503020204020204" pitchFamily="34" charset="-122"/>
               </a:rPr>
-              <a:t>线性结构</a:t>
-            </a:r>
-          </a:p>
-        </p:txBody>
-      </p:sp>
-      <p:sp>
-        <p:nvSpPr>
-          <p:cNvPr id="8" name="文本框 7">
-            <a:extLst>
-              <a:ext uri="{FF2B5EF4-FFF2-40B4-BE49-F238E27FC236}">
-                <a16:creationId xmlns:a16="http://schemas.microsoft.com/office/drawing/2014/main" id="{5E780627-2E17-7841-93BD-0C851F88B3D9}"/>
+              <a:t>宿舍楼中房间的分布</a:t>
+            </a:r>
+          </a:p>
+        </p:txBody>
+      </p:sp>
+      <p:sp>
+        <p:nvSpPr>
+          <p:cNvPr id="10" name="文本框 9">
+            <a:extLst>
+              <a:ext uri="{FF2B5EF4-FFF2-40B4-BE49-F238E27FC236}">
+                <a16:creationId xmlns:a16="http://schemas.microsoft.com/office/drawing/2014/main" id="{42109D4F-30FB-9044-B23C-BA51FAC22827}"/>
               </a:ext>
             </a:extLst>
           </p:cNvPr>
@@ -6145,13 +10673,15 @@
         </p:nvSpPr>
         <p:spPr>
           <a:xfrm>
-            <a:off x="1173210" y="4217582"/>
-            <a:ext cx="4805916" cy="523220"/>
+            <a:off x="540000" y="1800000"/>
+            <a:ext cx="1070042" cy="542675"/>
           </a:xfrm>
           <a:prstGeom prst="rect">
             <a:avLst/>
           </a:prstGeom>
-          <a:noFill/>
+          <a:solidFill>
+            <a:schemeClr val="accent2"/>
+          </a:solidFill>
         </p:spPr>
         <p:txBody>
           <a:bodyPr wrap="square" rtlCol="0">
@@ -6161,20 +10691,23 @@
           <a:p>
             <a:r>
               <a:rPr kumimoji="1" lang="zh-CN" altLang="en-US" sz="2800" dirty="0">
+                <a:solidFill>
+                  <a:schemeClr val="bg1"/>
+                </a:solidFill>
                 <a:latin typeface="Microsoft YaHei" panose="020B0503020204020204" pitchFamily="34" charset="-122"/>
                 <a:ea typeface="Microsoft YaHei" panose="020B0503020204020204" pitchFamily="34" charset="-122"/>
               </a:rPr>
-              <a:t>树形结构</a:t>
-            </a:r>
-          </a:p>
-        </p:txBody>
-      </p:sp>
-      <p:sp>
-        <p:nvSpPr>
-          <p:cNvPr id="9" name="文本框 8">
-            <a:extLst>
-              <a:ext uri="{FF2B5EF4-FFF2-40B4-BE49-F238E27FC236}">
-                <a16:creationId xmlns:a16="http://schemas.microsoft.com/office/drawing/2014/main" id="{593A7A58-EA74-094D-8D1D-824CA39D4FBA}"/>
+              <a:t>定义</a:t>
+            </a:r>
+          </a:p>
+        </p:txBody>
+      </p:sp>
+      <p:sp>
+        <p:nvSpPr>
+          <p:cNvPr id="11" name="文本框 10">
+            <a:extLst>
+              <a:ext uri="{FF2B5EF4-FFF2-40B4-BE49-F238E27FC236}">
+                <a16:creationId xmlns:a16="http://schemas.microsoft.com/office/drawing/2014/main" id="{1B13D066-0347-7D4C-A40D-F832629A508D}"/>
               </a:ext>
             </a:extLst>
           </p:cNvPr>
@@ -6183,13 +10716,15 @@
         </p:nvSpPr>
         <p:spPr>
           <a:xfrm>
-            <a:off x="1212112" y="5124893"/>
-            <a:ext cx="3508744" cy="523220"/>
+            <a:off x="540000" y="3960000"/>
+            <a:ext cx="1070042" cy="542675"/>
           </a:xfrm>
           <a:prstGeom prst="rect">
             <a:avLst/>
           </a:prstGeom>
-          <a:noFill/>
+          <a:solidFill>
+            <a:schemeClr val="accent2"/>
+          </a:solidFill>
         </p:spPr>
         <p:txBody>
           <a:bodyPr wrap="square" rtlCol="0">
@@ -6199,10 +10734,13 @@
           <a:p>
             <a:r>
               <a:rPr kumimoji="1" lang="zh-CN" altLang="en-US" sz="2800" dirty="0">
+                <a:solidFill>
+                  <a:schemeClr val="bg1"/>
+                </a:solidFill>
                 <a:latin typeface="Microsoft YaHei" panose="020B0503020204020204" pitchFamily="34" charset="-122"/>
                 <a:ea typeface="Microsoft YaHei" panose="020B0503020204020204" pitchFamily="34" charset="-122"/>
               </a:rPr>
-              <a:t>图形结构</a:t>
+              <a:t>例子</a:t>
             </a:r>
           </a:p>
         </p:txBody>
@@ -6226,7 +10764,7 @@
     <p:bg>
       <p:bgPr>
         <a:blipFill>
-          <a:blip r:embed="rId2"/>
+          <a:blip r:embed="rId3"/>
           <a:tile tx="0" ty="0" sx="100000" sy="100000" flip="none" algn="tl"/>
         </a:blipFill>
         <a:effectLst/>
@@ -6276,18 +10814,11 @@
           <a:p>
             <a:pPr algn="ctr"/>
             <a:r>
-              <a:rPr lang="en-US" altLang="zh-CN" sz="4800" dirty="0">
-                <a:latin typeface="Microsoft YaHei" panose="020B0503020204020204" pitchFamily="34" charset="-122"/>
-                <a:ea typeface="Microsoft YaHei" panose="020B0503020204020204" pitchFamily="34" charset="-122"/>
-              </a:rPr>
-              <a:t>4.</a:t>
-            </a:r>
-            <a:r>
               <a:rPr lang="zh-CN" altLang="en-US" sz="4800" dirty="0">
                 <a:latin typeface="Microsoft YaHei" panose="020B0503020204020204" pitchFamily="34" charset="-122"/>
                 <a:ea typeface="Microsoft YaHei" panose="020B0503020204020204" pitchFamily="34" charset="-122"/>
               </a:rPr>
-              <a:t> 抽象数据类型</a:t>
+              <a:t>物理结构之链式存储</a:t>
             </a:r>
             <a:endParaRPr kumimoji="1" lang="zh-CN" altLang="en-US" sz="4800" dirty="0">
               <a:latin typeface="Microsoft YaHei" panose="020B0503020204020204" pitchFamily="34" charset="-122"/>
@@ -6296,10 +10827,393 @@
           </a:p>
         </p:txBody>
       </p:sp>
+      <p:sp>
+        <p:nvSpPr>
+          <p:cNvPr id="4" name="文本框 3">
+            <a:extLst>
+              <a:ext uri="{FF2B5EF4-FFF2-40B4-BE49-F238E27FC236}">
+                <a16:creationId xmlns:a16="http://schemas.microsoft.com/office/drawing/2014/main" id="{858B39A7-0C86-C54C-BB15-3011A3CE8BAC}"/>
+              </a:ext>
+            </a:extLst>
+          </p:cNvPr>
+          <p:cNvSpPr txBox="1"/>
+          <p:nvPr/>
+        </p:nvSpPr>
+        <p:spPr>
+          <a:xfrm>
+            <a:off x="1060316" y="2517956"/>
+            <a:ext cx="4883888" cy="954107"/>
+          </a:xfrm>
+          <a:prstGeom prst="rect">
+            <a:avLst/>
+          </a:prstGeom>
+          <a:noFill/>
+        </p:spPr>
+        <p:txBody>
+          <a:bodyPr wrap="square" rtlCol="0">
+            <a:spAutoFit/>
+          </a:bodyPr>
+          <a:lstStyle/>
+          <a:p>
+            <a:r>
+              <a:rPr kumimoji="1" lang="zh-CN" altLang="en-US" sz="2800" dirty="0">
+                <a:latin typeface="Microsoft YaHei" panose="020B0503020204020204" pitchFamily="34" charset="-122"/>
+                <a:ea typeface="Microsoft YaHei" panose="020B0503020204020204" pitchFamily="34" charset="-122"/>
+              </a:rPr>
+              <a:t>数据不需要放在连续的地址，彼此之间靠指针链接</a:t>
+            </a:r>
+          </a:p>
+        </p:txBody>
+      </p:sp>
+      <p:sp>
+        <p:nvSpPr>
+          <p:cNvPr id="69" name="文本框 68">
+            <a:extLst>
+              <a:ext uri="{FF2B5EF4-FFF2-40B4-BE49-F238E27FC236}">
+                <a16:creationId xmlns:a16="http://schemas.microsoft.com/office/drawing/2014/main" id="{696FA4B1-DAA3-DC46-94A6-5756C9236029}"/>
+              </a:ext>
+            </a:extLst>
+          </p:cNvPr>
+          <p:cNvSpPr txBox="1"/>
+          <p:nvPr/>
+        </p:nvSpPr>
+        <p:spPr>
+          <a:xfrm>
+            <a:off x="1060316" y="4624785"/>
+            <a:ext cx="9424004" cy="523220"/>
+          </a:xfrm>
+          <a:prstGeom prst="rect">
+            <a:avLst/>
+          </a:prstGeom>
+          <a:noFill/>
+        </p:spPr>
+        <p:txBody>
+          <a:bodyPr wrap="square" rtlCol="0">
+            <a:spAutoFit/>
+          </a:bodyPr>
+          <a:lstStyle/>
+          <a:p>
+            <a:r>
+              <a:rPr kumimoji="1" lang="zh-CN" altLang="en-US" sz="2800" dirty="0">
+                <a:latin typeface="Microsoft YaHei" panose="020B0503020204020204" pitchFamily="34" charset="-122"/>
+                <a:ea typeface="Microsoft YaHei" panose="020B0503020204020204" pitchFamily="34" charset="-122"/>
+              </a:rPr>
+              <a:t>快递运送路径，每个地点可以是地理上不连续的</a:t>
+            </a:r>
+          </a:p>
+        </p:txBody>
+      </p:sp>
+      <p:sp>
+        <p:nvSpPr>
+          <p:cNvPr id="71" name="文本框 70">
+            <a:extLst>
+              <a:ext uri="{FF2B5EF4-FFF2-40B4-BE49-F238E27FC236}">
+                <a16:creationId xmlns:a16="http://schemas.microsoft.com/office/drawing/2014/main" id="{41987309-7879-7F47-9BEC-7B6CFE45D8C8}"/>
+              </a:ext>
+            </a:extLst>
+          </p:cNvPr>
+          <p:cNvSpPr txBox="1"/>
+          <p:nvPr/>
+        </p:nvSpPr>
+        <p:spPr>
+          <a:xfrm>
+            <a:off x="1252506" y="5519359"/>
+            <a:ext cx="2041451" cy="400110"/>
+          </a:xfrm>
+          <a:prstGeom prst="rect">
+            <a:avLst/>
+          </a:prstGeom>
+          <a:solidFill>
+            <a:schemeClr val="accent2"/>
+          </a:solidFill>
+        </p:spPr>
+        <p:txBody>
+          <a:bodyPr wrap="square" rtlCol="0">
+            <a:spAutoFit/>
+          </a:bodyPr>
+          <a:lstStyle/>
+          <a:p>
+            <a:r>
+              <a:rPr kumimoji="1" lang="zh-CN" altLang="en-US" sz="2000" dirty="0">
+                <a:solidFill>
+                  <a:schemeClr val="bg1"/>
+                </a:solidFill>
+                <a:latin typeface="Microsoft YaHei" panose="020B0503020204020204" pitchFamily="34" charset="-122"/>
+                <a:ea typeface="Microsoft YaHei" panose="020B0503020204020204" pitchFamily="34" charset="-122"/>
+              </a:rPr>
+              <a:t>杭州某电商仓库</a:t>
+            </a:r>
+          </a:p>
+        </p:txBody>
+      </p:sp>
+      <p:sp>
+        <p:nvSpPr>
+          <p:cNvPr id="72" name="文本框 71">
+            <a:extLst>
+              <a:ext uri="{FF2B5EF4-FFF2-40B4-BE49-F238E27FC236}">
+                <a16:creationId xmlns:a16="http://schemas.microsoft.com/office/drawing/2014/main" id="{7F9D59F5-AE61-884B-981F-1FD78275EE2E}"/>
+              </a:ext>
+            </a:extLst>
+          </p:cNvPr>
+          <p:cNvSpPr txBox="1"/>
+          <p:nvPr/>
+        </p:nvSpPr>
+        <p:spPr>
+          <a:xfrm>
+            <a:off x="5202865" y="5519359"/>
+            <a:ext cx="1786270" cy="400110"/>
+          </a:xfrm>
+          <a:prstGeom prst="rect">
+            <a:avLst/>
+          </a:prstGeom>
+          <a:solidFill>
+            <a:schemeClr val="accent2"/>
+          </a:solidFill>
+        </p:spPr>
+        <p:txBody>
+          <a:bodyPr wrap="square" rtlCol="0">
+            <a:spAutoFit/>
+          </a:bodyPr>
+          <a:lstStyle/>
+          <a:p>
+            <a:r>
+              <a:rPr kumimoji="1" lang="zh-CN" altLang="en-US" sz="2000" dirty="0">
+                <a:solidFill>
+                  <a:schemeClr val="bg1"/>
+                </a:solidFill>
+                <a:latin typeface="Microsoft YaHei" panose="020B0503020204020204" pitchFamily="34" charset="-122"/>
+                <a:ea typeface="Microsoft YaHei" panose="020B0503020204020204" pitchFamily="34" charset="-122"/>
+              </a:rPr>
+              <a:t>临安中转站</a:t>
+            </a:r>
+          </a:p>
+        </p:txBody>
+      </p:sp>
+      <p:sp>
+        <p:nvSpPr>
+          <p:cNvPr id="76" name="文本框 75">
+            <a:extLst>
+              <a:ext uri="{FF2B5EF4-FFF2-40B4-BE49-F238E27FC236}">
+                <a16:creationId xmlns:a16="http://schemas.microsoft.com/office/drawing/2014/main" id="{51C97AC6-53ED-D444-AB0E-669287433D6E}"/>
+              </a:ext>
+            </a:extLst>
+          </p:cNvPr>
+          <p:cNvSpPr txBox="1"/>
+          <p:nvPr/>
+        </p:nvSpPr>
+        <p:spPr>
+          <a:xfrm>
+            <a:off x="8412848" y="5519359"/>
+            <a:ext cx="2977116" cy="400110"/>
+          </a:xfrm>
+          <a:prstGeom prst="rect">
+            <a:avLst/>
+          </a:prstGeom>
+          <a:solidFill>
+            <a:schemeClr val="accent2"/>
+          </a:solidFill>
+        </p:spPr>
+        <p:txBody>
+          <a:bodyPr wrap="square" rtlCol="0">
+            <a:spAutoFit/>
+          </a:bodyPr>
+          <a:lstStyle/>
+          <a:p>
+            <a:r>
+              <a:rPr kumimoji="1" lang="zh-CN" altLang="en-US" sz="2000" dirty="0">
+                <a:solidFill>
+                  <a:schemeClr val="bg1"/>
+                </a:solidFill>
+                <a:latin typeface="Microsoft YaHei" panose="020B0503020204020204" pitchFamily="34" charset="-122"/>
+                <a:ea typeface="Microsoft YaHei" panose="020B0503020204020204" pitchFamily="34" charset="-122"/>
+              </a:rPr>
+              <a:t>杭州医学院快递暂存处</a:t>
+            </a:r>
+          </a:p>
+        </p:txBody>
+      </p:sp>
+      <p:sp>
+        <p:nvSpPr>
+          <p:cNvPr id="77" name="右箭头 76">
+            <a:extLst>
+              <a:ext uri="{FF2B5EF4-FFF2-40B4-BE49-F238E27FC236}">
+                <a16:creationId xmlns:a16="http://schemas.microsoft.com/office/drawing/2014/main" id="{884A59C4-F007-7540-B472-0EC9E062B522}"/>
+              </a:ext>
+            </a:extLst>
+          </p:cNvPr>
+          <p:cNvSpPr/>
+          <p:nvPr/>
+        </p:nvSpPr>
+        <p:spPr>
+          <a:xfrm>
+            <a:off x="3871307" y="5610448"/>
+            <a:ext cx="754207" cy="200056"/>
+          </a:xfrm>
+          <a:prstGeom prst="rightArrow">
+            <a:avLst/>
+          </a:prstGeom>
+        </p:spPr>
+        <p:style>
+          <a:lnRef idx="2">
+            <a:schemeClr val="accent1">
+              <a:shade val="50000"/>
+            </a:schemeClr>
+          </a:lnRef>
+          <a:fillRef idx="1">
+            <a:schemeClr val="accent1"/>
+          </a:fillRef>
+          <a:effectRef idx="0">
+            <a:schemeClr val="accent1"/>
+          </a:effectRef>
+          <a:fontRef idx="minor">
+            <a:schemeClr val="lt1"/>
+          </a:fontRef>
+        </p:style>
+        <p:txBody>
+          <a:bodyPr rtlCol="0" anchor="ctr"/>
+          <a:lstStyle/>
+          <a:p>
+            <a:pPr algn="ctr"/>
+            <a:endParaRPr kumimoji="1" lang="zh-CN" altLang="en-US"/>
+          </a:p>
+        </p:txBody>
+      </p:sp>
+      <p:sp>
+        <p:nvSpPr>
+          <p:cNvPr id="79" name="右箭头 78">
+            <a:extLst>
+              <a:ext uri="{FF2B5EF4-FFF2-40B4-BE49-F238E27FC236}">
+                <a16:creationId xmlns:a16="http://schemas.microsoft.com/office/drawing/2014/main" id="{03E87D7E-6AB5-8B4F-839E-98363522F39C}"/>
+              </a:ext>
+            </a:extLst>
+          </p:cNvPr>
+          <p:cNvSpPr/>
+          <p:nvPr/>
+        </p:nvSpPr>
+        <p:spPr>
+          <a:xfrm>
+            <a:off x="7322288" y="5633033"/>
+            <a:ext cx="754207" cy="200056"/>
+          </a:xfrm>
+          <a:prstGeom prst="rightArrow">
+            <a:avLst/>
+          </a:prstGeom>
+        </p:spPr>
+        <p:style>
+          <a:lnRef idx="2">
+            <a:schemeClr val="accent1">
+              <a:shade val="50000"/>
+            </a:schemeClr>
+          </a:lnRef>
+          <a:fillRef idx="1">
+            <a:schemeClr val="accent1"/>
+          </a:fillRef>
+          <a:effectRef idx="0">
+            <a:schemeClr val="accent1"/>
+          </a:effectRef>
+          <a:fontRef idx="minor">
+            <a:schemeClr val="lt1"/>
+          </a:fontRef>
+        </p:style>
+        <p:txBody>
+          <a:bodyPr rtlCol="0" anchor="ctr"/>
+          <a:lstStyle/>
+          <a:p>
+            <a:pPr algn="ctr"/>
+            <a:endParaRPr kumimoji="1" lang="zh-CN" altLang="en-US"/>
+          </a:p>
+        </p:txBody>
+      </p:sp>
+      <p:sp>
+        <p:nvSpPr>
+          <p:cNvPr id="10" name="文本框 9">
+            <a:extLst>
+              <a:ext uri="{FF2B5EF4-FFF2-40B4-BE49-F238E27FC236}">
+                <a16:creationId xmlns:a16="http://schemas.microsoft.com/office/drawing/2014/main" id="{A6126B31-4C92-574D-879A-4E7C0FA6E11E}"/>
+              </a:ext>
+            </a:extLst>
+          </p:cNvPr>
+          <p:cNvSpPr txBox="1"/>
+          <p:nvPr/>
+        </p:nvSpPr>
+        <p:spPr>
+          <a:xfrm>
+            <a:off x="540000" y="1800000"/>
+            <a:ext cx="1070042" cy="542675"/>
+          </a:xfrm>
+          <a:prstGeom prst="rect">
+            <a:avLst/>
+          </a:prstGeom>
+          <a:solidFill>
+            <a:schemeClr val="accent2"/>
+          </a:solidFill>
+        </p:spPr>
+        <p:txBody>
+          <a:bodyPr wrap="square" rtlCol="0">
+            <a:spAutoFit/>
+          </a:bodyPr>
+          <a:lstStyle/>
+          <a:p>
+            <a:r>
+              <a:rPr kumimoji="1" lang="zh-CN" altLang="en-US" sz="2800" dirty="0">
+                <a:solidFill>
+                  <a:schemeClr val="bg1"/>
+                </a:solidFill>
+                <a:latin typeface="Microsoft YaHei" panose="020B0503020204020204" pitchFamily="34" charset="-122"/>
+                <a:ea typeface="Microsoft YaHei" panose="020B0503020204020204" pitchFamily="34" charset="-122"/>
+              </a:rPr>
+              <a:t>定义</a:t>
+            </a:r>
+          </a:p>
+        </p:txBody>
+      </p:sp>
+      <p:sp>
+        <p:nvSpPr>
+          <p:cNvPr id="11" name="文本框 10">
+            <a:extLst>
+              <a:ext uri="{FF2B5EF4-FFF2-40B4-BE49-F238E27FC236}">
+                <a16:creationId xmlns:a16="http://schemas.microsoft.com/office/drawing/2014/main" id="{CDAF9193-B02D-F243-94BB-D19A49495A0A}"/>
+              </a:ext>
+            </a:extLst>
+          </p:cNvPr>
+          <p:cNvSpPr txBox="1"/>
+          <p:nvPr/>
+        </p:nvSpPr>
+        <p:spPr>
+          <a:xfrm>
+            <a:off x="540000" y="3960000"/>
+            <a:ext cx="1070042" cy="542675"/>
+          </a:xfrm>
+          <a:prstGeom prst="rect">
+            <a:avLst/>
+          </a:prstGeom>
+          <a:solidFill>
+            <a:schemeClr val="accent2"/>
+          </a:solidFill>
+        </p:spPr>
+        <p:txBody>
+          <a:bodyPr wrap="square" rtlCol="0">
+            <a:spAutoFit/>
+          </a:bodyPr>
+          <a:lstStyle/>
+          <a:p>
+            <a:r>
+              <a:rPr kumimoji="1" lang="zh-CN" altLang="en-US" sz="2800" dirty="0">
+                <a:solidFill>
+                  <a:schemeClr val="bg1"/>
+                </a:solidFill>
+                <a:latin typeface="Microsoft YaHei" panose="020B0503020204020204" pitchFamily="34" charset="-122"/>
+                <a:ea typeface="Microsoft YaHei" panose="020B0503020204020204" pitchFamily="34" charset="-122"/>
+              </a:rPr>
+              <a:t>例子</a:t>
+            </a:r>
+          </a:p>
+        </p:txBody>
+      </p:sp>
     </p:spTree>
     <p:extLst>
       <p:ext uri="{BB962C8B-B14F-4D97-AF65-F5344CB8AC3E}">
-        <p14:creationId xmlns:p14="http://schemas.microsoft.com/office/powerpoint/2010/main" val="2389045370"/>
+        <p14:creationId xmlns:p14="http://schemas.microsoft.com/office/powerpoint/2010/main" val="967268082"/>
       </p:ext>
     </p:extLst>
   </p:cSld>
@@ -6315,7 +11229,7 @@
     <p:bg>
       <p:bgPr>
         <a:blipFill>
-          <a:blip r:embed="rId2"/>
+          <a:blip r:embed="rId3"/>
           <a:tile tx="0" ty="0" sx="100000" sy="100000" flip="none" algn="tl"/>
         </a:blipFill>
         <a:effectLst/>
@@ -6365,18 +11279,844 @@
           <a:p>
             <a:pPr algn="ctr"/>
             <a:r>
-              <a:rPr kumimoji="1" lang="zh-CN" altLang="en-US" sz="4800" dirty="0">
+              <a:rPr lang="en-US" altLang="zh-CN" sz="4800" dirty="0">
+                <a:latin typeface="Microsoft YaHei" panose="020B0503020204020204" pitchFamily="34" charset="-122"/>
+                <a:ea typeface="Microsoft YaHei" panose="020B0503020204020204" pitchFamily="34" charset="-122"/>
+              </a:rPr>
+              <a:t>4.</a:t>
+            </a:r>
+            <a:r>
+              <a:rPr lang="zh-CN" altLang="en-US" sz="4800" dirty="0">
+                <a:latin typeface="Microsoft YaHei" panose="020B0503020204020204" pitchFamily="34" charset="-122"/>
+                <a:ea typeface="Microsoft YaHei" panose="020B0503020204020204" pitchFamily="34" charset="-122"/>
+              </a:rPr>
+              <a:t> 抽象数据类型</a:t>
+            </a:r>
+            <a:endParaRPr kumimoji="1" lang="zh-CN" altLang="en-US" sz="4800" dirty="0">
+              <a:latin typeface="Microsoft YaHei" panose="020B0503020204020204" pitchFamily="34" charset="-122"/>
+              <a:ea typeface="Microsoft YaHei" panose="020B0503020204020204" pitchFamily="34" charset="-122"/>
+            </a:endParaRPr>
+          </a:p>
+        </p:txBody>
+      </p:sp>
+      <p:sp>
+        <p:nvSpPr>
+          <p:cNvPr id="4" name="文本框 3">
+            <a:extLst>
+              <a:ext uri="{FF2B5EF4-FFF2-40B4-BE49-F238E27FC236}">
+                <a16:creationId xmlns:a16="http://schemas.microsoft.com/office/drawing/2014/main" id="{60C06E22-F109-EA44-9D19-22F4DF899685}"/>
+              </a:ext>
+            </a:extLst>
+          </p:cNvPr>
+          <p:cNvSpPr txBox="1"/>
+          <p:nvPr/>
+        </p:nvSpPr>
+        <p:spPr>
+          <a:xfrm>
+            <a:off x="1060316" y="2568157"/>
+            <a:ext cx="3822961" cy="1200329"/>
+          </a:xfrm>
+          <a:prstGeom prst="rect">
+            <a:avLst/>
+          </a:prstGeom>
+          <a:noFill/>
+        </p:spPr>
+        <p:txBody>
+          <a:bodyPr wrap="square" rtlCol="0">
+            <a:spAutoFit/>
+          </a:bodyPr>
+          <a:lstStyle/>
+          <a:p>
+            <a:r>
+              <a:rPr kumimoji="1" lang="zh-CN" altLang="en-US" sz="2400" dirty="0">
+                <a:latin typeface="Microsoft YaHei" panose="020B0503020204020204" pitchFamily="34" charset="-122"/>
+                <a:ea typeface="Microsoft YaHei" panose="020B0503020204020204" pitchFamily="34" charset="-122"/>
+              </a:rPr>
+              <a:t>数据类型定义：一种性质相同数值的集合以及在这个集合上的操作的总称</a:t>
+            </a:r>
+          </a:p>
+        </p:txBody>
+      </p:sp>
+      <p:sp>
+        <p:nvSpPr>
+          <p:cNvPr id="5" name="文本框 4">
+            <a:extLst>
+              <a:ext uri="{FF2B5EF4-FFF2-40B4-BE49-F238E27FC236}">
+                <a16:creationId xmlns:a16="http://schemas.microsoft.com/office/drawing/2014/main" id="{76A3AB08-F682-8644-9E76-F4DA45B18013}"/>
+              </a:ext>
+            </a:extLst>
+          </p:cNvPr>
+          <p:cNvSpPr txBox="1"/>
+          <p:nvPr/>
+        </p:nvSpPr>
+        <p:spPr>
+          <a:xfrm>
+            <a:off x="1060316" y="4785646"/>
+            <a:ext cx="2849525" cy="830997"/>
+          </a:xfrm>
+          <a:prstGeom prst="rect">
+            <a:avLst/>
+          </a:prstGeom>
+          <a:noFill/>
+        </p:spPr>
+        <p:txBody>
+          <a:bodyPr wrap="square" rtlCol="0">
+            <a:spAutoFit/>
+          </a:bodyPr>
+          <a:lstStyle/>
+          <a:p>
+            <a:pPr marL="457200" indent="-457200">
+              <a:buFont typeface="Wingdings" pitchFamily="2" charset="2"/>
+              <a:buChar char="Ø"/>
+            </a:pPr>
+            <a:r>
+              <a:rPr kumimoji="1" lang="en-US" altLang="zh-CN" sz="2400" dirty="0">
+                <a:latin typeface="Microsoft YaHei" panose="020B0503020204020204" pitchFamily="34" charset="-122"/>
+                <a:ea typeface="Microsoft YaHei" panose="020B0503020204020204" pitchFamily="34" charset="-122"/>
+              </a:rPr>
+              <a:t>int</a:t>
+            </a:r>
+            <a:r>
+              <a:rPr kumimoji="1" lang="zh-CN" altLang="en-US" sz="2400" dirty="0">
+                <a:latin typeface="Microsoft YaHei" panose="020B0503020204020204" pitchFamily="34" charset="-122"/>
+                <a:ea typeface="Microsoft YaHei" panose="020B0503020204020204" pitchFamily="34" charset="-122"/>
+              </a:rPr>
+              <a:t>类型</a:t>
+            </a:r>
+            <a:endParaRPr kumimoji="1" lang="en-US" altLang="zh-CN" sz="2400" dirty="0">
+              <a:latin typeface="Microsoft YaHei" panose="020B0503020204020204" pitchFamily="34" charset="-122"/>
+              <a:ea typeface="Microsoft YaHei" panose="020B0503020204020204" pitchFamily="34" charset="-122"/>
+            </a:endParaRPr>
+          </a:p>
+          <a:p>
+            <a:pPr marL="457200" indent="-457200">
+              <a:buFont typeface="Wingdings" pitchFamily="2" charset="2"/>
+              <a:buChar char="Ø"/>
+            </a:pPr>
+            <a:r>
+              <a:rPr kumimoji="1" lang="en-US" altLang="zh-CN" sz="2400" dirty="0">
+                <a:latin typeface="Microsoft YaHei" panose="020B0503020204020204" pitchFamily="34" charset="-122"/>
+                <a:ea typeface="Microsoft YaHei" panose="020B0503020204020204" pitchFamily="34" charset="-122"/>
+              </a:rPr>
+              <a:t>float</a:t>
+            </a:r>
+            <a:r>
+              <a:rPr kumimoji="1" lang="zh-CN" altLang="en-US" sz="2400" dirty="0">
+                <a:latin typeface="Microsoft YaHei" panose="020B0503020204020204" pitchFamily="34" charset="-122"/>
+                <a:ea typeface="Microsoft YaHei" panose="020B0503020204020204" pitchFamily="34" charset="-122"/>
+              </a:rPr>
+              <a:t>类型</a:t>
+            </a:r>
+            <a:endParaRPr kumimoji="1" lang="en-US" altLang="zh-CN" sz="2400" dirty="0">
+              <a:latin typeface="Microsoft YaHei" panose="020B0503020204020204" pitchFamily="34" charset="-122"/>
+              <a:ea typeface="Microsoft YaHei" panose="020B0503020204020204" pitchFamily="34" charset="-122"/>
+            </a:endParaRPr>
+          </a:p>
+        </p:txBody>
+      </p:sp>
+      <p:sp>
+        <p:nvSpPr>
+          <p:cNvPr id="10" name="文本框 9">
+            <a:extLst>
+              <a:ext uri="{FF2B5EF4-FFF2-40B4-BE49-F238E27FC236}">
+                <a16:creationId xmlns:a16="http://schemas.microsoft.com/office/drawing/2014/main" id="{01B316BA-3FB8-4C42-A63A-6A032A63760E}"/>
+              </a:ext>
+            </a:extLst>
+          </p:cNvPr>
+          <p:cNvSpPr txBox="1"/>
+          <p:nvPr/>
+        </p:nvSpPr>
+        <p:spPr>
+          <a:xfrm>
+            <a:off x="5987315" y="2539533"/>
+            <a:ext cx="4954772" cy="830997"/>
+          </a:xfrm>
+          <a:prstGeom prst="rect">
+            <a:avLst/>
+          </a:prstGeom>
+          <a:noFill/>
+        </p:spPr>
+        <p:txBody>
+          <a:bodyPr wrap="square" rtlCol="0">
+            <a:spAutoFit/>
+          </a:bodyPr>
+          <a:lstStyle/>
+          <a:p>
+            <a:r>
+              <a:rPr kumimoji="1" lang="zh-CN" altLang="en-US" sz="2400" dirty="0">
+                <a:latin typeface="Microsoft YaHei" panose="020B0503020204020204" pitchFamily="34" charset="-122"/>
+                <a:ea typeface="Microsoft YaHei" panose="020B0503020204020204" pitchFamily="34" charset="-122"/>
+              </a:rPr>
+              <a:t>抽象数据模型： 在一个数据模型及其上面定义的操作</a:t>
+            </a:r>
+          </a:p>
+        </p:txBody>
+      </p:sp>
+      <p:graphicFrame>
+        <p:nvGraphicFramePr>
+          <p:cNvPr id="13" name="表格 12">
+            <a:extLst>
+              <a:ext uri="{FF2B5EF4-FFF2-40B4-BE49-F238E27FC236}">
+                <a16:creationId xmlns:a16="http://schemas.microsoft.com/office/drawing/2014/main" id="{0A94F8EC-5382-5C44-9AF8-2DCE2B526501}"/>
+              </a:ext>
+            </a:extLst>
+          </p:cNvPr>
+          <p:cNvGraphicFramePr>
+            <a:graphicFrameLocks noGrp="1"/>
+          </p:cNvGraphicFramePr>
+          <p:nvPr>
+            <p:extLst>
+              <p:ext uri="{D42A27DB-BD31-4B8C-83A1-F6EECF244321}">
+                <p14:modId xmlns:p14="http://schemas.microsoft.com/office/powerpoint/2010/main" val="3691048772"/>
+              </p:ext>
+            </p:extLst>
+          </p:nvPr>
+        </p:nvGraphicFramePr>
+        <p:xfrm>
+          <a:off x="5987315" y="4708702"/>
+          <a:ext cx="6204685" cy="1815882"/>
+        </p:xfrm>
+        <a:graphic>
+          <a:graphicData uri="http://schemas.openxmlformats.org/drawingml/2006/table">
+            <a:tbl>
+              <a:tblPr firstRow="1" bandRow="1">
+                <a:tableStyleId>{5C22544A-7EE6-4342-B048-85BDC9FD1C3A}</a:tableStyleId>
+              </a:tblPr>
+              <a:tblGrid>
+                <a:gridCol w="1240937">
+                  <a:extLst>
+                    <a:ext uri="{9D8B030D-6E8A-4147-A177-3AD203B41FA5}">
+                      <a16:colId xmlns:a16="http://schemas.microsoft.com/office/drawing/2014/main" val="63678742"/>
+                    </a:ext>
+                  </a:extLst>
+                </a:gridCol>
+                <a:gridCol w="1240937">
+                  <a:extLst>
+                    <a:ext uri="{9D8B030D-6E8A-4147-A177-3AD203B41FA5}">
+                      <a16:colId xmlns:a16="http://schemas.microsoft.com/office/drawing/2014/main" val="2780537876"/>
+                    </a:ext>
+                  </a:extLst>
+                </a:gridCol>
+                <a:gridCol w="1240937">
+                  <a:extLst>
+                    <a:ext uri="{9D8B030D-6E8A-4147-A177-3AD203B41FA5}">
+                      <a16:colId xmlns:a16="http://schemas.microsoft.com/office/drawing/2014/main" val="3605558048"/>
+                    </a:ext>
+                  </a:extLst>
+                </a:gridCol>
+                <a:gridCol w="1240937">
+                  <a:extLst>
+                    <a:ext uri="{9D8B030D-6E8A-4147-A177-3AD203B41FA5}">
+                      <a16:colId xmlns:a16="http://schemas.microsoft.com/office/drawing/2014/main" val="2059347844"/>
+                    </a:ext>
+                  </a:extLst>
+                </a:gridCol>
+                <a:gridCol w="1240937">
+                  <a:extLst>
+                    <a:ext uri="{9D8B030D-6E8A-4147-A177-3AD203B41FA5}">
+                      <a16:colId xmlns:a16="http://schemas.microsoft.com/office/drawing/2014/main" val="3825369775"/>
+                    </a:ext>
+                  </a:extLst>
+                </a:gridCol>
+              </a:tblGrid>
+              <a:tr h="605294">
+                <a:tc>
+                  <a:txBody>
+                    <a:bodyPr/>
+                    <a:lstStyle/>
+                    <a:p>
+                      <a:pPr algn="ctr"/>
+                      <a:r>
+                        <a:rPr lang="en-US" altLang="zh-CN" dirty="0"/>
+                        <a:t>Int</a:t>
+                      </a:r>
+                      <a:endParaRPr lang="zh-CN" altLang="en-US" dirty="0"/>
+                    </a:p>
+                  </a:txBody>
+                  <a:tcPr/>
+                </a:tc>
+                <a:tc>
+                  <a:txBody>
+                    <a:bodyPr/>
+                    <a:lstStyle/>
+                    <a:p>
+                      <a:pPr algn="ctr"/>
+                      <a:r>
+                        <a:rPr lang="en-US" altLang="zh-CN" dirty="0"/>
+                        <a:t>1+1</a:t>
+                      </a:r>
+                      <a:endParaRPr lang="zh-CN" altLang="en-US" dirty="0"/>
+                    </a:p>
+                  </a:txBody>
+                  <a:tcPr/>
+                </a:tc>
+                <a:tc>
+                  <a:txBody>
+                    <a:bodyPr/>
+                    <a:lstStyle/>
+                    <a:p>
+                      <a:pPr algn="ctr"/>
+                      <a:r>
+                        <a:rPr lang="en-US" altLang="zh-CN" dirty="0"/>
+                        <a:t>1-1</a:t>
+                      </a:r>
+                      <a:endParaRPr lang="zh-CN" altLang="en-US" dirty="0"/>
+                    </a:p>
+                  </a:txBody>
+                  <a:tcPr/>
+                </a:tc>
+                <a:tc>
+                  <a:txBody>
+                    <a:bodyPr/>
+                    <a:lstStyle/>
+                    <a:p>
+                      <a:pPr algn="ctr"/>
+                      <a:r>
+                        <a:rPr lang="en-US" altLang="zh-CN" dirty="0"/>
+                        <a:t>1</a:t>
+                      </a:r>
+                      <a:r>
+                        <a:rPr lang="zh-CN" altLang="en-US" dirty="0"/>
+                        <a:t>*</a:t>
+                      </a:r>
+                      <a:r>
+                        <a:rPr lang="en-US" altLang="zh-CN" dirty="0"/>
+                        <a:t>1</a:t>
+                      </a:r>
+                      <a:endParaRPr lang="zh-CN" altLang="en-US" dirty="0"/>
+                    </a:p>
+                  </a:txBody>
+                  <a:tcPr/>
+                </a:tc>
+                <a:tc>
+                  <a:txBody>
+                    <a:bodyPr/>
+                    <a:lstStyle/>
+                    <a:p>
+                      <a:pPr algn="ctr"/>
+                      <a:r>
+                        <a:rPr lang="en-US" altLang="zh-CN" dirty="0"/>
+                        <a:t>1/1</a:t>
+                      </a:r>
+                      <a:endParaRPr lang="zh-CN" altLang="en-US" dirty="0"/>
+                    </a:p>
+                  </a:txBody>
+                  <a:tcPr/>
+                </a:tc>
+                <a:extLst>
+                  <a:ext uri="{0D108BD9-81ED-4DB2-BD59-A6C34878D82A}">
+                    <a16:rowId xmlns:a16="http://schemas.microsoft.com/office/drawing/2014/main" val="2379731177"/>
+                  </a:ext>
+                </a:extLst>
+              </a:tr>
+              <a:tr h="605294">
+                <a:tc>
+                  <a:txBody>
+                    <a:bodyPr/>
+                    <a:lstStyle/>
+                    <a:p>
+                      <a:pPr algn="ctr"/>
+                      <a:r>
+                        <a:rPr lang="en-US" altLang="zh-CN" dirty="0"/>
+                        <a:t>Float</a:t>
+                      </a:r>
+                      <a:endParaRPr lang="zh-CN" altLang="en-US" dirty="0"/>
+                    </a:p>
+                  </a:txBody>
+                  <a:tcPr/>
+                </a:tc>
+                <a:tc>
+                  <a:txBody>
+                    <a:bodyPr/>
+                    <a:lstStyle/>
+                    <a:p>
+                      <a:pPr algn="ctr"/>
+                      <a:r>
+                        <a:rPr lang="en-US" altLang="zh-CN" dirty="0"/>
+                        <a:t>1.23+4.56</a:t>
+                      </a:r>
+                      <a:endParaRPr lang="zh-CN" altLang="en-US" dirty="0"/>
+                    </a:p>
+                  </a:txBody>
+                  <a:tcPr/>
+                </a:tc>
+                <a:tc>
+                  <a:txBody>
+                    <a:bodyPr/>
+                    <a:lstStyle/>
+                    <a:p>
+                      <a:pPr algn="ctr"/>
+                      <a:r>
+                        <a:rPr lang="en-US" altLang="zh-CN" dirty="0"/>
+                        <a:t>1.23-4.56</a:t>
+                      </a:r>
+                      <a:endParaRPr lang="zh-CN" altLang="en-US" dirty="0"/>
+                    </a:p>
+                  </a:txBody>
+                  <a:tcPr/>
+                </a:tc>
+                <a:tc>
+                  <a:txBody>
+                    <a:bodyPr/>
+                    <a:lstStyle/>
+                    <a:p>
+                      <a:pPr algn="ctr"/>
+                      <a:r>
+                        <a:rPr lang="en-US" altLang="zh-CN" dirty="0"/>
+                        <a:t>1.23</a:t>
+                      </a:r>
+                      <a:r>
+                        <a:rPr lang="zh-CN" altLang="en-US" dirty="0"/>
+                        <a:t>*</a:t>
+                      </a:r>
+                      <a:r>
+                        <a:rPr lang="en-US" altLang="zh-CN" dirty="0"/>
+                        <a:t>4.56</a:t>
+                      </a:r>
+                      <a:endParaRPr lang="zh-CN" altLang="en-US" dirty="0"/>
+                    </a:p>
+                  </a:txBody>
+                  <a:tcPr/>
+                </a:tc>
+                <a:tc>
+                  <a:txBody>
+                    <a:bodyPr/>
+                    <a:lstStyle/>
+                    <a:p>
+                      <a:pPr algn="ctr"/>
+                      <a:r>
+                        <a:rPr lang="en-US" altLang="zh-CN" dirty="0"/>
+                        <a:t>1.23/4.56</a:t>
+                      </a:r>
+                      <a:endParaRPr lang="zh-CN" altLang="en-US" dirty="0"/>
+                    </a:p>
+                  </a:txBody>
+                  <a:tcPr/>
+                </a:tc>
+                <a:extLst>
+                  <a:ext uri="{0D108BD9-81ED-4DB2-BD59-A6C34878D82A}">
+                    <a16:rowId xmlns:a16="http://schemas.microsoft.com/office/drawing/2014/main" val="351518810"/>
+                  </a:ext>
+                </a:extLst>
+              </a:tr>
+              <a:tr h="605294">
+                <a:tc>
+                  <a:txBody>
+                    <a:bodyPr/>
+                    <a:lstStyle/>
+                    <a:p>
+                      <a:pPr algn="ctr"/>
+                      <a:r>
+                        <a:rPr lang="zh-CN" altLang="en-US" dirty="0"/>
+                        <a:t>抽象类型</a:t>
+                      </a:r>
+                    </a:p>
+                  </a:txBody>
+                  <a:tcPr/>
+                </a:tc>
+                <a:tc>
+                  <a:txBody>
+                    <a:bodyPr/>
+                    <a:lstStyle/>
+                    <a:p>
+                      <a:pPr algn="ctr"/>
+                      <a:r>
+                        <a:rPr lang="zh-CN" altLang="en-US" dirty="0"/>
+                        <a:t>加</a:t>
+                      </a:r>
+                    </a:p>
+                  </a:txBody>
+                  <a:tcPr/>
+                </a:tc>
+                <a:tc>
+                  <a:txBody>
+                    <a:bodyPr/>
+                    <a:lstStyle/>
+                    <a:p>
+                      <a:pPr algn="ctr"/>
+                      <a:r>
+                        <a:rPr lang="zh-CN" altLang="en-US" dirty="0"/>
+                        <a:t>减</a:t>
+                      </a:r>
+                    </a:p>
+                  </a:txBody>
+                  <a:tcPr/>
+                </a:tc>
+                <a:tc>
+                  <a:txBody>
+                    <a:bodyPr/>
+                    <a:lstStyle/>
+                    <a:p>
+                      <a:pPr algn="ctr"/>
+                      <a:r>
+                        <a:rPr lang="zh-CN" altLang="en-US" dirty="0"/>
+                        <a:t>乘</a:t>
+                      </a:r>
+                    </a:p>
+                  </a:txBody>
+                  <a:tcPr/>
+                </a:tc>
+                <a:tc>
+                  <a:txBody>
+                    <a:bodyPr/>
+                    <a:lstStyle/>
+                    <a:p>
+                      <a:pPr algn="ctr"/>
+                      <a:r>
+                        <a:rPr lang="zh-CN" altLang="en-US" dirty="0"/>
+                        <a:t>除</a:t>
+                      </a:r>
+                    </a:p>
+                  </a:txBody>
+                  <a:tcPr/>
+                </a:tc>
+                <a:extLst>
+                  <a:ext uri="{0D108BD9-81ED-4DB2-BD59-A6C34878D82A}">
+                    <a16:rowId xmlns:a16="http://schemas.microsoft.com/office/drawing/2014/main" val="3951849423"/>
+                  </a:ext>
+                </a:extLst>
+              </a:tr>
+            </a:tbl>
+          </a:graphicData>
+        </a:graphic>
+      </p:graphicFrame>
+      <p:sp>
+        <p:nvSpPr>
+          <p:cNvPr id="7" name="文本框 6">
+            <a:extLst>
+              <a:ext uri="{FF2B5EF4-FFF2-40B4-BE49-F238E27FC236}">
+                <a16:creationId xmlns:a16="http://schemas.microsoft.com/office/drawing/2014/main" id="{4332E611-6A41-B34B-AF37-D982BE2DDB58}"/>
+              </a:ext>
+            </a:extLst>
+          </p:cNvPr>
+          <p:cNvSpPr txBox="1"/>
+          <p:nvPr/>
+        </p:nvSpPr>
+        <p:spPr>
+          <a:xfrm>
+            <a:off x="540000" y="1800000"/>
+            <a:ext cx="1070042" cy="542675"/>
+          </a:xfrm>
+          <a:prstGeom prst="rect">
+            <a:avLst/>
+          </a:prstGeom>
+          <a:solidFill>
+            <a:schemeClr val="accent2"/>
+          </a:solidFill>
+        </p:spPr>
+        <p:txBody>
+          <a:bodyPr wrap="square" rtlCol="0">
+            <a:spAutoFit/>
+          </a:bodyPr>
+          <a:lstStyle/>
+          <a:p>
+            <a:r>
+              <a:rPr kumimoji="1" lang="zh-CN" altLang="en-US" sz="2800" dirty="0">
                 <a:solidFill>
                   <a:schemeClr val="bg1"/>
                 </a:solidFill>
                 <a:latin typeface="Microsoft YaHei" panose="020B0503020204020204" pitchFamily="34" charset="-122"/>
                 <a:ea typeface="Microsoft YaHei" panose="020B0503020204020204" pitchFamily="34" charset="-122"/>
               </a:rPr>
-              <a:t>小总结</a:t>
-            </a:r>
-          </a:p>
-        </p:txBody>
-      </p:sp>
+              <a:t>定义</a:t>
+            </a:r>
+          </a:p>
+        </p:txBody>
+      </p:sp>
+      <p:sp>
+        <p:nvSpPr>
+          <p:cNvPr id="8" name="文本框 7">
+            <a:extLst>
+              <a:ext uri="{FF2B5EF4-FFF2-40B4-BE49-F238E27FC236}">
+                <a16:creationId xmlns:a16="http://schemas.microsoft.com/office/drawing/2014/main" id="{7A900BD6-DA4D-F44B-BFC9-865373183C85}"/>
+              </a:ext>
+            </a:extLst>
+          </p:cNvPr>
+          <p:cNvSpPr txBox="1"/>
+          <p:nvPr/>
+        </p:nvSpPr>
+        <p:spPr>
+          <a:xfrm>
+            <a:off x="5583044" y="3902968"/>
+            <a:ext cx="1070042" cy="542675"/>
+          </a:xfrm>
+          <a:prstGeom prst="rect">
+            <a:avLst/>
+          </a:prstGeom>
+          <a:solidFill>
+            <a:schemeClr val="accent2"/>
+          </a:solidFill>
+        </p:spPr>
+        <p:txBody>
+          <a:bodyPr wrap="square" rtlCol="0">
+            <a:spAutoFit/>
+          </a:bodyPr>
+          <a:lstStyle/>
+          <a:p>
+            <a:r>
+              <a:rPr kumimoji="1" lang="zh-CN" altLang="en-US" sz="2800" dirty="0">
+                <a:solidFill>
+                  <a:schemeClr val="bg1"/>
+                </a:solidFill>
+                <a:latin typeface="Microsoft YaHei" panose="020B0503020204020204" pitchFamily="34" charset="-122"/>
+                <a:ea typeface="Microsoft YaHei" panose="020B0503020204020204" pitchFamily="34" charset="-122"/>
+              </a:rPr>
+              <a:t>例子</a:t>
+            </a:r>
+          </a:p>
+        </p:txBody>
+      </p:sp>
+      <p:sp>
+        <p:nvSpPr>
+          <p:cNvPr id="9" name="文本框 8">
+            <a:extLst>
+              <a:ext uri="{FF2B5EF4-FFF2-40B4-BE49-F238E27FC236}">
+                <a16:creationId xmlns:a16="http://schemas.microsoft.com/office/drawing/2014/main" id="{8C88158F-12A7-1A4D-A222-2651AF2F4A71}"/>
+              </a:ext>
+            </a:extLst>
+          </p:cNvPr>
+          <p:cNvSpPr txBox="1"/>
+          <p:nvPr/>
+        </p:nvSpPr>
+        <p:spPr>
+          <a:xfrm>
+            <a:off x="5583044" y="1770834"/>
+            <a:ext cx="1070042" cy="542675"/>
+          </a:xfrm>
+          <a:prstGeom prst="rect">
+            <a:avLst/>
+          </a:prstGeom>
+          <a:solidFill>
+            <a:schemeClr val="accent2"/>
+          </a:solidFill>
+        </p:spPr>
+        <p:txBody>
+          <a:bodyPr wrap="square" rtlCol="0">
+            <a:spAutoFit/>
+          </a:bodyPr>
+          <a:lstStyle/>
+          <a:p>
+            <a:r>
+              <a:rPr kumimoji="1" lang="zh-CN" altLang="en-US" sz="2800" dirty="0">
+                <a:solidFill>
+                  <a:schemeClr val="bg1"/>
+                </a:solidFill>
+                <a:latin typeface="Microsoft YaHei" panose="020B0503020204020204" pitchFamily="34" charset="-122"/>
+                <a:ea typeface="Microsoft YaHei" panose="020B0503020204020204" pitchFamily="34" charset="-122"/>
+              </a:rPr>
+              <a:t>定义</a:t>
+            </a:r>
+          </a:p>
+        </p:txBody>
+      </p:sp>
+      <p:sp>
+        <p:nvSpPr>
+          <p:cNvPr id="11" name="文本框 10">
+            <a:extLst>
+              <a:ext uri="{FF2B5EF4-FFF2-40B4-BE49-F238E27FC236}">
+                <a16:creationId xmlns:a16="http://schemas.microsoft.com/office/drawing/2014/main" id="{24AA2B17-AB4A-774C-9989-8545382EAB10}"/>
+              </a:ext>
+            </a:extLst>
+          </p:cNvPr>
+          <p:cNvSpPr txBox="1"/>
+          <p:nvPr/>
+        </p:nvSpPr>
+        <p:spPr>
+          <a:xfrm>
+            <a:off x="540000" y="3960000"/>
+            <a:ext cx="1070042" cy="542675"/>
+          </a:xfrm>
+          <a:prstGeom prst="rect">
+            <a:avLst/>
+          </a:prstGeom>
+          <a:solidFill>
+            <a:schemeClr val="accent2"/>
+          </a:solidFill>
+        </p:spPr>
+        <p:txBody>
+          <a:bodyPr wrap="square" rtlCol="0">
+            <a:spAutoFit/>
+          </a:bodyPr>
+          <a:lstStyle/>
+          <a:p>
+            <a:r>
+              <a:rPr kumimoji="1" lang="zh-CN" altLang="en-US" sz="2800" dirty="0">
+                <a:solidFill>
+                  <a:schemeClr val="bg1"/>
+                </a:solidFill>
+                <a:latin typeface="Microsoft YaHei" panose="020B0503020204020204" pitchFamily="34" charset="-122"/>
+                <a:ea typeface="Microsoft YaHei" panose="020B0503020204020204" pitchFamily="34" charset="-122"/>
+              </a:rPr>
+              <a:t>例子</a:t>
+            </a:r>
+          </a:p>
+        </p:txBody>
+      </p:sp>
+      <p:cxnSp>
+        <p:nvCxnSpPr>
+          <p:cNvPr id="6" name="直线连接符 5">
+            <a:extLst>
+              <a:ext uri="{FF2B5EF4-FFF2-40B4-BE49-F238E27FC236}">
+                <a16:creationId xmlns:a16="http://schemas.microsoft.com/office/drawing/2014/main" id="{7427DAA8-AFAF-8644-A718-C64C3D9B953A}"/>
+              </a:ext>
+            </a:extLst>
+          </p:cNvPr>
+          <p:cNvCxnSpPr/>
+          <p:nvPr/>
+        </p:nvCxnSpPr>
+        <p:spPr>
+          <a:xfrm>
+            <a:off x="4883285" y="2704835"/>
+            <a:ext cx="0" cy="2703744"/>
+          </a:xfrm>
+          <a:prstGeom prst="line">
+            <a:avLst/>
+          </a:prstGeom>
+          <a:ln w="12700">
+            <a:solidFill>
+              <a:schemeClr val="bg1">
+                <a:lumMod val="75000"/>
+              </a:schemeClr>
+            </a:solidFill>
+          </a:ln>
+        </p:spPr>
+        <p:style>
+          <a:lnRef idx="1">
+            <a:schemeClr val="accent1"/>
+          </a:lnRef>
+          <a:fillRef idx="0">
+            <a:schemeClr val="accent1"/>
+          </a:fillRef>
+          <a:effectRef idx="0">
+            <a:schemeClr val="accent1"/>
+          </a:effectRef>
+          <a:fontRef idx="minor">
+            <a:schemeClr val="tx1"/>
+          </a:fontRef>
+        </p:style>
+      </p:cxnSp>
+    </p:spTree>
+    <p:extLst>
+      <p:ext uri="{BB962C8B-B14F-4D97-AF65-F5344CB8AC3E}">
+        <p14:creationId xmlns:p14="http://schemas.microsoft.com/office/powerpoint/2010/main" val="2389045370"/>
+      </p:ext>
+    </p:extLst>
+  </p:cSld>
+  <p:clrMapOvr>
+    <a:masterClrMapping/>
+  </p:clrMapOvr>
+</p:sld>
+</file>
+
+<file path=ppt/slides/slide18.xml><?xml version="1.0" encoding="utf-8"?>
+<p:sld xmlns:a="http://schemas.openxmlformats.org/drawingml/2006/main" xmlns:r="http://schemas.openxmlformats.org/officeDocument/2006/relationships" xmlns:p="http://schemas.openxmlformats.org/presentationml/2006/main">
+  <p:cSld>
+    <p:bg>
+      <p:bgPr>
+        <a:blipFill>
+          <a:blip r:embed="rId3"/>
+          <a:tile tx="0" ty="0" sx="100000" sy="100000" flip="none" algn="tl"/>
+        </a:blipFill>
+        <a:effectLst/>
+      </p:bgPr>
+    </p:bg>
+    <p:spTree>
+      <p:nvGrpSpPr>
+        <p:cNvPr id="1" name=""/>
+        <p:cNvGrpSpPr/>
+        <p:nvPr/>
+      </p:nvGrpSpPr>
+      <p:grpSpPr>
+        <a:xfrm>
+          <a:off x="0" y="0"/>
+          <a:ext cx="0" cy="0"/>
+          <a:chOff x="0" y="0"/>
+          <a:chExt cx="0" cy="0"/>
+        </a:xfrm>
+      </p:grpSpPr>
+      <p:sp>
+        <p:nvSpPr>
+          <p:cNvPr id="2" name="文本框 1">
+            <a:extLst>
+              <a:ext uri="{FF2B5EF4-FFF2-40B4-BE49-F238E27FC236}">
+                <a16:creationId xmlns:a16="http://schemas.microsoft.com/office/drawing/2014/main" id="{12AA8BCC-7B15-4842-80C2-48C079429338}"/>
+              </a:ext>
+            </a:extLst>
+          </p:cNvPr>
+          <p:cNvSpPr txBox="1"/>
+          <p:nvPr/>
+        </p:nvSpPr>
+        <p:spPr>
+          <a:xfrm>
+            <a:off x="2228088" y="2921168"/>
+            <a:ext cx="7735824" cy="1015663"/>
+          </a:xfrm>
+          <a:prstGeom prst="rect">
+            <a:avLst/>
+          </a:prstGeom>
+          <a:noFill/>
+        </p:spPr>
+        <p:txBody>
+          <a:bodyPr wrap="square" rtlCol="0">
+            <a:spAutoFit/>
+          </a:bodyPr>
+          <a:lstStyle/>
+          <a:p>
+            <a:pPr algn="ctr"/>
+            <a:r>
+              <a:rPr kumimoji="1" lang="zh-CN" altLang="en-US" sz="6000" dirty="0">
+                <a:latin typeface="Microsoft YaHei" panose="020B0503020204020204" pitchFamily="34" charset="-122"/>
+                <a:ea typeface="Microsoft YaHei" panose="020B0503020204020204" pitchFamily="34" charset="-122"/>
+              </a:rPr>
+              <a:t>这堂课我们学了撒？</a:t>
+            </a:r>
+          </a:p>
+        </p:txBody>
+      </p:sp>
+    </p:spTree>
+    <p:extLst>
+      <p:ext uri="{BB962C8B-B14F-4D97-AF65-F5344CB8AC3E}">
+        <p14:creationId xmlns:p14="http://schemas.microsoft.com/office/powerpoint/2010/main" val="3338372476"/>
+      </p:ext>
+    </p:extLst>
+  </p:cSld>
+  <p:clrMapOvr>
+    <a:masterClrMapping/>
+  </p:clrMapOvr>
+</p:sld>
+</file>
+
+<file path=ppt/slides/slide19.xml><?xml version="1.0" encoding="utf-8"?>
+<p:sld xmlns:a="http://schemas.openxmlformats.org/drawingml/2006/main" xmlns:r="http://schemas.openxmlformats.org/officeDocument/2006/relationships" xmlns:p="http://schemas.openxmlformats.org/presentationml/2006/main">
+  <p:cSld>
+    <p:bg>
+      <p:bgPr>
+        <a:blipFill dpi="0" rotWithShape="1">
+          <a:blip r:embed="rId3">
+            <a:lum/>
+          </a:blip>
+          <a:srcRect/>
+          <a:stretch>
+            <a:fillRect/>
+          </a:stretch>
+        </a:blipFill>
+        <a:effectLst/>
+      </p:bgPr>
+    </p:bg>
+    <p:spTree>
+      <p:nvGrpSpPr>
+        <p:cNvPr id="1" name=""/>
+        <p:cNvGrpSpPr/>
+        <p:nvPr/>
+      </p:nvGrpSpPr>
+      <p:grpSpPr>
+        <a:xfrm>
+          <a:off x="0" y="0"/>
+          <a:ext cx="0" cy="0"/>
+          <a:chOff x="0" y="0"/>
+          <a:chExt cx="0" cy="0"/>
+        </a:xfrm>
+      </p:grpSpPr>
     </p:spTree>
     <p:extLst>
       <p:ext uri="{BB962C8B-B14F-4D97-AF65-F5344CB8AC3E}">
@@ -7067,7 +12807,7 @@
                 <a:latin typeface="Microsoft YaHei" panose="020B0503020204020204" pitchFamily="34" charset="-122"/>
                 <a:ea typeface="Microsoft YaHei" panose="020B0503020204020204" pitchFamily="34" charset="-122"/>
               </a:rPr>
-              <a:t>最总要的是你能</a:t>
+              <a:t>最重要的是你能</a:t>
             </a:r>
           </a:p>
         </p:txBody>
@@ -7416,6 +13156,9 @@
             <a:pPr algn="ctr"/>
             <a:r>
               <a:rPr kumimoji="1" lang="zh-CN" altLang="en-US" sz="2800" dirty="0">
+                <a:solidFill>
+                  <a:schemeClr val="bg1"/>
+                </a:solidFill>
                 <a:latin typeface="Microsoft YaHei" panose="020B0503020204020204" pitchFamily="34" charset="-122"/>
                 <a:ea typeface="Microsoft YaHei" panose="020B0503020204020204" pitchFamily="34" charset="-122"/>
               </a:rPr>
@@ -7468,7 +13211,11 @@
           </a:lstStyle>
           <a:p>
             <a:r>
-              <a:rPr lang="zh-CN" altLang="en-US" dirty="0"/>
+              <a:rPr lang="zh-CN" altLang="en-US" dirty="0">
+                <a:solidFill>
+                  <a:schemeClr val="bg1"/>
+                </a:solidFill>
+              </a:rPr>
               <a:t>数据元素</a:t>
             </a:r>
           </a:p>
@@ -7518,14 +13265,26 @@
           </a:lstStyle>
           <a:p>
             <a:r>
-              <a:rPr lang="zh-CN" altLang="en-US" dirty="0"/>
+              <a:rPr lang="zh-CN" altLang="en-US" dirty="0">
+                <a:solidFill>
+                  <a:schemeClr val="bg1"/>
+                </a:solidFill>
+              </a:rPr>
               <a:t>数据项</a:t>
             </a:r>
             <a:r>
-              <a:rPr lang="en-US" altLang="zh-CN" dirty="0"/>
+              <a:rPr lang="en-US" altLang="zh-CN" dirty="0">
+                <a:solidFill>
+                  <a:schemeClr val="bg1"/>
+                </a:solidFill>
+              </a:rPr>
               <a:t>1</a:t>
             </a:r>
-            <a:endParaRPr lang="zh-CN" altLang="en-US" dirty="0"/>
+            <a:endParaRPr lang="zh-CN" altLang="en-US" dirty="0">
+              <a:solidFill>
+                <a:schemeClr val="bg1"/>
+              </a:solidFill>
+            </a:endParaRPr>
           </a:p>
         </p:txBody>
       </p:sp>
@@ -7573,14 +13332,26 @@
           </a:lstStyle>
           <a:p>
             <a:r>
-              <a:rPr lang="zh-CN" altLang="en-US" dirty="0"/>
+              <a:rPr lang="zh-CN" altLang="en-US" dirty="0">
+                <a:solidFill>
+                  <a:schemeClr val="bg1"/>
+                </a:solidFill>
+              </a:rPr>
               <a:t>数据项</a:t>
             </a:r>
             <a:r>
-              <a:rPr lang="en-US" altLang="zh-CN" dirty="0"/>
+              <a:rPr lang="en-US" altLang="zh-CN" dirty="0">
+                <a:solidFill>
+                  <a:schemeClr val="bg1"/>
+                </a:solidFill>
+              </a:rPr>
               <a:t>2</a:t>
             </a:r>
-            <a:endParaRPr lang="zh-CN" altLang="en-US" dirty="0"/>
+            <a:endParaRPr lang="zh-CN" altLang="en-US" dirty="0">
+              <a:solidFill>
+                <a:schemeClr val="bg1"/>
+              </a:solidFill>
+            </a:endParaRPr>
           </a:p>
         </p:txBody>
       </p:sp>
@@ -7628,7 +13399,11 @@
           </a:lstStyle>
           <a:p>
             <a:r>
-              <a:rPr lang="zh-CN" altLang="en-US" dirty="0"/>
+              <a:rPr lang="zh-CN" altLang="en-US" dirty="0">
+                <a:solidFill>
+                  <a:schemeClr val="bg1"/>
+                </a:solidFill>
+              </a:rPr>
               <a:t>数据元素</a:t>
             </a:r>
           </a:p>
@@ -7678,14 +13453,26 @@
           </a:lstStyle>
           <a:p>
             <a:r>
-              <a:rPr lang="zh-CN" altLang="en-US" dirty="0"/>
+              <a:rPr lang="zh-CN" altLang="en-US" dirty="0">
+                <a:solidFill>
+                  <a:schemeClr val="bg1"/>
+                </a:solidFill>
+              </a:rPr>
               <a:t>数据项</a:t>
             </a:r>
             <a:r>
-              <a:rPr lang="en-US" altLang="zh-CN" dirty="0"/>
+              <a:rPr lang="en-US" altLang="zh-CN" dirty="0">
+                <a:solidFill>
+                  <a:schemeClr val="bg1"/>
+                </a:solidFill>
+              </a:rPr>
               <a:t>1</a:t>
             </a:r>
-            <a:endParaRPr lang="zh-CN" altLang="en-US" dirty="0"/>
+            <a:endParaRPr lang="zh-CN" altLang="en-US" dirty="0">
+              <a:solidFill>
+                <a:schemeClr val="bg1"/>
+              </a:solidFill>
+            </a:endParaRPr>
           </a:p>
         </p:txBody>
       </p:sp>
@@ -7733,14 +13520,26 @@
           </a:lstStyle>
           <a:p>
             <a:r>
-              <a:rPr lang="zh-CN" altLang="en-US" dirty="0"/>
+              <a:rPr lang="zh-CN" altLang="en-US" dirty="0">
+                <a:solidFill>
+                  <a:schemeClr val="bg1"/>
+                </a:solidFill>
+              </a:rPr>
               <a:t>数据项</a:t>
             </a:r>
             <a:r>
-              <a:rPr lang="en-US" altLang="zh-CN" dirty="0"/>
+              <a:rPr lang="en-US" altLang="zh-CN" dirty="0">
+                <a:solidFill>
+                  <a:schemeClr val="bg1"/>
+                </a:solidFill>
+              </a:rPr>
               <a:t>2</a:t>
             </a:r>
-            <a:endParaRPr lang="zh-CN" altLang="en-US" dirty="0"/>
+            <a:endParaRPr lang="zh-CN" altLang="en-US" dirty="0">
+              <a:solidFill>
+                <a:schemeClr val="bg1"/>
+              </a:solidFill>
+            </a:endParaRPr>
           </a:p>
         </p:txBody>
       </p:sp>
@@ -7788,7 +13587,11 @@
           </a:lstStyle>
           <a:p>
             <a:r>
-              <a:rPr lang="zh-CN" altLang="en-US" dirty="0"/>
+              <a:rPr lang="zh-CN" altLang="en-US" dirty="0">
+                <a:solidFill>
+                  <a:schemeClr val="bg1"/>
+                </a:solidFill>
+              </a:rPr>
               <a:t>数据元素</a:t>
             </a:r>
           </a:p>
@@ -7838,14 +13641,26 @@
           </a:lstStyle>
           <a:p>
             <a:r>
-              <a:rPr lang="zh-CN" altLang="en-US" dirty="0"/>
+              <a:rPr lang="zh-CN" altLang="en-US" dirty="0">
+                <a:solidFill>
+                  <a:schemeClr val="bg1"/>
+                </a:solidFill>
+              </a:rPr>
               <a:t>数据项</a:t>
             </a:r>
             <a:r>
-              <a:rPr lang="en-US" altLang="zh-CN" dirty="0"/>
+              <a:rPr lang="en-US" altLang="zh-CN" dirty="0">
+                <a:solidFill>
+                  <a:schemeClr val="bg1"/>
+                </a:solidFill>
+              </a:rPr>
               <a:t>1</a:t>
             </a:r>
-            <a:endParaRPr lang="zh-CN" altLang="en-US" dirty="0"/>
+            <a:endParaRPr lang="zh-CN" altLang="en-US" dirty="0">
+              <a:solidFill>
+                <a:schemeClr val="bg1"/>
+              </a:solidFill>
+            </a:endParaRPr>
           </a:p>
         </p:txBody>
       </p:sp>
@@ -7893,14 +13708,26 @@
           </a:lstStyle>
           <a:p>
             <a:r>
-              <a:rPr lang="zh-CN" altLang="en-US" dirty="0"/>
+              <a:rPr lang="zh-CN" altLang="en-US" dirty="0">
+                <a:solidFill>
+                  <a:schemeClr val="bg1"/>
+                </a:solidFill>
+              </a:rPr>
               <a:t>数据项</a:t>
             </a:r>
             <a:r>
-              <a:rPr lang="en-US" altLang="zh-CN" dirty="0"/>
+              <a:rPr lang="en-US" altLang="zh-CN" dirty="0">
+                <a:solidFill>
+                  <a:schemeClr val="bg1"/>
+                </a:solidFill>
+              </a:rPr>
               <a:t>2</a:t>
             </a:r>
-            <a:endParaRPr lang="zh-CN" altLang="en-US" dirty="0"/>
+            <a:endParaRPr lang="zh-CN" altLang="en-US" dirty="0">
+              <a:solidFill>
+                <a:schemeClr val="bg1"/>
+              </a:solidFill>
+            </a:endParaRPr>
           </a:p>
         </p:txBody>
       </p:sp>
@@ -7996,8 +13823,8 @@
         </p:nvSpPr>
         <p:spPr>
           <a:xfrm>
-            <a:off x="1084392" y="2044298"/>
-            <a:ext cx="10839384" cy="1308820"/>
+            <a:off x="1060316" y="2708415"/>
+            <a:ext cx="10839384" cy="662489"/>
           </a:xfrm>
           <a:prstGeom prst="rect">
             <a:avLst/>
@@ -8020,25 +13847,7 @@
                 <a:latin typeface="Microsoft YaHei" panose="020B0503020204020204" pitchFamily="34" charset="-122"/>
                 <a:ea typeface="Microsoft YaHei" panose="020B0503020204020204" pitchFamily="34" charset="-122"/>
               </a:rPr>
-              <a:t>定义： </a:t>
-            </a:r>
-            <a:endParaRPr kumimoji="1" lang="en-US" altLang="zh-CN" sz="2800" dirty="0">
-              <a:latin typeface="Microsoft YaHei" panose="020B0503020204020204" pitchFamily="34" charset="-122"/>
-              <a:ea typeface="Microsoft YaHei" panose="020B0503020204020204" pitchFamily="34" charset="-122"/>
-            </a:endParaRPr>
-          </a:p>
-          <a:p>
-            <a:pPr algn="ctr">
-              <a:lnSpc>
-                <a:spcPct val="150000"/>
-              </a:lnSpc>
-            </a:pPr>
-            <a:r>
-              <a:rPr kumimoji="1" lang="zh-CN" altLang="en-US" sz="2800" dirty="0">
-                <a:latin typeface="Microsoft YaHei" panose="020B0503020204020204" pitchFamily="34" charset="-122"/>
-                <a:ea typeface="Microsoft YaHei" panose="020B0503020204020204" pitchFamily="34" charset="-122"/>
-              </a:rPr>
-              <a:t>描述客观事物的符号 且可以输入到计算机里面被计算机程序处理</a:t>
+              <a:t> 描述客观事物的符号 且可以输入到计算机里面被计算机程序处理</a:t>
             </a:r>
           </a:p>
         </p:txBody>
@@ -8261,10 +14070,10 @@
       </p:sp>
       <p:sp>
         <p:nvSpPr>
-          <p:cNvPr id="27" name="文本框 26">
-            <a:extLst>
-              <a:ext uri="{FF2B5EF4-FFF2-40B4-BE49-F238E27FC236}">
-                <a16:creationId xmlns:a16="http://schemas.microsoft.com/office/drawing/2014/main" id="{2BE35D07-43DE-9447-84C2-7A7FBB5DC928}"/>
+          <p:cNvPr id="12" name="文本框 11">
+            <a:extLst>
+              <a:ext uri="{FF2B5EF4-FFF2-40B4-BE49-F238E27FC236}">
+                <a16:creationId xmlns:a16="http://schemas.microsoft.com/office/drawing/2014/main" id="{F14B615A-42FE-3D43-A5FE-3CE42167EDA2}"/>
               </a:ext>
             </a:extLst>
           </p:cNvPr>
@@ -8273,13 +14082,15 @@
         </p:nvSpPr>
         <p:spPr>
           <a:xfrm>
-            <a:off x="1084392" y="4124977"/>
-            <a:ext cx="2249424" cy="523220"/>
+            <a:off x="540000" y="1800000"/>
+            <a:ext cx="1070042" cy="542675"/>
           </a:xfrm>
           <a:prstGeom prst="rect">
             <a:avLst/>
           </a:prstGeom>
-          <a:noFill/>
+          <a:solidFill>
+            <a:schemeClr val="accent2"/>
+          </a:solidFill>
         </p:spPr>
         <p:txBody>
           <a:bodyPr wrap="square" rtlCol="0">
@@ -8289,10 +14100,56 @@
           <a:p>
             <a:r>
               <a:rPr kumimoji="1" lang="zh-CN" altLang="en-US" sz="2800" dirty="0">
+                <a:solidFill>
+                  <a:schemeClr val="bg1"/>
+                </a:solidFill>
                 <a:latin typeface="Microsoft YaHei" panose="020B0503020204020204" pitchFamily="34" charset="-122"/>
                 <a:ea typeface="Microsoft YaHei" panose="020B0503020204020204" pitchFamily="34" charset="-122"/>
               </a:rPr>
-              <a:t>例子：</a:t>
+              <a:t>定义</a:t>
+            </a:r>
+          </a:p>
+        </p:txBody>
+      </p:sp>
+      <p:sp>
+        <p:nvSpPr>
+          <p:cNvPr id="13" name="文本框 12">
+            <a:extLst>
+              <a:ext uri="{FF2B5EF4-FFF2-40B4-BE49-F238E27FC236}">
+                <a16:creationId xmlns:a16="http://schemas.microsoft.com/office/drawing/2014/main" id="{85875164-0528-F14B-A965-675C7C0B97D0}"/>
+              </a:ext>
+            </a:extLst>
+          </p:cNvPr>
+          <p:cNvSpPr txBox="1"/>
+          <p:nvPr/>
+        </p:nvSpPr>
+        <p:spPr>
+          <a:xfrm>
+            <a:off x="540000" y="3960000"/>
+            <a:ext cx="1070042" cy="542675"/>
+          </a:xfrm>
+          <a:prstGeom prst="rect">
+            <a:avLst/>
+          </a:prstGeom>
+          <a:solidFill>
+            <a:schemeClr val="accent2"/>
+          </a:solidFill>
+        </p:spPr>
+        <p:txBody>
+          <a:bodyPr wrap="square" rtlCol="0">
+            <a:spAutoFit/>
+          </a:bodyPr>
+          <a:lstStyle/>
+          <a:p>
+            <a:r>
+              <a:rPr kumimoji="1" lang="zh-CN" altLang="en-US" sz="2800" dirty="0">
+                <a:solidFill>
+                  <a:schemeClr val="bg1"/>
+                </a:solidFill>
+                <a:latin typeface="Microsoft YaHei" panose="020B0503020204020204" pitchFamily="34" charset="-122"/>
+                <a:ea typeface="Microsoft YaHei" panose="020B0503020204020204" pitchFamily="34" charset="-122"/>
+              </a:rPr>
+              <a:t>例子</a:t>
             </a:r>
           </a:p>
         </p:txBody>
@@ -8389,8 +14246,8 @@
         </p:nvSpPr>
         <p:spPr>
           <a:xfrm>
-            <a:off x="1084392" y="2044298"/>
-            <a:ext cx="11107608" cy="1308820"/>
+            <a:off x="834108" y="2651199"/>
+            <a:ext cx="11107608" cy="662489"/>
           </a:xfrm>
           <a:prstGeom prst="rect">
             <a:avLst/>
@@ -8413,63 +14270,7 @@
                 <a:latin typeface="Microsoft YaHei" panose="020B0503020204020204" pitchFamily="34" charset="-122"/>
                 <a:ea typeface="Microsoft YaHei" panose="020B0503020204020204" pitchFamily="34" charset="-122"/>
               </a:rPr>
-              <a:t>定义： </a:t>
-            </a:r>
-            <a:endParaRPr kumimoji="1" lang="en-US" altLang="zh-CN" sz="2800" dirty="0">
-              <a:latin typeface="Microsoft YaHei" panose="020B0503020204020204" pitchFamily="34" charset="-122"/>
-              <a:ea typeface="Microsoft YaHei" panose="020B0503020204020204" pitchFamily="34" charset="-122"/>
-            </a:endParaRPr>
-          </a:p>
-          <a:p>
-            <a:pPr algn="ctr">
-              <a:lnSpc>
-                <a:spcPct val="150000"/>
-              </a:lnSpc>
-            </a:pPr>
-            <a:r>
-              <a:rPr kumimoji="1" lang="zh-CN" altLang="en-US" sz="2800" dirty="0">
-                <a:latin typeface="Microsoft YaHei" panose="020B0503020204020204" pitchFamily="34" charset="-122"/>
-                <a:ea typeface="Microsoft YaHei" panose="020B0503020204020204" pitchFamily="34" charset="-122"/>
-              </a:rPr>
-              <a:t>组成数据的基本单元，在计算机中通常作为整体处理，也被称为记录</a:t>
-            </a:r>
-          </a:p>
-        </p:txBody>
-      </p:sp>
-      <p:sp>
-        <p:nvSpPr>
-          <p:cNvPr id="27" name="文本框 26">
-            <a:extLst>
-              <a:ext uri="{FF2B5EF4-FFF2-40B4-BE49-F238E27FC236}">
-                <a16:creationId xmlns:a16="http://schemas.microsoft.com/office/drawing/2014/main" id="{2BE35D07-43DE-9447-84C2-7A7FBB5DC928}"/>
-              </a:ext>
-            </a:extLst>
-          </p:cNvPr>
-          <p:cNvSpPr txBox="1"/>
-          <p:nvPr/>
-        </p:nvSpPr>
-        <p:spPr>
-          <a:xfrm>
-            <a:off x="1084392" y="3960385"/>
-            <a:ext cx="2249424" cy="523220"/>
-          </a:xfrm>
-          <a:prstGeom prst="rect">
-            <a:avLst/>
-          </a:prstGeom>
-          <a:noFill/>
-        </p:spPr>
-        <p:txBody>
-          <a:bodyPr wrap="square" rtlCol="0">
-            <a:spAutoFit/>
-          </a:bodyPr>
-          <a:lstStyle/>
-          <a:p>
-            <a:r>
-              <a:rPr kumimoji="1" lang="zh-CN" altLang="en-US" sz="2800" dirty="0">
-                <a:latin typeface="Microsoft YaHei" panose="020B0503020204020204" pitchFamily="34" charset="-122"/>
-                <a:ea typeface="Microsoft YaHei" panose="020B0503020204020204" pitchFamily="34" charset="-122"/>
-              </a:rPr>
-              <a:t>例子：</a:t>
+              <a:t> 组成数据的基本单元，在计算机中通常作为整体处理，也被称为记录</a:t>
             </a:r>
           </a:p>
         </p:txBody>
@@ -8798,6 +14599,92 @@
           </a:prstGeom>
         </p:spPr>
       </p:pic>
+      <p:sp>
+        <p:nvSpPr>
+          <p:cNvPr id="14" name="文本框 13">
+            <a:extLst>
+              <a:ext uri="{FF2B5EF4-FFF2-40B4-BE49-F238E27FC236}">
+                <a16:creationId xmlns:a16="http://schemas.microsoft.com/office/drawing/2014/main" id="{1F1566B6-4AAF-5F49-8A67-4072FACD54DF}"/>
+              </a:ext>
+            </a:extLst>
+          </p:cNvPr>
+          <p:cNvSpPr txBox="1"/>
+          <p:nvPr/>
+        </p:nvSpPr>
+        <p:spPr>
+          <a:xfrm>
+            <a:off x="540000" y="1800000"/>
+            <a:ext cx="1070042" cy="542675"/>
+          </a:xfrm>
+          <a:prstGeom prst="rect">
+            <a:avLst/>
+          </a:prstGeom>
+          <a:solidFill>
+            <a:schemeClr val="accent2"/>
+          </a:solidFill>
+        </p:spPr>
+        <p:txBody>
+          <a:bodyPr wrap="square" rtlCol="0">
+            <a:spAutoFit/>
+          </a:bodyPr>
+          <a:lstStyle/>
+          <a:p>
+            <a:r>
+              <a:rPr kumimoji="1" lang="zh-CN" altLang="en-US" sz="2800" dirty="0">
+                <a:solidFill>
+                  <a:schemeClr val="bg1"/>
+                </a:solidFill>
+                <a:latin typeface="Microsoft YaHei" panose="020B0503020204020204" pitchFamily="34" charset="-122"/>
+                <a:ea typeface="Microsoft YaHei" panose="020B0503020204020204" pitchFamily="34" charset="-122"/>
+              </a:rPr>
+              <a:t>定义</a:t>
+            </a:r>
+          </a:p>
+        </p:txBody>
+      </p:sp>
+      <p:sp>
+        <p:nvSpPr>
+          <p:cNvPr id="16" name="文本框 15">
+            <a:extLst>
+              <a:ext uri="{FF2B5EF4-FFF2-40B4-BE49-F238E27FC236}">
+                <a16:creationId xmlns:a16="http://schemas.microsoft.com/office/drawing/2014/main" id="{DF21D548-4705-D14F-911E-09284F323ED9}"/>
+              </a:ext>
+            </a:extLst>
+          </p:cNvPr>
+          <p:cNvSpPr txBox="1"/>
+          <p:nvPr/>
+        </p:nvSpPr>
+        <p:spPr>
+          <a:xfrm>
+            <a:off x="540000" y="3960000"/>
+            <a:ext cx="1070042" cy="542675"/>
+          </a:xfrm>
+          <a:prstGeom prst="rect">
+            <a:avLst/>
+          </a:prstGeom>
+          <a:solidFill>
+            <a:schemeClr val="accent2"/>
+          </a:solidFill>
+        </p:spPr>
+        <p:txBody>
+          <a:bodyPr wrap="square" rtlCol="0">
+            <a:spAutoFit/>
+          </a:bodyPr>
+          <a:lstStyle/>
+          <a:p>
+            <a:r>
+              <a:rPr kumimoji="1" lang="zh-CN" altLang="en-US" sz="2800" dirty="0">
+                <a:solidFill>
+                  <a:schemeClr val="bg1"/>
+                </a:solidFill>
+                <a:latin typeface="Microsoft YaHei" panose="020B0503020204020204" pitchFamily="34" charset="-122"/>
+                <a:ea typeface="Microsoft YaHei" panose="020B0503020204020204" pitchFamily="34" charset="-122"/>
+              </a:rPr>
+              <a:t>例子</a:t>
+            </a:r>
+          </a:p>
+        </p:txBody>
+      </p:sp>
     </p:spTree>
     <p:extLst>
       <p:ext uri="{BB962C8B-B14F-4D97-AF65-F5344CB8AC3E}">
@@ -8890,8 +14777,8 @@
         </p:nvSpPr>
         <p:spPr>
           <a:xfrm>
-            <a:off x="795180" y="2280814"/>
-            <a:ext cx="10601640" cy="1308820"/>
+            <a:off x="875778" y="2599627"/>
+            <a:ext cx="10601640" cy="662489"/>
           </a:xfrm>
           <a:prstGeom prst="rect">
             <a:avLst/>
@@ -8914,76 +14801,45 @@
                 <a:latin typeface="Microsoft YaHei" panose="020B0503020204020204" pitchFamily="34" charset="-122"/>
                 <a:ea typeface="Microsoft YaHei" panose="020B0503020204020204" pitchFamily="34" charset="-122"/>
               </a:rPr>
-              <a:t>定义： </a:t>
-            </a:r>
-            <a:endParaRPr kumimoji="1" lang="en-US" altLang="zh-CN" sz="2800" dirty="0">
-              <a:latin typeface="Microsoft YaHei" panose="020B0503020204020204" pitchFamily="34" charset="-122"/>
-              <a:ea typeface="Microsoft YaHei" panose="020B0503020204020204" pitchFamily="34" charset="-122"/>
-            </a:endParaRPr>
-          </a:p>
-          <a:p>
-            <a:pPr algn="ctr">
-              <a:lnSpc>
-                <a:spcPct val="150000"/>
-              </a:lnSpc>
-            </a:pPr>
+              <a:t> 一个数据元素可以由若干个数据项构成，其实不可分割的最小单位</a:t>
+            </a:r>
+          </a:p>
+        </p:txBody>
+      </p:sp>
+      <p:sp>
+        <p:nvSpPr>
+          <p:cNvPr id="6" name="文本框 5">
+            <a:extLst>
+              <a:ext uri="{FF2B5EF4-FFF2-40B4-BE49-F238E27FC236}">
+                <a16:creationId xmlns:a16="http://schemas.microsoft.com/office/drawing/2014/main" id="{4F4C9F1C-8D9E-5B4D-B72C-4607DE1DDB69}"/>
+              </a:ext>
+            </a:extLst>
+          </p:cNvPr>
+          <p:cNvSpPr txBox="1"/>
+          <p:nvPr/>
+        </p:nvSpPr>
+        <p:spPr>
+          <a:xfrm>
+            <a:off x="1060316" y="4949504"/>
+            <a:ext cx="10762836" cy="954107"/>
+          </a:xfrm>
+          <a:prstGeom prst="rect">
+            <a:avLst/>
+          </a:prstGeom>
+          <a:noFill/>
+        </p:spPr>
+        <p:txBody>
+          <a:bodyPr wrap="square" rtlCol="0">
+            <a:spAutoFit/>
+          </a:bodyPr>
+          <a:lstStyle/>
+          <a:p>
             <a:r>
               <a:rPr kumimoji="1" lang="zh-CN" altLang="en-US" sz="2800" dirty="0">
                 <a:latin typeface="Microsoft YaHei" panose="020B0503020204020204" pitchFamily="34" charset="-122"/>
                 <a:ea typeface="Microsoft YaHei" panose="020B0503020204020204" pitchFamily="34" charset="-122"/>
               </a:rPr>
-              <a:t>一个数据元素可以由若干个数据项构成，其实不可分割的最小单位</a:t>
-            </a:r>
-          </a:p>
-        </p:txBody>
-      </p:sp>
-      <p:sp>
-        <p:nvSpPr>
-          <p:cNvPr id="6" name="文本框 5">
-            <a:extLst>
-              <a:ext uri="{FF2B5EF4-FFF2-40B4-BE49-F238E27FC236}">
-                <a16:creationId xmlns:a16="http://schemas.microsoft.com/office/drawing/2014/main" id="{4F4C9F1C-8D9E-5B4D-B72C-4607DE1DDB69}"/>
-              </a:ext>
-            </a:extLst>
-          </p:cNvPr>
-          <p:cNvSpPr txBox="1"/>
-          <p:nvPr/>
-        </p:nvSpPr>
-        <p:spPr>
-          <a:xfrm>
-            <a:off x="795180" y="4319451"/>
-            <a:ext cx="10762836" cy="1384995"/>
-          </a:xfrm>
-          <a:prstGeom prst="rect">
-            <a:avLst/>
-          </a:prstGeom>
-          <a:noFill/>
-        </p:spPr>
-        <p:txBody>
-          <a:bodyPr wrap="square" rtlCol="0">
-            <a:spAutoFit/>
-          </a:bodyPr>
-          <a:lstStyle/>
-          <a:p>
-            <a:r>
-              <a:rPr kumimoji="1" lang="zh-CN" altLang="en-US" sz="2800" dirty="0">
-                <a:latin typeface="Microsoft YaHei" panose="020B0503020204020204" pitchFamily="34" charset="-122"/>
-                <a:ea typeface="Microsoft YaHei" panose="020B0503020204020204" pitchFamily="34" charset="-122"/>
-              </a:rPr>
-              <a:t>例子：</a:t>
-            </a:r>
-            <a:endParaRPr kumimoji="1" lang="en-US" altLang="zh-CN" sz="2800" dirty="0">
-              <a:latin typeface="Microsoft YaHei" panose="020B0503020204020204" pitchFamily="34" charset="-122"/>
-              <a:ea typeface="Microsoft YaHei" panose="020B0503020204020204" pitchFamily="34" charset="-122"/>
-            </a:endParaRPr>
-          </a:p>
-          <a:p>
-            <a:r>
-              <a:rPr kumimoji="1" lang="zh-CN" altLang="en-US" sz="2800" dirty="0">
-                <a:latin typeface="Microsoft YaHei" panose="020B0503020204020204" pitchFamily="34" charset="-122"/>
-                <a:ea typeface="Microsoft YaHei" panose="020B0503020204020204" pitchFamily="34" charset="-122"/>
-              </a:rPr>
-              <a:t>    一个人的年龄，姓名，出生地点</a:t>
+              <a:t>户口本里你的年龄，姓名，出生地点</a:t>
             </a:r>
             <a:endParaRPr kumimoji="1" lang="en-US" altLang="zh-CN" sz="2800" dirty="0">
               <a:latin typeface="Microsoft YaHei" panose="020B0503020204020204" pitchFamily="34" charset="-122"/>
@@ -8997,6 +14853,92 @@
                 <a:ea typeface="Microsoft YaHei" panose="020B0503020204020204" pitchFamily="34" charset="-122"/>
               </a:rPr>
               <a:t>   </a:t>
+            </a:r>
+          </a:p>
+        </p:txBody>
+      </p:sp>
+      <p:sp>
+        <p:nvSpPr>
+          <p:cNvPr id="5" name="文本框 4">
+            <a:extLst>
+              <a:ext uri="{FF2B5EF4-FFF2-40B4-BE49-F238E27FC236}">
+                <a16:creationId xmlns:a16="http://schemas.microsoft.com/office/drawing/2014/main" id="{F002A832-49B7-8043-8A96-E30A0A5F5F11}"/>
+              </a:ext>
+            </a:extLst>
+          </p:cNvPr>
+          <p:cNvSpPr txBox="1"/>
+          <p:nvPr/>
+        </p:nvSpPr>
+        <p:spPr>
+          <a:xfrm>
+            <a:off x="540000" y="3960000"/>
+            <a:ext cx="1070042" cy="542675"/>
+          </a:xfrm>
+          <a:prstGeom prst="rect">
+            <a:avLst/>
+          </a:prstGeom>
+          <a:solidFill>
+            <a:schemeClr val="accent2"/>
+          </a:solidFill>
+        </p:spPr>
+        <p:txBody>
+          <a:bodyPr wrap="square" rtlCol="0">
+            <a:spAutoFit/>
+          </a:bodyPr>
+          <a:lstStyle/>
+          <a:p>
+            <a:r>
+              <a:rPr kumimoji="1" lang="zh-CN" altLang="en-US" sz="2800" dirty="0">
+                <a:solidFill>
+                  <a:schemeClr val="bg1"/>
+                </a:solidFill>
+                <a:latin typeface="Microsoft YaHei" panose="020B0503020204020204" pitchFamily="34" charset="-122"/>
+                <a:ea typeface="Microsoft YaHei" panose="020B0503020204020204" pitchFamily="34" charset="-122"/>
+              </a:rPr>
+              <a:t>例子</a:t>
+            </a:r>
+          </a:p>
+        </p:txBody>
+      </p:sp>
+      <p:sp>
+        <p:nvSpPr>
+          <p:cNvPr id="7" name="文本框 6">
+            <a:extLst>
+              <a:ext uri="{FF2B5EF4-FFF2-40B4-BE49-F238E27FC236}">
+                <a16:creationId xmlns:a16="http://schemas.microsoft.com/office/drawing/2014/main" id="{EEBD4C1E-4944-7840-A855-E43020815F7D}"/>
+              </a:ext>
+            </a:extLst>
+          </p:cNvPr>
+          <p:cNvSpPr txBox="1"/>
+          <p:nvPr/>
+        </p:nvSpPr>
+        <p:spPr>
+          <a:xfrm>
+            <a:off x="540000" y="1800000"/>
+            <a:ext cx="1070042" cy="542675"/>
+          </a:xfrm>
+          <a:prstGeom prst="rect">
+            <a:avLst/>
+          </a:prstGeom>
+          <a:solidFill>
+            <a:schemeClr val="accent2"/>
+          </a:solidFill>
+        </p:spPr>
+        <p:txBody>
+          <a:bodyPr wrap="square" rtlCol="0">
+            <a:spAutoFit/>
+          </a:bodyPr>
+          <a:lstStyle/>
+          <a:p>
+            <a:r>
+              <a:rPr kumimoji="1" lang="zh-CN" altLang="en-US" sz="2800" dirty="0">
+                <a:solidFill>
+                  <a:schemeClr val="bg1"/>
+                </a:solidFill>
+                <a:latin typeface="Microsoft YaHei" panose="020B0503020204020204" pitchFamily="34" charset="-122"/>
+                <a:ea typeface="Microsoft YaHei" panose="020B0503020204020204" pitchFamily="34" charset="-122"/>
+              </a:rPr>
+              <a:t>定义</a:t>
             </a:r>
           </a:p>
         </p:txBody>
@@ -9020,7 +14962,7 @@
     <p:bg>
       <p:bgPr>
         <a:blipFill>
-          <a:blip r:embed="rId2"/>
+          <a:blip r:embed="rId3"/>
           <a:tile tx="0" ty="0" sx="100000" sy="100000" flip="none" algn="tl"/>
         </a:blipFill>
         <a:effectLst/>
@@ -9093,8 +15035,8 @@
         </p:nvSpPr>
         <p:spPr>
           <a:xfrm>
-            <a:off x="1467292" y="1956391"/>
-            <a:ext cx="9845749" cy="954107"/>
+            <a:off x="1060316" y="2612168"/>
+            <a:ext cx="9845749" cy="523220"/>
           </a:xfrm>
           <a:prstGeom prst="rect">
             <a:avLst/>
@@ -9112,27 +15054,7 @@
                 <a:latin typeface="Microsoft YaHei" panose="020B0503020204020204" pitchFamily="34" charset="-122"/>
                 <a:ea typeface="Microsoft YaHei" panose="020B0503020204020204" pitchFamily="34" charset="-122"/>
               </a:rPr>
-              <a:t>定义：</a:t>
-            </a:r>
-            <a:endParaRPr kumimoji="1" lang="en-US" altLang="zh-CN" sz="2800" dirty="0">
-              <a:latin typeface="Microsoft YaHei" panose="020B0503020204020204" pitchFamily="34" charset="-122"/>
-              <a:ea typeface="Microsoft YaHei" panose="020B0503020204020204" pitchFamily="34" charset="-122"/>
-            </a:endParaRPr>
-          </a:p>
-          <a:p>
-            <a:r>
-              <a:rPr kumimoji="1" lang="en-US" altLang="zh-CN" sz="2800" dirty="0">
-                <a:latin typeface="Microsoft YaHei" panose="020B0503020204020204" pitchFamily="34" charset="-122"/>
-                <a:ea typeface="Microsoft YaHei" panose="020B0503020204020204" pitchFamily="34" charset="-122"/>
-              </a:rPr>
-              <a:t>	</a:t>
-            </a:r>
-            <a:r>
-              <a:rPr kumimoji="1" lang="zh-CN" altLang="en-US" sz="2800" dirty="0">
-                <a:latin typeface="Microsoft YaHei" panose="020B0503020204020204" pitchFamily="34" charset="-122"/>
-                <a:ea typeface="Microsoft YaHei" panose="020B0503020204020204" pitchFamily="34" charset="-122"/>
-              </a:rPr>
-              <a:t> 相互之间存在一种或者多种关系的数据元素的集合</a:t>
+              <a:t>相互之间存在一种或者多种关系的数据元素的集合</a:t>
             </a:r>
           </a:p>
         </p:txBody>
@@ -9151,8 +15073,8 @@
         </p:nvSpPr>
         <p:spPr>
           <a:xfrm>
-            <a:off x="1467292" y="3615070"/>
-            <a:ext cx="9271592" cy="1815882"/>
+            <a:off x="1060316" y="4634331"/>
+            <a:ext cx="9271592" cy="1384995"/>
           </a:xfrm>
           <a:prstGeom prst="rect">
             <a:avLst/>
@@ -9165,30 +15087,10 @@
           </a:bodyPr>
           <a:lstStyle/>
           <a:p>
-            <a:r>
-              <a:rPr kumimoji="1" lang="zh-CN" altLang="en-US" sz="2800" dirty="0">
-                <a:latin typeface="Microsoft YaHei" panose="020B0503020204020204" pitchFamily="34" charset="-122"/>
-                <a:ea typeface="Microsoft YaHei" panose="020B0503020204020204" pitchFamily="34" charset="-122"/>
-              </a:rPr>
-              <a:t>例子：</a:t>
-            </a:r>
-            <a:endParaRPr kumimoji="1" lang="en-US" altLang="zh-CN" sz="2800" dirty="0">
-              <a:latin typeface="Microsoft YaHei" panose="020B0503020204020204" pitchFamily="34" charset="-122"/>
-              <a:ea typeface="Microsoft YaHei" panose="020B0503020204020204" pitchFamily="34" charset="-122"/>
-            </a:endParaRPr>
-          </a:p>
-          <a:p>
             <a:pPr marL="457200" indent="-457200">
-              <a:buFont typeface="Arial" panose="020B0604020202020204" pitchFamily="34" charset="0"/>
-              <a:buChar char="•"/>
+              <a:buFont typeface="Wingdings" pitchFamily="2" charset="2"/>
+              <a:buChar char="Ø"/>
             </a:pPr>
-            <a:r>
-              <a:rPr kumimoji="1" lang="en-US" altLang="zh-CN" sz="2800" dirty="0">
-                <a:latin typeface="Microsoft YaHei" panose="020B0503020204020204" pitchFamily="34" charset="-122"/>
-                <a:ea typeface="Microsoft YaHei" panose="020B0503020204020204" pitchFamily="34" charset="-122"/>
-              </a:rPr>
-              <a:t>	</a:t>
-            </a:r>
             <a:r>
               <a:rPr kumimoji="1" lang="zh-CN" altLang="en-US" sz="2800" dirty="0">
                 <a:latin typeface="Microsoft YaHei" panose="020B0503020204020204" pitchFamily="34" charset="-122"/>
@@ -9217,22 +15119,15 @@
           </a:p>
           <a:p>
             <a:pPr marL="457200" indent="-457200">
-              <a:buFont typeface="Arial" panose="020B0604020202020204" pitchFamily="34" charset="0"/>
-              <a:buChar char="•"/>
+              <a:buFont typeface="Wingdings" pitchFamily="2" charset="2"/>
+              <a:buChar char="Ø"/>
             </a:pPr>
-            <a:r>
-              <a:rPr kumimoji="1" lang="en-US" altLang="zh-CN" sz="2800" dirty="0">
-                <a:latin typeface="Microsoft YaHei" panose="020B0503020204020204" pitchFamily="34" charset="-122"/>
-                <a:ea typeface="Microsoft YaHei" panose="020B0503020204020204" pitchFamily="34" charset="-122"/>
-              </a:rPr>
-              <a:t>	</a:t>
-            </a:r>
             <a:r>
               <a:rPr kumimoji="1" lang="zh-CN" altLang="en-US" sz="2800" dirty="0">
                 <a:latin typeface="Microsoft YaHei" panose="020B0503020204020204" pitchFamily="34" charset="-122"/>
                 <a:ea typeface="Microsoft YaHei" panose="020B0503020204020204" pitchFamily="34" charset="-122"/>
               </a:rPr>
-              <a:t> 以各个元器件为元素组成的电脑</a:t>
+              <a:t>以各个元器件为元素组成的电脑</a:t>
             </a:r>
             <a:endParaRPr kumimoji="1" lang="en-US" altLang="zh-CN" sz="2800" dirty="0">
               <a:latin typeface="Microsoft YaHei" panose="020B0503020204020204" pitchFamily="34" charset="-122"/>
@@ -9241,22 +15136,101 @@
           </a:p>
           <a:p>
             <a:pPr marL="457200" indent="-457200">
-              <a:buFont typeface="Arial" panose="020B0604020202020204" pitchFamily="34" charset="0"/>
-              <a:buChar char="•"/>
+              <a:buFont typeface="Wingdings" pitchFamily="2" charset="2"/>
+              <a:buChar char="Ø"/>
             </a:pPr>
-            <a:r>
-              <a:rPr kumimoji="1" lang="en-US" altLang="zh-CN" sz="2800" dirty="0">
-                <a:latin typeface="Microsoft YaHei" panose="020B0503020204020204" pitchFamily="34" charset="-122"/>
-                <a:ea typeface="Microsoft YaHei" panose="020B0503020204020204" pitchFamily="34" charset="-122"/>
-              </a:rPr>
-              <a:t>	</a:t>
-            </a:r>
             <a:r>
               <a:rPr kumimoji="1" lang="zh-CN" altLang="en-US" sz="2800" dirty="0">
                 <a:latin typeface="Microsoft YaHei" panose="020B0503020204020204" pitchFamily="34" charset="-122"/>
                 <a:ea typeface="Microsoft YaHei" panose="020B0503020204020204" pitchFamily="34" charset="-122"/>
               </a:rPr>
-              <a:t> 你所认识的朋友的关系网络</a:t>
+              <a:t>你所认识的朋友的关系网络</a:t>
+            </a:r>
+          </a:p>
+        </p:txBody>
+      </p:sp>
+      <p:sp>
+        <p:nvSpPr>
+          <p:cNvPr id="5" name="文本框 4">
+            <a:extLst>
+              <a:ext uri="{FF2B5EF4-FFF2-40B4-BE49-F238E27FC236}">
+                <a16:creationId xmlns:a16="http://schemas.microsoft.com/office/drawing/2014/main" id="{3CCEBA86-89F6-AC48-BA4E-FAE56B3CD8C5}"/>
+              </a:ext>
+            </a:extLst>
+          </p:cNvPr>
+          <p:cNvSpPr txBox="1"/>
+          <p:nvPr/>
+        </p:nvSpPr>
+        <p:spPr>
+          <a:xfrm>
+            <a:off x="540000" y="3960000"/>
+            <a:ext cx="1070042" cy="542675"/>
+          </a:xfrm>
+          <a:prstGeom prst="rect">
+            <a:avLst/>
+          </a:prstGeom>
+          <a:solidFill>
+            <a:schemeClr val="accent2"/>
+          </a:solidFill>
+        </p:spPr>
+        <p:txBody>
+          <a:bodyPr wrap="square" rtlCol="0">
+            <a:spAutoFit/>
+          </a:bodyPr>
+          <a:lstStyle/>
+          <a:p>
+            <a:r>
+              <a:rPr kumimoji="1" lang="zh-CN" altLang="en-US" sz="2800" dirty="0">
+                <a:solidFill>
+                  <a:schemeClr val="bg1"/>
+                </a:solidFill>
+                <a:latin typeface="Microsoft YaHei" panose="020B0503020204020204" pitchFamily="34" charset="-122"/>
+                <a:ea typeface="Microsoft YaHei" panose="020B0503020204020204" pitchFamily="34" charset="-122"/>
+              </a:rPr>
+              <a:t>例子</a:t>
+            </a:r>
+          </a:p>
+        </p:txBody>
+      </p:sp>
+      <p:sp>
+        <p:nvSpPr>
+          <p:cNvPr id="6" name="文本框 5">
+            <a:extLst>
+              <a:ext uri="{FF2B5EF4-FFF2-40B4-BE49-F238E27FC236}">
+                <a16:creationId xmlns:a16="http://schemas.microsoft.com/office/drawing/2014/main" id="{202584A8-4723-3F49-A359-94E250841FE4}"/>
+              </a:ext>
+            </a:extLst>
+          </p:cNvPr>
+          <p:cNvSpPr txBox="1"/>
+          <p:nvPr/>
+        </p:nvSpPr>
+        <p:spPr>
+          <a:xfrm>
+            <a:off x="540000" y="1800000"/>
+            <a:ext cx="1070042" cy="542675"/>
+          </a:xfrm>
+          <a:prstGeom prst="rect">
+            <a:avLst/>
+          </a:prstGeom>
+          <a:solidFill>
+            <a:schemeClr val="accent2"/>
+          </a:solidFill>
+        </p:spPr>
+        <p:txBody>
+          <a:bodyPr wrap="square" rtlCol="0">
+            <a:spAutoFit/>
+          </a:bodyPr>
+          <a:lstStyle/>
+          <a:p>
+            <a:r>
+              <a:rPr kumimoji="1" lang="zh-CN" altLang="en-US" sz="2800" dirty="0">
+                <a:solidFill>
+                  <a:schemeClr val="bg1"/>
+                </a:solidFill>
+                <a:latin typeface="Microsoft YaHei" panose="020B0503020204020204" pitchFamily="34" charset="-122"/>
+                <a:ea typeface="Microsoft YaHei" panose="020B0503020204020204" pitchFamily="34" charset="-122"/>
+              </a:rPr>
+              <a:t>定义</a:t>
             </a:r>
           </a:p>
         </p:txBody>
